--- a/졸업작품 제안서/졸업작품 제안서ver3.pptx
+++ b/졸업작품 제안서/졸업작품 제안서ver3.pptx
@@ -1,6 +1,6 @@
 
 <file path=ppt/presentation.xml><?xml version="1.0" encoding="utf-8"?>
-<p:presentation xmlns:r="http://schemas.openxmlformats.org/officeDocument/2006/relationships" xmlns:c="http://schemas.openxmlformats.org/drawingml/2006/chart" xmlns:a="http://schemas.openxmlformats.org/drawingml/2006/main" xmlns:dgm="http://schemas.openxmlformats.org/drawingml/2006/diagram" xmlns:dsp="http://schemas.microsoft.com/office/drawing/2008/diagram" xmlns:p="http://schemas.openxmlformats.org/presentationml/2006/main">
+<p:presentation xmlns:a="http://schemas.openxmlformats.org/drawingml/2006/main" xmlns:r="http://schemas.openxmlformats.org/officeDocument/2006/relationships" xmlns:p="http://schemas.openxmlformats.org/presentationml/2006/main">
   <p:sldMasterIdLst>
     <p:sldMasterId id="2147483704" r:id="rId1"/>
     <p:sldMasterId id="2147483705" r:id="rId2"/>
@@ -124,17 +124,33 @@
       </a:defRPr>
     </a:lvl9pPr>
   </p:defaultTextStyle>
+  <p:extLst>
+    <p:ext uri="{EFAFB233-063F-42B5-8137-9DF3F51BA10A}">
+      <p15:sldGuideLst xmlns:p15="http://schemas.microsoft.com/office/powerpoint/2012/main">
+        <p15:guide id="1" orient="horz" pos="2159">
+          <p15:clr>
+            <a:srgbClr val="A4A3A4"/>
+          </p15:clr>
+        </p15:guide>
+        <p15:guide id="2" pos="3839">
+          <p15:clr>
+            <a:srgbClr val="A4A3A4"/>
+          </p15:clr>
+        </p15:guide>
+      </p15:sldGuideLst>
+    </p:ext>
+  </p:extLst>
 </p:presentation>
 </file>
 
 <file path=ppt/commentAuthors.xml><?xml version="1.0" encoding="utf-8"?>
-<p:cmAuthorLst xmlns:r="http://schemas.openxmlformats.org/officeDocument/2006/relationships" xmlns:c="http://schemas.openxmlformats.org/drawingml/2006/chart" xmlns:a="http://schemas.openxmlformats.org/drawingml/2006/main" xmlns:dgm="http://schemas.openxmlformats.org/drawingml/2006/diagram" xmlns:dsp="http://schemas.microsoft.com/office/drawing/2008/diagram" xmlns:p="http://schemas.openxmlformats.org/presentationml/2006/main">
+<p:cmAuthorLst xmlns:a="http://schemas.openxmlformats.org/drawingml/2006/main" xmlns:r="http://schemas.openxmlformats.org/officeDocument/2006/relationships" xmlns:p="http://schemas.openxmlformats.org/presentationml/2006/main">
   <p:cmAuthor id="0" name="전태준" initials="전태준" lastIdx="2" clrIdx="0"/>
 </p:cmAuthorLst>
 </file>
 
 <file path=ppt/comments/comment1.xml><?xml version="1.0" encoding="utf-8"?>
-<p:cmLst xmlns:r="http://schemas.openxmlformats.org/officeDocument/2006/relationships" xmlns:c="http://schemas.openxmlformats.org/drawingml/2006/chart" xmlns:a="http://schemas.openxmlformats.org/drawingml/2006/main" xmlns:dgm="http://schemas.openxmlformats.org/drawingml/2006/diagram" xmlns:dsp="http://schemas.microsoft.com/office/drawing/2008/diagram" xmlns:p="http://schemas.openxmlformats.org/presentationml/2006/main">
+<p:cmLst xmlns:a="http://schemas.openxmlformats.org/drawingml/2006/main" xmlns:r="http://schemas.openxmlformats.org/officeDocument/2006/relationships" xmlns:p="http://schemas.openxmlformats.org/presentationml/2006/main">
   <p:cm authorId="0" dt="2023-11-20T23:04:39.195" idx="1">
     <p:pos x="9" y="9"/>
     <p:text>https://kr.freepik.com/premium-photo/game-art-for-firstperson-shooters-fps-background-wallpaper-generative-ai_43802601.htm
@@ -144,7 +160,7 @@
 </file>
 
 <file path=ppt/comments/comment2.xml><?xml version="1.0" encoding="utf-8"?>
-<p:cmLst xmlns:r="http://schemas.openxmlformats.org/officeDocument/2006/relationships" xmlns:c="http://schemas.openxmlformats.org/drawingml/2006/chart" xmlns:a="http://schemas.openxmlformats.org/drawingml/2006/main" xmlns:dgm="http://schemas.openxmlformats.org/drawingml/2006/diagram" xmlns:dsp="http://schemas.microsoft.com/office/drawing/2008/diagram" xmlns:p="http://schemas.openxmlformats.org/presentationml/2006/main">
+<p:cmLst xmlns:a="http://schemas.openxmlformats.org/drawingml/2006/main" xmlns:r="http://schemas.openxmlformats.org/officeDocument/2006/relationships" xmlns:p="http://schemas.openxmlformats.org/presentationml/2006/main">
   <p:cm authorId="0" dt="2023-11-20T23:39:24.433" idx="2">
     <p:pos x="10" y="10"/>
     <p:text>깃발https://www.flaticon.com/kr/free-icon/flag_5778770
@@ -2007,7 +2023,7 @@
 </file>
 
 <file path=ppt/slides/slide1.xml><?xml version="1.0" encoding="utf-8"?>
-<p:sld xmlns:r="http://schemas.openxmlformats.org/officeDocument/2006/relationships" xmlns:c="http://schemas.openxmlformats.org/drawingml/2006/chart" xmlns:a="http://schemas.openxmlformats.org/drawingml/2006/main" xmlns:dgm="http://schemas.openxmlformats.org/drawingml/2006/diagram" xmlns:dsp="http://schemas.microsoft.com/office/drawing/2008/diagram" xmlns:p="http://schemas.openxmlformats.org/presentationml/2006/main">
+<p:sld xmlns:a="http://schemas.openxmlformats.org/drawingml/2006/main" xmlns:r="http://schemas.openxmlformats.org/officeDocument/2006/relationships" xmlns:p="http://schemas.openxmlformats.org/presentationml/2006/main">
   <p:cSld>
     <p:spTree>
       <p:nvGrpSpPr>
@@ -2099,11 +2115,6 @@
               </a:rPr>
               <a:t>전태준</a:t>
             </a:r>
-            <a:endParaRPr lang="ko-KR" altLang="en-US" sz="2800">
-              <a:solidFill>
-                <a:schemeClr val="lt1"/>
-              </a:solidFill>
-            </a:endParaRPr>
           </a:p>
           <a:p>
             <a:pPr algn="r">
@@ -2125,11 +2136,6 @@
               </a:rPr>
               <a:t>권세진</a:t>
             </a:r>
-            <a:endParaRPr lang="ko-KR" altLang="en-US" sz="2800">
-              <a:solidFill>
-                <a:schemeClr val="lt1"/>
-              </a:solidFill>
-            </a:endParaRPr>
           </a:p>
           <a:p>
             <a:pPr algn="r">
@@ -2220,11 +2226,11 @@
   <p:clrMapOvr>
     <a:masterClrMapping/>
   </p:clrMapOvr>
-  <mc:AlternateContent xmlns:mc="http://schemas.openxmlformats.org/markup-compatibility/2006">
-    <mc:Choice xmlns:p14="http://schemas.microsoft.com/office/powerpoint/2010/main" Requires="p14">
-      <p:transition xmlns:mc="http://schemas.openxmlformats.org/markup-compatibility/2006" xmlns:p14="http://schemas.microsoft.com/office/powerpoint/2010/main" mc:Ignorable="p14" p14:dur="500"/>
+  <mc:AlternateContent xmlns:mc="http://schemas.openxmlformats.org/markup-compatibility/2006" xmlns:p14="http://schemas.microsoft.com/office/powerpoint/2010/main">
+    <mc:Choice Requires="p14">
+      <p:transition/>
     </mc:Choice>
-    <mc:Fallback>
+    <mc:Fallback xmlns:dsp="http://schemas.microsoft.com/office/drawing/2008/diagram" xmlns:dgm="http://schemas.openxmlformats.org/drawingml/2006/diagram" xmlns:c="http://schemas.openxmlformats.org/drawingml/2006/chart" xmlns="">
       <p:transition/>
     </mc:Fallback>
   </mc:AlternateContent>
@@ -2232,7 +2238,7 @@
 </file>
 
 <file path=ppt/slides/slide10.xml><?xml version="1.0" encoding="utf-8"?>
-<p:sld xmlns:r="http://schemas.openxmlformats.org/officeDocument/2006/relationships" xmlns:c="http://schemas.openxmlformats.org/drawingml/2006/chart" xmlns:a="http://schemas.openxmlformats.org/drawingml/2006/main" xmlns:dgm="http://schemas.openxmlformats.org/drawingml/2006/diagram" xmlns:dsp="http://schemas.microsoft.com/office/drawing/2008/diagram" xmlns:p="http://schemas.openxmlformats.org/presentationml/2006/main">
+<p:sld xmlns:a="http://schemas.openxmlformats.org/drawingml/2006/main" xmlns:r="http://schemas.openxmlformats.org/officeDocument/2006/relationships" xmlns:p="http://schemas.openxmlformats.org/presentationml/2006/main">
   <p:cSld>
     <p:spTree>
       <p:nvGrpSpPr>
@@ -2283,13 +2289,6 @@
               </a:rPr>
               <a:t>03</a:t>
             </a:r>
-            <a:endParaRPr lang="en-US" altLang="ko-KR" sz="6000">
-              <a:solidFill>
-                <a:schemeClr val="bg1"/>
-              </a:solidFill>
-              <a:latin typeface="나눔스퀘어 Light"/>
-              <a:ea typeface="나눔스퀘어 Light"/>
-            </a:endParaRPr>
           </a:p>
         </p:txBody>
       </p:sp>
@@ -2328,13 +2327,6 @@
               </a:rPr>
               <a:t>게임소개</a:t>
             </a:r>
-            <a:endParaRPr lang="ko-KR" altLang="en-US" sz="2800">
-              <a:solidFill>
-                <a:schemeClr val="bg1"/>
-              </a:solidFill>
-              <a:latin typeface="나눔스퀘어 Light"/>
-              <a:ea typeface="나눔스퀘어 Light"/>
-            </a:endParaRPr>
           </a:p>
           <a:p>
             <a:pPr algn="ctr">
@@ -2350,13 +2342,6 @@
               </a:rPr>
               <a:t>무기</a:t>
             </a:r>
-            <a:endParaRPr lang="ko-KR" altLang="en-US" sz="2000">
-              <a:solidFill>
-                <a:schemeClr val="bg1"/>
-              </a:solidFill>
-              <a:latin typeface="나눔스퀘어 Light"/>
-              <a:ea typeface="나눔스퀘어 Light"/>
-            </a:endParaRPr>
           </a:p>
         </p:txBody>
       </p:sp>
@@ -2571,7 +2556,7 @@
       </p:cxnSp>
       <p:sp>
         <p:nvSpPr>
-          <p:cNvPr id="30" name=""/>
+          <p:cNvPr id="30" name="사각형: 둥근 대각선 방향 모서리 29"/>
           <p:cNvSpPr/>
           <p:nvPr/>
         </p:nvSpPr>
@@ -2616,7 +2601,7 @@
       </p:sp>
       <p:sp>
         <p:nvSpPr>
-          <p:cNvPr id="31" name=""/>
+          <p:cNvPr id="31" name="사각형: 둥근 대각선 방향 모서리 30"/>
           <p:cNvSpPr/>
           <p:nvPr/>
         </p:nvSpPr>
@@ -2661,7 +2646,7 @@
       </p:sp>
       <p:sp>
         <p:nvSpPr>
-          <p:cNvPr id="32" name=""/>
+          <p:cNvPr id="32" name="TextBox 31"/>
           <p:cNvSpPr txBox="1"/>
           <p:nvPr/>
         </p:nvSpPr>
@@ -2678,21 +2663,21 @@
           <a:bodyPr wrap="square">
             <a:spAutoFit/>
           </a:bodyPr>
+          <a:lstStyle/>
           <a:p>
             <a:pPr>
               <a:defRPr/>
             </a:pPr>
             <a:r>
-              <a:rPr lang="ko-KR" altLang="en-US"/>
+              <a:rPr lang="ko-KR" altLang="en-US" dirty="0"/>
               <a:t>라이플</a:t>
             </a:r>
-            <a:endParaRPr lang="ko-KR" altLang="en-US"/>
           </a:p>
         </p:txBody>
       </p:sp>
       <p:sp>
         <p:nvSpPr>
-          <p:cNvPr id="33" name=""/>
+          <p:cNvPr id="33" name="TextBox 32"/>
           <p:cNvSpPr txBox="1"/>
           <p:nvPr/>
         </p:nvSpPr>
@@ -2709,28 +2694,145 @@
           <a:bodyPr wrap="square">
             <a:spAutoFit/>
           </a:bodyPr>
+          <a:lstStyle/>
           <a:p>
             <a:pPr>
               <a:defRPr/>
             </a:pPr>
             <a:r>
-              <a:rPr lang="ko-KR" altLang="en-US"/>
+              <a:rPr lang="ko-KR" altLang="en-US" dirty="0" err="1"/>
               <a:t>샷건</a:t>
             </a:r>
-            <a:endParaRPr lang="ko-KR" altLang="en-US"/>
+            <a:endParaRPr lang="ko-KR" altLang="en-US" dirty="0"/>
           </a:p>
         </p:txBody>
       </p:sp>
+      <p:pic>
+        <p:nvPicPr>
+          <p:cNvPr id="1026" name="Picture 2" descr="sf gun">
+            <a:extLst>
+              <a:ext uri="{FF2B5EF4-FFF2-40B4-BE49-F238E27FC236}">
+                <a16:creationId xmlns:a16="http://schemas.microsoft.com/office/drawing/2014/main" id="{8260F9E8-75E8-4869-A4A7-A3BF27C6EDC5}"/>
+              </a:ext>
+            </a:extLst>
+          </p:cNvPr>
+          <p:cNvPicPr>
+            <a:picLocks noChangeAspect="1" noChangeArrowheads="1"/>
+          </p:cNvPicPr>
+          <p:nvPr/>
+        </p:nvPicPr>
+        <p:blipFill rotWithShape="1">
+          <a:blip r:embed="rId2" cstate="print">
+            <a:extLst>
+              <a:ext uri="{BEBA8EAE-BF5A-486C-A8C5-ECC9F3942E4B}">
+                <a14:imgProps xmlns:a14="http://schemas.microsoft.com/office/drawing/2010/main">
+                  <a14:imgLayer r:embed="rId3">
+                    <a14:imgEffect>
+                      <a14:backgroundRemoval t="21696" b="39356" l="68040" r="96449">
+                        <a14:backgroundMark x1="73748" y1="22907" x2="73748" y2="22907"/>
+                        <a14:backgroundMark x1="77720" y1="22591" x2="74957" y2="5371"/>
+                        <a14:backgroundMark x1="74439" y1="20537" x2="50086" y2="3791"/>
+                      </a14:backgroundRemoval>
+                    </a14:imgEffect>
+                  </a14:imgLayer>
+                </a14:imgProps>
+              </a:ext>
+              <a:ext uri="{28A0092B-C50C-407E-A947-70E740481C1C}">
+                <a14:useLocalDpi xmlns:a14="http://schemas.microsoft.com/office/drawing/2010/main" val="0"/>
+              </a:ext>
+            </a:extLst>
+          </a:blip>
+          <a:srcRect l="64489" t="19488" b="58436"/>
+          <a:stretch/>
+        </p:blipFill>
+        <p:spPr bwMode="auto">
+          <a:xfrm>
+            <a:off x="5839801" y="2126033"/>
+            <a:ext cx="2154018" cy="1465259"/>
+          </a:xfrm>
+          <a:prstGeom prst="rect">
+            <a:avLst/>
+          </a:prstGeom>
+          <a:noFill/>
+          <a:extLst>
+            <a:ext uri="{909E8E84-426E-40DD-AFC4-6F175D3DCCD1}">
+              <a14:hiddenFill xmlns:a14="http://schemas.microsoft.com/office/drawing/2010/main">
+                <a:solidFill>
+                  <a:srgbClr val="FFFFFF"/>
+                </a:solidFill>
+              </a14:hiddenFill>
+            </a:ext>
+          </a:extLst>
+        </p:spPr>
+      </p:pic>
+      <p:pic>
+        <p:nvPicPr>
+          <p:cNvPr id="14" name="Picture 2" descr="sf gun">
+            <a:extLst>
+              <a:ext uri="{FF2B5EF4-FFF2-40B4-BE49-F238E27FC236}">
+                <a16:creationId xmlns:a16="http://schemas.microsoft.com/office/drawing/2014/main" id="{8849C654-AC0B-4BD0-9882-266CEBB2930C}"/>
+              </a:ext>
+            </a:extLst>
+          </p:cNvPr>
+          <p:cNvPicPr>
+            <a:picLocks noChangeAspect="1" noChangeArrowheads="1"/>
+          </p:cNvPicPr>
+          <p:nvPr/>
+        </p:nvPicPr>
+        <p:blipFill rotWithShape="1">
+          <a:blip r:embed="rId4" cstate="print">
+            <a:extLst>
+              <a:ext uri="{BEBA8EAE-BF5A-486C-A8C5-ECC9F3942E4B}">
+                <a14:imgProps xmlns:a14="http://schemas.microsoft.com/office/drawing/2010/main">
+                  <a14:imgLayer r:embed="rId3">
+                    <a14:imgEffect>
+                      <a14:backgroundRemoval t="44708" b="58926" l="58722" r="92055">
+                        <a14:foregroundMark x1="61485" y1="49289" x2="61831" y2="51975"/>
+                        <a14:foregroundMark x1="71503" y1="53870" x2="68566" y2="53239"/>
+                        <a14:foregroundMark x1="91537" y1="51185" x2="92055" y2="53555"/>
+                      </a14:backgroundRemoval>
+                    </a14:imgEffect>
+                  </a14:imgLayer>
+                </a14:imgProps>
+              </a:ext>
+              <a:ext uri="{28A0092B-C50C-407E-A947-70E740481C1C}">
+                <a14:useLocalDpi xmlns:a14="http://schemas.microsoft.com/office/drawing/2010/main" val="0"/>
+              </a:ext>
+            </a:extLst>
+          </a:blip>
+          <a:srcRect l="54687" t="43074" r="4550" b="39168"/>
+          <a:stretch/>
+        </p:blipFill>
+        <p:spPr bwMode="auto">
+          <a:xfrm>
+            <a:off x="5647098" y="4062406"/>
+            <a:ext cx="2471519" cy="1178136"/>
+          </a:xfrm>
+          <a:prstGeom prst="rect">
+            <a:avLst/>
+          </a:prstGeom>
+          <a:noFill/>
+          <a:extLst>
+            <a:ext uri="{909E8E84-426E-40DD-AFC4-6F175D3DCCD1}">
+              <a14:hiddenFill xmlns:a14="http://schemas.microsoft.com/office/drawing/2010/main">
+                <a:solidFill>
+                  <a:srgbClr val="FFFFFF"/>
+                </a:solidFill>
+              </a14:hiddenFill>
+            </a:ext>
+          </a:extLst>
+        </p:spPr>
+      </p:pic>
     </p:spTree>
   </p:cSld>
   <p:clrMapOvr>
     <a:masterClrMapping/>
   </p:clrMapOvr>
-  <mc:AlternateContent xmlns:mc="http://schemas.openxmlformats.org/markup-compatibility/2006">
-    <mc:Choice xmlns:p14="http://schemas.microsoft.com/office/powerpoint/2010/main" Requires="p14">
-      <p:transition xmlns:mc="http://schemas.openxmlformats.org/markup-compatibility/2006" xmlns:p14="http://schemas.microsoft.com/office/powerpoint/2010/main" mc:Ignorable="p14" p14:dur="500"/>
+  <mc:AlternateContent xmlns:mc="http://schemas.openxmlformats.org/markup-compatibility/2006" xmlns:p14="http://schemas.microsoft.com/office/powerpoint/2010/main">
+    <mc:Choice Requires="p14">
+      <p:transition/>
     </mc:Choice>
-    <mc:Fallback>
+    <mc:Fallback xmlns:dsp="http://schemas.microsoft.com/office/drawing/2008/diagram" xmlns:dgm="http://schemas.openxmlformats.org/drawingml/2006/diagram" xmlns:c="http://schemas.openxmlformats.org/drawingml/2006/chart" xmlns="">
       <p:transition/>
     </mc:Fallback>
   </mc:AlternateContent>
@@ -2738,7 +2840,7 @@
 </file>
 
 <file path=ppt/slides/slide11.xml><?xml version="1.0" encoding="utf-8"?>
-<p:sld xmlns:r="http://schemas.openxmlformats.org/officeDocument/2006/relationships" xmlns:c="http://schemas.openxmlformats.org/drawingml/2006/chart" xmlns:a="http://schemas.openxmlformats.org/drawingml/2006/main" xmlns:dgm="http://schemas.openxmlformats.org/drawingml/2006/diagram" xmlns:dsp="http://schemas.microsoft.com/office/drawing/2008/diagram" xmlns:p="http://schemas.openxmlformats.org/presentationml/2006/main">
+<p:sld xmlns:a="http://schemas.openxmlformats.org/drawingml/2006/main" xmlns:r="http://schemas.openxmlformats.org/officeDocument/2006/relationships" xmlns:p="http://schemas.openxmlformats.org/presentationml/2006/main">
   <p:cSld>
     <p:spTree>
       <p:nvGrpSpPr>
@@ -2789,13 +2891,6 @@
               </a:rPr>
               <a:t>03</a:t>
             </a:r>
-            <a:endParaRPr lang="en-US" altLang="ko-KR" sz="6000">
-              <a:solidFill>
-                <a:schemeClr val="bg1"/>
-              </a:solidFill>
-              <a:latin typeface="나눔스퀘어 Light"/>
-              <a:ea typeface="나눔스퀘어 Light"/>
-            </a:endParaRPr>
           </a:p>
         </p:txBody>
       </p:sp>
@@ -2834,13 +2929,6 @@
               </a:rPr>
               <a:t>게임소개</a:t>
             </a:r>
-            <a:endParaRPr lang="ko-KR" altLang="en-US" sz="2800">
-              <a:solidFill>
-                <a:schemeClr val="bg1"/>
-              </a:solidFill>
-              <a:latin typeface="나눔스퀘어 Light"/>
-              <a:ea typeface="나눔스퀘어 Light"/>
-            </a:endParaRPr>
           </a:p>
           <a:p>
             <a:pPr algn="ctr">
@@ -2856,13 +2944,6 @@
               </a:rPr>
               <a:t>무기</a:t>
             </a:r>
-            <a:endParaRPr lang="ko-KR" altLang="en-US" sz="2000">
-              <a:solidFill>
-                <a:schemeClr val="bg1"/>
-              </a:solidFill>
-              <a:latin typeface="나눔스퀘어 Light"/>
-              <a:ea typeface="나눔스퀘어 Light"/>
-            </a:endParaRPr>
           </a:p>
         </p:txBody>
       </p:sp>
@@ -3077,7 +3158,7 @@
       </p:cxnSp>
       <p:sp>
         <p:nvSpPr>
-          <p:cNvPr id="30" name=""/>
+          <p:cNvPr id="30" name="사각형: 둥근 대각선 방향 모서리 29"/>
           <p:cNvSpPr/>
           <p:nvPr/>
         </p:nvSpPr>
@@ -3122,7 +3203,7 @@
       </p:sp>
       <p:sp>
         <p:nvSpPr>
-          <p:cNvPr id="31" name=""/>
+          <p:cNvPr id="31" name="사각형: 둥근 대각선 방향 모서리 30"/>
           <p:cNvSpPr/>
           <p:nvPr/>
         </p:nvSpPr>
@@ -3167,7 +3248,7 @@
       </p:sp>
       <p:sp>
         <p:nvSpPr>
-          <p:cNvPr id="32" name=""/>
+          <p:cNvPr id="32" name="TextBox 31"/>
           <p:cNvSpPr txBox="1"/>
           <p:nvPr/>
         </p:nvSpPr>
@@ -3193,13 +3274,12 @@
               <a:rPr lang="ko-KR" altLang="en-US"/>
               <a:t>로켓 런처</a:t>
             </a:r>
-            <a:endParaRPr lang="ko-KR" altLang="en-US"/>
           </a:p>
         </p:txBody>
       </p:sp>
       <p:sp>
         <p:nvSpPr>
-          <p:cNvPr id="33" name=""/>
+          <p:cNvPr id="33" name="TextBox 32"/>
           <p:cNvSpPr txBox="1"/>
           <p:nvPr/>
         </p:nvSpPr>
@@ -3225,20 +3305,151 @@
               <a:rPr lang="en-US" altLang="ko-KR"/>
               <a:t>smg</a:t>
             </a:r>
-            <a:endParaRPr lang="en-US" altLang="ko-KR"/>
           </a:p>
         </p:txBody>
       </p:sp>
+      <p:pic>
+        <p:nvPicPr>
+          <p:cNvPr id="2050" name="Picture 2">
+            <a:extLst>
+              <a:ext uri="{FF2B5EF4-FFF2-40B4-BE49-F238E27FC236}">
+                <a16:creationId xmlns:a16="http://schemas.microsoft.com/office/drawing/2014/main" id="{8DF2F77F-8C20-4C3A-97B6-4C490C4BF7A1}"/>
+              </a:ext>
+            </a:extLst>
+          </p:cNvPr>
+          <p:cNvPicPr>
+            <a:picLocks noChangeAspect="1" noChangeArrowheads="1"/>
+          </p:cNvPicPr>
+          <p:nvPr/>
+        </p:nvPicPr>
+        <p:blipFill rotWithShape="1">
+          <a:blip r:embed="rId2" cstate="print">
+            <a:extLst>
+              <a:ext uri="{BEBA8EAE-BF5A-486C-A8C5-ECC9F3942E4B}">
+                <a14:imgProps xmlns:a14="http://schemas.microsoft.com/office/drawing/2010/main">
+                  <a14:imgLayer r:embed="rId3">
+                    <a14:imgEffect>
+                      <a14:backgroundRemoval t="5365" b="50322" l="9929" r="89894">
+                        <a14:foregroundMark x1="46986" y1="17060" x2="51241" y2="17275"/>
+                        <a14:foregroundMark x1="45035" y1="15236" x2="48582" y2="16738"/>
+                        <a14:foregroundMark x1="38298" y1="47318" x2="39362" y2="48391"/>
+                        <a14:foregroundMark x1="41312" y1="49464" x2="43262" y2="50322"/>
+                      </a14:backgroundRemoval>
+                    </a14:imgEffect>
+                  </a14:imgLayer>
+                </a14:imgProps>
+              </a:ext>
+              <a:ext uri="{28A0092B-C50C-407E-A947-70E740481C1C}">
+                <a14:useLocalDpi xmlns:a14="http://schemas.microsoft.com/office/drawing/2010/main" val="0"/>
+              </a:ext>
+            </a:extLst>
+          </a:blip>
+          <a:srcRect b="46149"/>
+          <a:stretch/>
+        </p:blipFill>
+        <p:spPr bwMode="auto">
+          <a:xfrm>
+            <a:off x="5882217" y="2004622"/>
+            <a:ext cx="1969337" cy="1752628"/>
+          </a:xfrm>
+          <a:prstGeom prst="rect">
+            <a:avLst/>
+          </a:prstGeom>
+          <a:noFill/>
+          <a:extLst>
+            <a:ext uri="{909E8E84-426E-40DD-AFC4-6F175D3DCCD1}">
+              <a14:hiddenFill xmlns:a14="http://schemas.microsoft.com/office/drawing/2010/main">
+                <a:solidFill>
+                  <a:srgbClr val="FFFFFF"/>
+                </a:solidFill>
+              </a14:hiddenFill>
+            </a:ext>
+          </a:extLst>
+        </p:spPr>
+      </p:pic>
+      <p:pic>
+        <p:nvPicPr>
+          <p:cNvPr id="2052" name="Picture 4">
+            <a:extLst>
+              <a:ext uri="{FF2B5EF4-FFF2-40B4-BE49-F238E27FC236}">
+                <a16:creationId xmlns:a16="http://schemas.microsoft.com/office/drawing/2014/main" id="{B331393D-AEA5-4CE8-89C2-ED4467E0C1BD}"/>
+              </a:ext>
+            </a:extLst>
+          </p:cNvPr>
+          <p:cNvPicPr>
+            <a:picLocks noChangeAspect="1" noChangeArrowheads="1"/>
+          </p:cNvPicPr>
+          <p:nvPr/>
+        </p:nvPicPr>
+        <p:blipFill rotWithShape="1">
+          <a:blip r:embed="rId4">
+            <a:extLst>
+              <a:ext uri="{BEBA8EAE-BF5A-486C-A8C5-ECC9F3942E4B}">
+                <a14:imgProps xmlns:a14="http://schemas.microsoft.com/office/drawing/2010/main">
+                  <a14:imgLayer r:embed="rId5">
+                    <a14:imgEffect>
+                      <a14:backgroundRemoval t="2397" b="24292" l="9947" r="91297">
+                        <a14:foregroundMark x1="39964" y1="9477" x2="40142" y2="10566"/>
+                        <a14:foregroundMark x1="44405" y1="14161" x2="44405" y2="16122"/>
+                        <a14:foregroundMark x1="32149" y1="17756" x2="33215" y2="20915"/>
+                        <a14:foregroundMark x1="73002" y1="14270" x2="73357" y2="16013"/>
+                        <a14:foregroundMark x1="82416" y1="9259" x2="80462" y2="14270"/>
+                        <a14:foregroundMark x1="88810" y1="8388" x2="91297" y2="8715"/>
+                        <a14:foregroundMark x1="49201" y1="15251" x2="48490" y2="17102"/>
+                        <a14:foregroundMark x1="52398" y1="16122" x2="51332" y2="17320"/>
+                        <a14:foregroundMark x1="67318" y1="23856" x2="67318" y2="24183"/>
+                        <a14:foregroundMark x1="57194" y1="6100" x2="57194" y2="5991"/>
+                        <a14:foregroundMark x1="58259" y1="6318" x2="55773" y2="6209"/>
+                        <a14:foregroundMark x1="53464" y1="6209" x2="41741" y2="7081"/>
+                        <a14:foregroundMark x1="41741" y1="7081" x2="41741" y2="7081"/>
+                        <a14:foregroundMark x1="49378" y1="5991" x2="55773" y2="5556"/>
+                        <a14:foregroundMark x1="44227" y1="6754" x2="38721" y2="6427"/>
+                        <a14:foregroundMark x1="34281" y1="21133" x2="33925" y2="23312"/>
+                        <a14:foregroundMark x1="48845" y1="24292" x2="52220" y2="23856"/>
+                        <a14:foregroundMark x1="31261" y1="20044" x2="32682" y2="23638"/>
+                      </a14:backgroundRemoval>
+                    </a14:imgEffect>
+                  </a14:imgLayer>
+                </a14:imgProps>
+              </a:ext>
+              <a:ext uri="{28A0092B-C50C-407E-A947-70E740481C1C}">
+                <a14:useLocalDpi xmlns:a14="http://schemas.microsoft.com/office/drawing/2010/main" val="0"/>
+              </a:ext>
+            </a:extLst>
+          </a:blip>
+          <a:srcRect b="73500"/>
+          <a:stretch/>
+        </p:blipFill>
+        <p:spPr bwMode="auto">
+          <a:xfrm>
+            <a:off x="5129771" y="4089017"/>
+            <a:ext cx="3200414" cy="1383101"/>
+          </a:xfrm>
+          <a:prstGeom prst="rect">
+            <a:avLst/>
+          </a:prstGeom>
+          <a:noFill/>
+          <a:extLst>
+            <a:ext uri="{909E8E84-426E-40DD-AFC4-6F175D3DCCD1}">
+              <a14:hiddenFill xmlns:a14="http://schemas.microsoft.com/office/drawing/2010/main">
+                <a:solidFill>
+                  <a:srgbClr val="FFFFFF"/>
+                </a:solidFill>
+              </a14:hiddenFill>
+            </a:ext>
+          </a:extLst>
+        </p:spPr>
+      </p:pic>
     </p:spTree>
   </p:cSld>
   <p:clrMapOvr>
     <a:masterClrMapping/>
   </p:clrMapOvr>
-  <mc:AlternateContent xmlns:mc="http://schemas.openxmlformats.org/markup-compatibility/2006">
-    <mc:Choice xmlns:p14="http://schemas.microsoft.com/office/powerpoint/2010/main" Requires="p14">
-      <p:transition xmlns:mc="http://schemas.openxmlformats.org/markup-compatibility/2006" xmlns:p14="http://schemas.microsoft.com/office/powerpoint/2010/main" mc:Ignorable="p14" p14:dur="500"/>
+  <mc:AlternateContent xmlns:mc="http://schemas.openxmlformats.org/markup-compatibility/2006" xmlns:p14="http://schemas.microsoft.com/office/powerpoint/2010/main">
+    <mc:Choice Requires="p14">
+      <p:transition/>
     </mc:Choice>
-    <mc:Fallback>
+    <mc:Fallback xmlns:dsp="http://schemas.microsoft.com/office/drawing/2008/diagram" xmlns:dgm="http://schemas.openxmlformats.org/drawingml/2006/diagram" xmlns:c="http://schemas.openxmlformats.org/drawingml/2006/chart" xmlns="">
       <p:transition/>
     </mc:Fallback>
   </mc:AlternateContent>
@@ -3246,7 +3457,7 @@
 </file>
 
 <file path=ppt/slides/slide12.xml><?xml version="1.0" encoding="utf-8"?>
-<p:sld xmlns:r="http://schemas.openxmlformats.org/officeDocument/2006/relationships" xmlns:c="http://schemas.openxmlformats.org/drawingml/2006/chart" xmlns:a="http://schemas.openxmlformats.org/drawingml/2006/main" xmlns:dgm="http://schemas.openxmlformats.org/drawingml/2006/diagram" xmlns:dsp="http://schemas.microsoft.com/office/drawing/2008/diagram" xmlns:p="http://schemas.openxmlformats.org/presentationml/2006/main">
+<p:sld xmlns:a="http://schemas.openxmlformats.org/drawingml/2006/main" xmlns:r="http://schemas.openxmlformats.org/officeDocument/2006/relationships" xmlns:p="http://schemas.openxmlformats.org/presentationml/2006/main">
   <p:cSld>
     <p:spTree>
       <p:nvGrpSpPr>
@@ -3297,13 +3508,6 @@
               </a:rPr>
               <a:t>03</a:t>
             </a:r>
-            <a:endParaRPr lang="en-US" altLang="ko-KR" sz="6000">
-              <a:solidFill>
-                <a:schemeClr val="bg1"/>
-              </a:solidFill>
-              <a:latin typeface="나눔스퀘어 Light"/>
-              <a:ea typeface="나눔스퀘어 Light"/>
-            </a:endParaRPr>
           </a:p>
         </p:txBody>
       </p:sp>
@@ -3342,13 +3546,6 @@
               </a:rPr>
               <a:t>게임소개</a:t>
             </a:r>
-            <a:endParaRPr lang="ko-KR" altLang="en-US" sz="2800">
-              <a:solidFill>
-                <a:schemeClr val="bg1"/>
-              </a:solidFill>
-              <a:latin typeface="나눔스퀘어 Light"/>
-              <a:ea typeface="나눔스퀘어 Light"/>
-            </a:endParaRPr>
           </a:p>
           <a:p>
             <a:pPr algn="ctr">
@@ -3364,13 +3561,6 @@
               </a:rPr>
               <a:t>맵</a:t>
             </a:r>
-            <a:endParaRPr lang="ko-KR" altLang="en-US" sz="2000">
-              <a:solidFill>
-                <a:schemeClr val="bg1"/>
-              </a:solidFill>
-              <a:latin typeface="나눔스퀘어 Light"/>
-              <a:ea typeface="나눔스퀘어 Light"/>
-            </a:endParaRPr>
           </a:p>
         </p:txBody>
       </p:sp>
@@ -3585,7 +3775,7 @@
       </p:cxnSp>
       <p:sp>
         <p:nvSpPr>
-          <p:cNvPr id="32" name=""/>
+          <p:cNvPr id="32" name="TextBox 31"/>
           <p:cNvSpPr txBox="1"/>
           <p:nvPr/>
         </p:nvSpPr>
@@ -3593,41 +3783,6 @@
           <a:xfrm>
             <a:off x="3200015" y="1803015"/>
             <a:ext cx="1760682" cy="643005"/>
-          </a:xfrm>
-          <a:prstGeom prst="rect">
-            <a:avLst/>
-          </a:prstGeom>
-        </p:spPr>
-        <p:txBody>
-          <a:bodyPr wrap="square">
-            <a:spAutoFit/>
-          </a:bodyPr>
-          <a:p>
-            <a:pPr>
-              <a:defRPr/>
-            </a:pPr>
-            <a:r>
-              <a:rPr lang="ko-KR" altLang="en-US"/>
-              <a:t>맵의 크기는 </a:t>
-            </a:r>
-            <a:r>
-              <a:rPr lang="en-US" altLang="ko-KR"/>
-              <a:t>148㎡</a:t>
-            </a:r>
-            <a:endParaRPr lang="en-US" altLang="ko-KR"/>
-          </a:p>
-        </p:txBody>
-      </p:sp>
-      <p:sp>
-        <p:nvSpPr>
-          <p:cNvPr id="33" name=""/>
-          <p:cNvSpPr txBox="1"/>
-          <p:nvPr/>
-        </p:nvSpPr>
-        <p:spPr>
-          <a:xfrm>
-            <a:off x="3217718" y="2785995"/>
-            <a:ext cx="2434167" cy="641099"/>
           </a:xfrm>
           <a:prstGeom prst="rect">
             <a:avLst/>
@@ -3644,12 +3799,47 @@
             </a:pPr>
             <a:r>
               <a:rPr lang="ko-KR" altLang="en-US"/>
-              <a:t>중앙 건물의 크기는 </a:t>
+              <a:t>맵의 크기는 </a:t>
             </a:r>
             <a:r>
               <a:rPr lang="en-US" altLang="ko-KR"/>
               <a:t>148㎡</a:t>
             </a:r>
+          </a:p>
+        </p:txBody>
+      </p:sp>
+      <p:sp>
+        <p:nvSpPr>
+          <p:cNvPr id="33" name="TextBox 32"/>
+          <p:cNvSpPr txBox="1"/>
+          <p:nvPr/>
+        </p:nvSpPr>
+        <p:spPr>
+          <a:xfrm>
+            <a:off x="3217718" y="2785995"/>
+            <a:ext cx="2434167" cy="641099"/>
+          </a:xfrm>
+          <a:prstGeom prst="rect">
+            <a:avLst/>
+          </a:prstGeom>
+        </p:spPr>
+        <p:txBody>
+          <a:bodyPr wrap="square">
+            <a:spAutoFit/>
+          </a:bodyPr>
+          <a:lstStyle/>
+          <a:p>
+            <a:pPr>
+              <a:defRPr/>
+            </a:pPr>
+            <a:r>
+              <a:rPr lang="ko-KR" altLang="en-US"/>
+              <a:t>중앙 건물의 크기는 </a:t>
+            </a:r>
+            <a:r>
+              <a:rPr lang="en-US" altLang="ko-KR"/>
+              <a:t>148㎡</a:t>
+            </a:r>
             <a:r>
               <a:rPr lang="ko-KR" altLang="en-US"/>
               <a:t> 높이 </a:t>
@@ -3658,7 +3848,6 @@
               <a:rPr lang="en-US" altLang="ko-KR"/>
               <a:t>30m</a:t>
             </a:r>
-            <a:endParaRPr lang="en-US" altLang="ko-KR"/>
           </a:p>
         </p:txBody>
       </p:sp>
@@ -3667,11 +3856,11 @@
   <p:clrMapOvr>
     <a:masterClrMapping/>
   </p:clrMapOvr>
-  <mc:AlternateContent xmlns:mc="http://schemas.openxmlformats.org/markup-compatibility/2006">
-    <mc:Choice xmlns:p14="http://schemas.microsoft.com/office/powerpoint/2010/main" Requires="p14">
-      <p:transition xmlns:mc="http://schemas.openxmlformats.org/markup-compatibility/2006" xmlns:p14="http://schemas.microsoft.com/office/powerpoint/2010/main" mc:Ignorable="p14" p14:dur="500"/>
+  <mc:AlternateContent xmlns:mc="http://schemas.openxmlformats.org/markup-compatibility/2006" xmlns:p14="http://schemas.microsoft.com/office/powerpoint/2010/main">
+    <mc:Choice Requires="p14">
+      <p:transition/>
     </mc:Choice>
-    <mc:Fallback>
+    <mc:Fallback xmlns:dsp="http://schemas.microsoft.com/office/drawing/2008/diagram" xmlns:dgm="http://schemas.openxmlformats.org/drawingml/2006/diagram" xmlns:c="http://schemas.openxmlformats.org/drawingml/2006/chart" xmlns="">
       <p:transition/>
     </mc:Fallback>
   </mc:AlternateContent>
@@ -3679,7 +3868,7 @@
 </file>
 
 <file path=ppt/slides/slide13.xml><?xml version="1.0" encoding="utf-8"?>
-<p:sld xmlns:r="http://schemas.openxmlformats.org/officeDocument/2006/relationships" xmlns:c="http://schemas.openxmlformats.org/drawingml/2006/chart" xmlns:a="http://schemas.openxmlformats.org/drawingml/2006/main" xmlns:dgm="http://schemas.openxmlformats.org/drawingml/2006/diagram" xmlns:dsp="http://schemas.microsoft.com/office/drawing/2008/diagram" xmlns:p="http://schemas.openxmlformats.org/presentationml/2006/main">
+<p:sld xmlns:a="http://schemas.openxmlformats.org/drawingml/2006/main" xmlns:r="http://schemas.openxmlformats.org/officeDocument/2006/relationships" xmlns:p="http://schemas.openxmlformats.org/presentationml/2006/main">
   <p:cSld>
     <p:spTree>
       <p:nvGrpSpPr>
@@ -3730,13 +3919,6 @@
               </a:rPr>
               <a:t>04</a:t>
             </a:r>
-            <a:endParaRPr lang="en-US" altLang="ko-KR" sz="6000">
-              <a:solidFill>
-                <a:schemeClr val="bg1"/>
-              </a:solidFill>
-              <a:latin typeface="나눔스퀘어 Light"/>
-              <a:ea typeface="나눔스퀘어 Light"/>
-            </a:endParaRPr>
           </a:p>
         </p:txBody>
       </p:sp>
@@ -3775,13 +3957,6 @@
               </a:rPr>
               <a:t>기술적 요소</a:t>
             </a:r>
-            <a:endParaRPr lang="ko-KR" altLang="en-US" sz="2800">
-              <a:solidFill>
-                <a:schemeClr val="bg1"/>
-              </a:solidFill>
-              <a:latin typeface="나눔스퀘어 Light"/>
-              <a:ea typeface="나눔스퀘어 Light"/>
-            </a:endParaRPr>
           </a:p>
         </p:txBody>
       </p:sp>
@@ -4076,11 +4251,6 @@
               </a:rPr>
               <a:t>를 이용하여</a:t>
             </a:r>
-            <a:endParaRPr lang="ko-KR" altLang="en-US" sz="2000">
-              <a:solidFill>
-                <a:schemeClr val="lt1"/>
-              </a:solidFill>
-            </a:endParaRPr>
           </a:p>
           <a:p>
             <a:pPr lvl="0">
@@ -4094,11 +4264,6 @@
               </a:rPr>
               <a:t>타격 받은 부위를 절단효과를 연출</a:t>
             </a:r>
-            <a:endParaRPr lang="ko-KR" altLang="en-US" sz="2000">
-              <a:solidFill>
-                <a:schemeClr val="lt1"/>
-              </a:solidFill>
-            </a:endParaRPr>
           </a:p>
         </p:txBody>
       </p:sp>
@@ -4176,11 +4341,6 @@
               </a:rPr>
               <a:t>모델을 활용한 멀티스레드 구현</a:t>
             </a:r>
-            <a:endParaRPr lang="ko-KR" altLang="en-US" sz="2000">
-              <a:solidFill>
-                <a:schemeClr val="lt1"/>
-              </a:solidFill>
-            </a:endParaRPr>
           </a:p>
           <a:p>
             <a:pPr lvl="0">
@@ -4202,11 +4362,6 @@
               </a:rPr>
               <a:t> 다중 접속 서버 구현</a:t>
             </a:r>
-            <a:endParaRPr lang="ko-KR" altLang="en-US" sz="2000">
-              <a:solidFill>
-                <a:schemeClr val="lt1"/>
-              </a:solidFill>
-            </a:endParaRPr>
           </a:p>
         </p:txBody>
       </p:sp>
@@ -4215,11 +4370,11 @@
   <p:clrMapOvr>
     <a:masterClrMapping/>
   </p:clrMapOvr>
-  <mc:AlternateContent xmlns:mc="http://schemas.openxmlformats.org/markup-compatibility/2006">
-    <mc:Choice xmlns:p14="http://schemas.microsoft.com/office/powerpoint/2010/main" Requires="p14">
-      <p:transition xmlns:mc="http://schemas.openxmlformats.org/markup-compatibility/2006" xmlns:p14="http://schemas.microsoft.com/office/powerpoint/2010/main" mc:Ignorable="p14" p14:dur="500"/>
+  <mc:AlternateContent xmlns:mc="http://schemas.openxmlformats.org/markup-compatibility/2006" xmlns:p14="http://schemas.microsoft.com/office/powerpoint/2010/main">
+    <mc:Choice Requires="p14">
+      <p:transition/>
     </mc:Choice>
-    <mc:Fallback>
+    <mc:Fallback xmlns:dsp="http://schemas.microsoft.com/office/drawing/2008/diagram" xmlns:dgm="http://schemas.openxmlformats.org/drawingml/2006/diagram" xmlns:c="http://schemas.openxmlformats.org/drawingml/2006/chart" xmlns="">
       <p:transition/>
     </mc:Fallback>
   </mc:AlternateContent>
@@ -4227,7 +4382,7 @@
 </file>
 
 <file path=ppt/slides/slide14.xml><?xml version="1.0" encoding="utf-8"?>
-<p:sld xmlns:r="http://schemas.openxmlformats.org/officeDocument/2006/relationships" xmlns:c="http://schemas.openxmlformats.org/drawingml/2006/chart" xmlns:a="http://schemas.openxmlformats.org/drawingml/2006/main" xmlns:dgm="http://schemas.openxmlformats.org/drawingml/2006/diagram" xmlns:dsp="http://schemas.microsoft.com/office/drawing/2008/diagram" xmlns:p="http://schemas.openxmlformats.org/presentationml/2006/main">
+<p:sld xmlns:a="http://schemas.openxmlformats.org/drawingml/2006/main" xmlns:r="http://schemas.openxmlformats.org/officeDocument/2006/relationships" xmlns:p="http://schemas.openxmlformats.org/presentationml/2006/main">
   <p:cSld>
     <p:spTree>
       <p:nvGrpSpPr>
@@ -4278,13 +4433,6 @@
               </a:rPr>
               <a:t>05</a:t>
             </a:r>
-            <a:endParaRPr lang="en-US" altLang="ko-KR" sz="6000">
-              <a:solidFill>
-                <a:schemeClr val="bg1"/>
-              </a:solidFill>
-              <a:latin typeface="나눔스퀘어 Light"/>
-              <a:ea typeface="나눔스퀘어 Light"/>
-            </a:endParaRPr>
           </a:p>
         </p:txBody>
       </p:sp>
@@ -4532,13 +4680,6 @@
               </a:rPr>
               <a:t>타게임과 </a:t>
             </a:r>
-            <a:endParaRPr lang="ko-KR" altLang="en-US" sz="2800">
-              <a:solidFill>
-                <a:schemeClr val="bg1"/>
-              </a:solidFill>
-              <a:latin typeface="나눔스퀘어 Light"/>
-              <a:ea typeface="나눔스퀘어 Light"/>
-            </a:endParaRPr>
           </a:p>
           <a:p>
             <a:pPr algn="ctr">
@@ -4554,13 +4695,6 @@
               </a:rPr>
               <a:t>차별성</a:t>
             </a:r>
-            <a:endParaRPr lang="ko-KR" altLang="en-US" sz="2800">
-              <a:solidFill>
-                <a:schemeClr val="bg1"/>
-              </a:solidFill>
-              <a:latin typeface="나눔스퀘어 Light"/>
-              <a:ea typeface="나눔스퀘어 Light"/>
-            </a:endParaRPr>
           </a:p>
         </p:txBody>
       </p:sp>
@@ -4598,7 +4732,7 @@
       </p:sp>
       <p:sp>
         <p:nvSpPr>
-          <p:cNvPr id="30" name=""/>
+          <p:cNvPr id="30" name="TextBox 29"/>
           <p:cNvSpPr txBox="1"/>
           <p:nvPr/>
         </p:nvSpPr>
@@ -4636,17 +4770,36 @@
               </a:rPr>
               <a:t> 단순 상대를 처치하는것이 목표가 아닌 탈출 이라는 최종 목표 존재</a:t>
             </a:r>
-            <a:endParaRPr lang="ko-KR" altLang="en-US">
-              <a:solidFill>
-                <a:schemeClr val="lt1"/>
-              </a:solidFill>
-            </a:endParaRPr>
           </a:p>
         </p:txBody>
       </p:sp>
       <p:pic>
         <p:nvPicPr>
-          <p:cNvPr id="31" name=""/>
+          <p:cNvPr id="31" name="그림 30"/>
+          <p:cNvPicPr>
+            <a:picLocks noChangeAspect="1"/>
+          </p:cNvPicPr>
+          <p:nvPr/>
+        </p:nvPicPr>
+        <p:blipFill rotWithShape="1">
+          <a:blip r:embed="rId2"/>
+          <a:stretch>
+            <a:fillRect/>
+          </a:stretch>
+        </p:blipFill>
+        <p:spPr>
+          <a:xfrm>
+            <a:off x="2994041" y="1135223"/>
+            <a:ext cx="2057176" cy="2057176"/>
+          </a:xfrm>
+          <a:prstGeom prst="rect">
+            <a:avLst/>
+          </a:prstGeom>
+        </p:spPr>
+      </p:pic>
+      <p:pic>
+        <p:nvPicPr>
+          <p:cNvPr id="32" name="그림 31"/>
           <p:cNvPicPr>
             <a:picLocks noChangeAspect="1"/>
           </p:cNvPicPr>
@@ -4660,30 +4813,6 @@
         </p:blipFill>
         <p:spPr>
           <a:xfrm>
-            <a:off x="2994041" y="1135223"/>
-            <a:ext cx="2057176" cy="2057176"/>
-          </a:xfrm>
-          <a:prstGeom prst="rect">
-            <a:avLst/>
-          </a:prstGeom>
-        </p:spPr>
-      </p:pic>
-      <p:pic>
-        <p:nvPicPr>
-          <p:cNvPr id="32" name=""/>
-          <p:cNvPicPr>
-            <a:picLocks noChangeAspect="1"/>
-          </p:cNvPicPr>
-          <p:nvPr/>
-        </p:nvPicPr>
-        <p:blipFill rotWithShape="1">
-          <a:blip r:embed="rId4"/>
-          <a:stretch>
-            <a:fillRect/>
-          </a:stretch>
-        </p:blipFill>
-        <p:spPr>
-          <a:xfrm>
             <a:off x="8156867" y="1567243"/>
             <a:ext cx="1999339" cy="1279672"/>
           </a:xfrm>
@@ -4694,7 +4823,7 @@
       </p:pic>
       <p:sp>
         <p:nvSpPr>
-          <p:cNvPr id="33" name=""/>
+          <p:cNvPr id="33" name="TextBox 32"/>
           <p:cNvSpPr txBox="1"/>
           <p:nvPr/>
         </p:nvSpPr>
@@ -4732,11 +4861,6 @@
               </a:rPr>
               <a:t> 단순한 플레이의 게임보다는 각 캐릭터 마다의 기술이 있는 특별한 플레이 경험</a:t>
             </a:r>
-            <a:endParaRPr lang="ko-KR" altLang="en-US">
-              <a:solidFill>
-                <a:schemeClr val="lt1"/>
-              </a:solidFill>
-            </a:endParaRPr>
           </a:p>
         </p:txBody>
       </p:sp>
@@ -4745,11 +4869,11 @@
   <p:clrMapOvr>
     <a:masterClrMapping/>
   </p:clrMapOvr>
-  <mc:AlternateContent xmlns:mc="http://schemas.openxmlformats.org/markup-compatibility/2006">
-    <mc:Choice xmlns:p14="http://schemas.microsoft.com/office/powerpoint/2010/main" Requires="p14">
-      <p:transition xmlns:mc="http://schemas.openxmlformats.org/markup-compatibility/2006" xmlns:p14="http://schemas.microsoft.com/office/powerpoint/2010/main" mc:Ignorable="p14" p14:dur="500"/>
+  <mc:AlternateContent xmlns:mc="http://schemas.openxmlformats.org/markup-compatibility/2006" xmlns:p14="http://schemas.microsoft.com/office/powerpoint/2010/main">
+    <mc:Choice Requires="p14">
+      <p:transition/>
     </mc:Choice>
-    <mc:Fallback>
+    <mc:Fallback xmlns:dsp="http://schemas.microsoft.com/office/drawing/2008/diagram" xmlns:dgm="http://schemas.openxmlformats.org/drawingml/2006/diagram" xmlns:c="http://schemas.openxmlformats.org/drawingml/2006/chart" xmlns="">
       <p:transition/>
     </mc:Fallback>
   </mc:AlternateContent>
@@ -4757,7 +4881,7 @@
 </file>
 
 <file path=ppt/slides/slide15.xml><?xml version="1.0" encoding="utf-8"?>
-<p:sld xmlns:r="http://schemas.openxmlformats.org/officeDocument/2006/relationships" xmlns:c="http://schemas.openxmlformats.org/drawingml/2006/chart" xmlns:a="http://schemas.openxmlformats.org/drawingml/2006/main" xmlns:dgm="http://schemas.openxmlformats.org/drawingml/2006/diagram" xmlns:dsp="http://schemas.microsoft.com/office/drawing/2008/diagram" xmlns:p="http://schemas.openxmlformats.org/presentationml/2006/main">
+<p:sld xmlns:a="http://schemas.openxmlformats.org/drawingml/2006/main" xmlns:r="http://schemas.openxmlformats.org/officeDocument/2006/relationships" xmlns:p="http://schemas.openxmlformats.org/presentationml/2006/main">
   <p:cSld>
     <p:spTree>
       <p:nvGrpSpPr>
@@ -4808,13 +4932,6 @@
               </a:rPr>
               <a:t>06</a:t>
             </a:r>
-            <a:endParaRPr lang="en-US" altLang="ko-KR" sz="6000">
-              <a:solidFill>
-                <a:schemeClr val="bg1"/>
-              </a:solidFill>
-              <a:latin typeface="나눔스퀘어 Light"/>
-              <a:ea typeface="나눔스퀘어 Light"/>
-            </a:endParaRPr>
           </a:p>
         </p:txBody>
       </p:sp>
@@ -4853,13 +4970,6 @@
               </a:rPr>
               <a:t>개인별</a:t>
             </a:r>
-            <a:endParaRPr lang="ko-KR" altLang="en-US" sz="2800">
-              <a:solidFill>
-                <a:schemeClr val="bg1"/>
-              </a:solidFill>
-              <a:latin typeface="나눔스퀘어 Light"/>
-              <a:ea typeface="나눔스퀘어 Light"/>
-            </a:endParaRPr>
           </a:p>
           <a:p>
             <a:pPr algn="ctr">
@@ -4875,13 +4985,6 @@
               </a:rPr>
               <a:t>준비현황</a:t>
             </a:r>
-            <a:endParaRPr lang="ko-KR" altLang="en-US" sz="2800">
-              <a:solidFill>
-                <a:schemeClr val="bg1"/>
-              </a:solidFill>
-              <a:latin typeface="나눔스퀘어 Light"/>
-              <a:ea typeface="나눔스퀘어 Light"/>
-            </a:endParaRPr>
           </a:p>
         </p:txBody>
       </p:sp>
@@ -5178,13 +5281,6 @@
               </a:rPr>
               <a:t>, C,C++/STL, </a:t>
             </a:r>
-            <a:endParaRPr lang="en-US" altLang="ko-KR" sz="2800">
-              <a:solidFill>
-                <a:schemeClr val="lt1"/>
-              </a:solidFill>
-              <a:latin typeface="HY태백B"/>
-              <a:ea typeface="HY태백B"/>
-            </a:endParaRPr>
           </a:p>
           <a:p>
             <a:pPr lvl="0">
@@ -5220,13 +5316,6 @@
               </a:rPr>
               <a:t> 자료구조</a:t>
             </a:r>
-            <a:endParaRPr lang="ko-KR" altLang="en-US" sz="2800">
-              <a:solidFill>
-                <a:schemeClr val="lt1"/>
-              </a:solidFill>
-              <a:latin typeface="HY태백B"/>
-              <a:ea typeface="HY태백B"/>
-            </a:endParaRPr>
           </a:p>
           <a:p>
             <a:pPr lvl="0">
@@ -5284,13 +5373,6 @@
               </a:rPr>
               <a:t>, C++/STL, </a:t>
             </a:r>
-            <a:endParaRPr lang="en-US" altLang="ko-KR" sz="2800">
-              <a:solidFill>
-                <a:schemeClr val="lt1"/>
-              </a:solidFill>
-              <a:latin typeface="HY태백B"/>
-              <a:ea typeface="HY태백B"/>
-            </a:endParaRPr>
           </a:p>
           <a:p>
             <a:pPr lvl="0">
@@ -5306,13 +5388,6 @@
               </a:rPr>
               <a:t>		네트워크 게임프로그래밍</a:t>
             </a:r>
-            <a:endParaRPr lang="ko-KR" altLang="en-US" sz="2800">
-              <a:solidFill>
-                <a:schemeClr val="lt1"/>
-              </a:solidFill>
-              <a:latin typeface="HY태백B"/>
-              <a:ea typeface="HY태백B"/>
-            </a:endParaRPr>
           </a:p>
           <a:p>
             <a:pPr lvl="0">
@@ -5450,13 +5525,6 @@
               </a:rPr>
               <a:t>C++/STL</a:t>
             </a:r>
-            <a:endParaRPr lang="en-US" altLang="ko-KR" sz="2800">
-              <a:solidFill>
-                <a:schemeClr val="lt1"/>
-              </a:solidFill>
-              <a:latin typeface="HY태백B"/>
-              <a:ea typeface="HY태백B"/>
-            </a:endParaRPr>
           </a:p>
         </p:txBody>
       </p:sp>
@@ -5465,11 +5533,11 @@
   <p:clrMapOvr>
     <a:masterClrMapping/>
   </p:clrMapOvr>
-  <mc:AlternateContent xmlns:mc="http://schemas.openxmlformats.org/markup-compatibility/2006">
-    <mc:Choice xmlns:p14="http://schemas.microsoft.com/office/powerpoint/2010/main" Requires="p14">
-      <p:transition xmlns:mc="http://schemas.openxmlformats.org/markup-compatibility/2006" xmlns:p14="http://schemas.microsoft.com/office/powerpoint/2010/main" mc:Ignorable="p14" p14:dur="500"/>
+  <mc:AlternateContent xmlns:mc="http://schemas.openxmlformats.org/markup-compatibility/2006" xmlns:p14="http://schemas.microsoft.com/office/powerpoint/2010/main">
+    <mc:Choice Requires="p14">
+      <p:transition/>
     </mc:Choice>
-    <mc:Fallback>
+    <mc:Fallback xmlns:dsp="http://schemas.microsoft.com/office/drawing/2008/diagram" xmlns:dgm="http://schemas.openxmlformats.org/drawingml/2006/diagram" xmlns:c="http://schemas.openxmlformats.org/drawingml/2006/chart" xmlns="">
       <p:transition/>
     </mc:Fallback>
   </mc:AlternateContent>
@@ -5477,7 +5545,7 @@
 </file>
 
 <file path=ppt/slides/slide16.xml><?xml version="1.0" encoding="utf-8"?>
-<p:sld xmlns:r="http://schemas.openxmlformats.org/officeDocument/2006/relationships" xmlns:c="http://schemas.openxmlformats.org/drawingml/2006/chart" xmlns:a="http://schemas.openxmlformats.org/drawingml/2006/main" xmlns:dgm="http://schemas.openxmlformats.org/drawingml/2006/diagram" xmlns:dsp="http://schemas.microsoft.com/office/drawing/2008/diagram" xmlns:p="http://schemas.openxmlformats.org/presentationml/2006/main">
+<p:sld xmlns:a="http://schemas.openxmlformats.org/drawingml/2006/main" xmlns:r="http://schemas.openxmlformats.org/officeDocument/2006/relationships" xmlns:p="http://schemas.openxmlformats.org/presentationml/2006/main">
   <p:cSld>
     <p:spTree>
       <p:nvGrpSpPr>
@@ -5528,13 +5596,6 @@
               </a:rPr>
               <a:t>07</a:t>
             </a:r>
-            <a:endParaRPr lang="en-US" altLang="ko-KR" sz="6000">
-              <a:solidFill>
-                <a:schemeClr val="bg1"/>
-              </a:solidFill>
-              <a:latin typeface="나눔스퀘어 Light"/>
-              <a:ea typeface="나눔스퀘어 Light"/>
-            </a:endParaRPr>
           </a:p>
         </p:txBody>
       </p:sp>
@@ -5573,13 +5634,6 @@
               </a:rPr>
               <a:t>역활 분담</a:t>
             </a:r>
-            <a:endParaRPr lang="ko-KR" altLang="en-US" sz="2800">
-              <a:solidFill>
-                <a:schemeClr val="bg1"/>
-              </a:solidFill>
-              <a:latin typeface="나눔스퀘어 Light"/>
-              <a:ea typeface="나눔스퀘어 Light"/>
-            </a:endParaRPr>
           </a:p>
         </p:txBody>
       </p:sp>
@@ -5866,13 +5920,6 @@
               </a:rPr>
               <a:t>서버 구현 및 연동</a:t>
             </a:r>
-            <a:endParaRPr lang="ko-KR" altLang="en-US" sz="2800">
-              <a:solidFill>
-                <a:schemeClr val="lt1"/>
-              </a:solidFill>
-              <a:latin typeface="HY태백B"/>
-              <a:ea typeface="HY태백B"/>
-            </a:endParaRPr>
           </a:p>
           <a:p>
             <a:pPr lvl="0">
@@ -5932,13 +5979,6 @@
               </a:rPr>
               <a:t>기술요소 구현</a:t>
             </a:r>
-            <a:endParaRPr lang="ko-KR" altLang="en-US" sz="2800">
-              <a:solidFill>
-                <a:schemeClr val="lt1"/>
-              </a:solidFill>
-              <a:latin typeface="HY태백B"/>
-              <a:ea typeface="HY태백B"/>
-            </a:endParaRPr>
           </a:p>
           <a:p>
             <a:pPr lvl="0">
@@ -5964,13 +6004,6 @@
               </a:rPr>
               <a:t>게임 로직 구현</a:t>
             </a:r>
-            <a:endParaRPr lang="ko-KR" altLang="en-US" sz="2800">
-              <a:solidFill>
-                <a:schemeClr val="lt1"/>
-              </a:solidFill>
-              <a:latin typeface="HY태백B"/>
-              <a:ea typeface="HY태백B"/>
-            </a:endParaRPr>
           </a:p>
           <a:p>
             <a:pPr lvl="0">
@@ -6040,13 +6073,6 @@
               </a:rPr>
               <a:t> </a:t>
             </a:r>
-            <a:endParaRPr lang="en-US" altLang="ko-KR" sz="2800">
-              <a:solidFill>
-                <a:schemeClr val="lt1"/>
-              </a:solidFill>
-              <a:latin typeface="HY태백B"/>
-              <a:ea typeface="HY태백B"/>
-            </a:endParaRPr>
           </a:p>
           <a:p>
             <a:pPr lvl="0">
@@ -6072,13 +6098,6 @@
               </a:rPr>
               <a:t>애니메이션 제작</a:t>
             </a:r>
-            <a:endParaRPr lang="ko-KR" altLang="en-US" sz="2800">
-              <a:solidFill>
-                <a:schemeClr val="lt1"/>
-              </a:solidFill>
-              <a:latin typeface="HY태백B"/>
-              <a:ea typeface="HY태백B"/>
-            </a:endParaRPr>
           </a:p>
           <a:p>
             <a:pPr lvl="0">
@@ -6104,13 +6123,6 @@
               </a:rPr>
               <a:t> 무기 제작</a:t>
             </a:r>
-            <a:endParaRPr lang="ko-KR" altLang="en-US" sz="2800">
-              <a:solidFill>
-                <a:schemeClr val="lt1"/>
-              </a:solidFill>
-              <a:latin typeface="HY태백B"/>
-              <a:ea typeface="HY태백B"/>
-            </a:endParaRPr>
           </a:p>
         </p:txBody>
       </p:sp>
@@ -6119,11 +6131,11 @@
   <p:clrMapOvr>
     <a:masterClrMapping/>
   </p:clrMapOvr>
-  <mc:AlternateContent xmlns:mc="http://schemas.openxmlformats.org/markup-compatibility/2006">
-    <mc:Choice xmlns:p14="http://schemas.microsoft.com/office/powerpoint/2010/main" Requires="p14">
-      <p:transition xmlns:mc="http://schemas.openxmlformats.org/markup-compatibility/2006" xmlns:p14="http://schemas.microsoft.com/office/powerpoint/2010/main" mc:Ignorable="p14" p14:dur="500"/>
+  <mc:AlternateContent xmlns:mc="http://schemas.openxmlformats.org/markup-compatibility/2006" xmlns:p14="http://schemas.microsoft.com/office/powerpoint/2010/main">
+    <mc:Choice Requires="p14">
+      <p:transition/>
     </mc:Choice>
-    <mc:Fallback>
+    <mc:Fallback xmlns:dsp="http://schemas.microsoft.com/office/drawing/2008/diagram" xmlns:dgm="http://schemas.openxmlformats.org/drawingml/2006/diagram" xmlns:c="http://schemas.openxmlformats.org/drawingml/2006/chart" xmlns="">
       <p:transition/>
     </mc:Fallback>
   </mc:AlternateContent>
@@ -6131,7 +6143,7 @@
 </file>
 
 <file path=ppt/slides/slide17.xml><?xml version="1.0" encoding="utf-8"?>
-<p:sld xmlns:r="http://schemas.openxmlformats.org/officeDocument/2006/relationships" xmlns:c="http://schemas.openxmlformats.org/drawingml/2006/chart" xmlns:a="http://schemas.openxmlformats.org/drawingml/2006/main" xmlns:dgm="http://schemas.openxmlformats.org/drawingml/2006/diagram" xmlns:dsp="http://schemas.microsoft.com/office/drawing/2008/diagram" xmlns:p="http://schemas.openxmlformats.org/presentationml/2006/main">
+<p:sld xmlns:a="http://schemas.openxmlformats.org/drawingml/2006/main" xmlns:r="http://schemas.openxmlformats.org/officeDocument/2006/relationships" xmlns:p="http://schemas.openxmlformats.org/presentationml/2006/main">
   <p:cSld>
     <p:spTree>
       <p:nvGrpSpPr>
@@ -6182,13 +6194,6 @@
               </a:rPr>
               <a:t>08</a:t>
             </a:r>
-            <a:endParaRPr lang="en-US" altLang="ko-KR" sz="6000">
-              <a:solidFill>
-                <a:schemeClr val="bg1"/>
-              </a:solidFill>
-              <a:latin typeface="나눔스퀘어 Light"/>
-              <a:ea typeface="나눔스퀘어 Light"/>
-            </a:endParaRPr>
           </a:p>
         </p:txBody>
       </p:sp>
@@ -6227,13 +6232,6 @@
               </a:rPr>
               <a:t>개발 일정</a:t>
             </a:r>
-            <a:endParaRPr lang="ko-KR" altLang="en-US" sz="2800">
-              <a:solidFill>
-                <a:schemeClr val="bg1"/>
-              </a:solidFill>
-              <a:latin typeface="나눔스퀘어 Light"/>
-              <a:ea typeface="나눔스퀘어 Light"/>
-            </a:endParaRPr>
           </a:p>
         </p:txBody>
       </p:sp>
@@ -6456,163 +6454,84 @@
         </p:nvGraphicFramePr>
         <p:xfrm>
           <a:off x="2588532" y="1739414"/>
-          <a:ext cx="9007012" cy="4163355"/>
+          <a:ext cx="9007012" cy="4159545"/>
         </p:xfrm>
         <a:graphic>
           <a:graphicData uri="http://schemas.openxmlformats.org/drawingml/2006/table">
             <a:tbl>
               <a:tblPr firstRow="1" bandRow="1">
-                <a:tableStyle styleId="{16D9F66E-5EB9-4882-86FB-DCBF35E3C3E4}" styleName="보통 스타일 4 - 강조 6">
-                  <a:wholeTbl>
-                    <a:tcTxStyle>
-                      <a:fontRef idx="minor">
-                        <a:scrgbClr r="0" g="0" b="0"/>
-                      </a:fontRef>
-                      <a:schemeClr val="dk1"/>
-                    </a:tcTxStyle>
-                    <a:tcStyle>
-                      <a:tcBdr>
-                        <a:left>
-                          <a:ln w="12700" cmpd="sng">
-                            <a:solidFill>
-                              <a:schemeClr val="accent6"/>
-                            </a:solidFill>
-                          </a:ln>
-                        </a:left>
-                        <a:right>
-                          <a:ln w="12700" cmpd="sng">
-                            <a:solidFill>
-                              <a:schemeClr val="accent6"/>
-                            </a:solidFill>
-                          </a:ln>
-                        </a:right>
-                        <a:top>
-                          <a:ln w="12700" cmpd="sng">
-                            <a:solidFill>
-                              <a:schemeClr val="accent6"/>
-                            </a:solidFill>
-                          </a:ln>
-                        </a:top>
-                        <a:bottom>
-                          <a:ln w="12700" cmpd="sng">
-                            <a:solidFill>
-                              <a:schemeClr val="accent6"/>
-                            </a:solidFill>
-                          </a:ln>
-                        </a:bottom>
-                        <a:insideH>
-                          <a:ln w="12700" cmpd="sng">
-                            <a:solidFill>
-                              <a:schemeClr val="accent6"/>
-                            </a:solidFill>
-                          </a:ln>
-                        </a:insideH>
-                        <a:insideV>
-                          <a:ln w="12700" cmpd="sng">
-                            <a:solidFill>
-                              <a:schemeClr val="accent6"/>
-                            </a:solidFill>
-                          </a:ln>
-                        </a:insideV>
-                      </a:tcBdr>
-                      <a:fill>
-                        <a:solidFill>
-                          <a:schemeClr val="accent6">
-                            <a:tint val="20000"/>
-                          </a:schemeClr>
-                        </a:solidFill>
-                      </a:fill>
-                    </a:tcStyle>
-                  </a:wholeTbl>
-                  <a:band1H>
-                    <a:tcTxStyle/>
-                    <a:tcStyle>
-                      <a:tcBdr/>
-                      <a:fill>
-                        <a:solidFill>
-                          <a:schemeClr val="accent6">
-                            <a:tint val="40000"/>
-                          </a:schemeClr>
-                        </a:solidFill>
-                      </a:fill>
-                    </a:tcStyle>
-                  </a:band1H>
-                  <a:band1V>
-                    <a:tcTxStyle/>
-                    <a:tcStyle>
-                      <a:tcBdr/>
-                      <a:fill>
-                        <a:solidFill>
-                          <a:schemeClr val="accent6">
-                            <a:tint val="40000"/>
-                          </a:schemeClr>
-                        </a:solidFill>
-                      </a:fill>
-                    </a:tcStyle>
-                  </a:band1V>
-                  <a:lastCol>
-                    <a:tcTxStyle b="on"/>
-                    <a:tcStyle>
-                      <a:tcBdr/>
-                    </a:tcStyle>
-                  </a:lastCol>
-                  <a:firstCol>
-                    <a:tcTxStyle b="on"/>
-                    <a:tcStyle>
-                      <a:tcBdr/>
-                    </a:tcStyle>
-                  </a:firstCol>
-                  <a:lastRow>
-                    <a:tcTxStyle b="on"/>
-                    <a:tcStyle>
-                      <a:tcBdr>
-                        <a:top>
-                          <a:ln w="25400" cmpd="sng">
-                            <a:solidFill>
-                              <a:schemeClr val="accent6"/>
-                            </a:solidFill>
-                          </a:ln>
-                        </a:top>
-                      </a:tcBdr>
-                      <a:fill>
-                        <a:solidFill>
-                          <a:schemeClr val="accent6">
-                            <a:tint val="20000"/>
-                          </a:schemeClr>
-                        </a:solidFill>
-                      </a:fill>
-                    </a:tcStyle>
-                  </a:lastRow>
-                  <a:firstRow>
-                    <a:tcTxStyle b="on"/>
-                    <a:tcStyle>
-                      <a:tcBdr/>
-                      <a:fill>
-                        <a:solidFill>
-                          <a:schemeClr val="accent6">
-                            <a:tint val="20000"/>
-                          </a:schemeClr>
-                        </a:solidFill>
-                      </a:fill>
-                    </a:tcStyle>
-                  </a:firstRow>
-                </a:tableStyle>
+                <a:tableStyleId>{16D9F66E-5EB9-4882-86FB-DCBF35E3C3E4}</a:tableStyleId>
               </a:tblPr>
               <a:tblGrid>
-                <a:gridCol w="794847"/>
-                <a:gridCol w="673977"/>
-                <a:gridCol w="998030"/>
-                <a:gridCol w="910778"/>
-                <a:gridCol w="1125876"/>
-                <a:gridCol w="1125876"/>
-                <a:gridCol w="1125876"/>
-                <a:gridCol w="1125876"/>
-                <a:gridCol w="1125876"/>
+                <a:gridCol w="794847">
+                  <a:extLst>
+                    <a:ext uri="{9D8B030D-6E8A-4147-A177-3AD203B41FA5}">
+                      <a16:colId xmlns:a16="http://schemas.microsoft.com/office/drawing/2014/main" val="20000"/>
+                    </a:ext>
+                  </a:extLst>
+                </a:gridCol>
+                <a:gridCol w="673977">
+                  <a:extLst>
+                    <a:ext uri="{9D8B030D-6E8A-4147-A177-3AD203B41FA5}">
+                      <a16:colId xmlns:a16="http://schemas.microsoft.com/office/drawing/2014/main" val="20001"/>
+                    </a:ext>
+                  </a:extLst>
+                </a:gridCol>
+                <a:gridCol w="998030">
+                  <a:extLst>
+                    <a:ext uri="{9D8B030D-6E8A-4147-A177-3AD203B41FA5}">
+                      <a16:colId xmlns:a16="http://schemas.microsoft.com/office/drawing/2014/main" val="20002"/>
+                    </a:ext>
+                  </a:extLst>
+                </a:gridCol>
+                <a:gridCol w="910778">
+                  <a:extLst>
+                    <a:ext uri="{9D8B030D-6E8A-4147-A177-3AD203B41FA5}">
+                      <a16:colId xmlns:a16="http://schemas.microsoft.com/office/drawing/2014/main" val="20003"/>
+                    </a:ext>
+                  </a:extLst>
+                </a:gridCol>
+                <a:gridCol w="1125876">
+                  <a:extLst>
+                    <a:ext uri="{9D8B030D-6E8A-4147-A177-3AD203B41FA5}">
+                      <a16:colId xmlns:a16="http://schemas.microsoft.com/office/drawing/2014/main" val="20004"/>
+                    </a:ext>
+                  </a:extLst>
+                </a:gridCol>
+                <a:gridCol w="1125876">
+                  <a:extLst>
+                    <a:ext uri="{9D8B030D-6E8A-4147-A177-3AD203B41FA5}">
+                      <a16:colId xmlns:a16="http://schemas.microsoft.com/office/drawing/2014/main" val="20005"/>
+                    </a:ext>
+                  </a:extLst>
+                </a:gridCol>
+                <a:gridCol w="1125876">
+                  <a:extLst>
+                    <a:ext uri="{9D8B030D-6E8A-4147-A177-3AD203B41FA5}">
+                      <a16:colId xmlns:a16="http://schemas.microsoft.com/office/drawing/2014/main" val="20006"/>
+                    </a:ext>
+                  </a:extLst>
+                </a:gridCol>
+                <a:gridCol w="1125876">
+                  <a:extLst>
+                    <a:ext uri="{9D8B030D-6E8A-4147-A177-3AD203B41FA5}">
+                      <a16:colId xmlns:a16="http://schemas.microsoft.com/office/drawing/2014/main" val="20007"/>
+                    </a:ext>
+                  </a:extLst>
+                </a:gridCol>
+                <a:gridCol w="1125876">
+                  <a:extLst>
+                    <a:ext uri="{9D8B030D-6E8A-4147-A177-3AD203B41FA5}">
+                      <a16:colId xmlns:a16="http://schemas.microsoft.com/office/drawing/2014/main" val="20008"/>
+                    </a:ext>
+                  </a:extLst>
+                </a:gridCol>
               </a:tblGrid>
               <a:tr h="481331">
                 <a:tc>
                   <a:txBody>
-                    <a:bodyPr vert="horz" lIns="91440" tIns="45720" rIns="91440" bIns="45720" anchor="t" anchorCtr="0"/>
+                    <a:bodyPr/>
+                    <a:lstStyle/>
                     <a:p>
                       <a:pPr algn="ctr" latinLnBrk="1">
                         <a:defRPr/>
@@ -6620,11 +6539,12 @@
                       <a:endParaRPr lang="ko-KR" altLang="en-US"/>
                     </a:p>
                   </a:txBody>
-                  <a:tcPr marL="91440" marR="91440"/>
+                  <a:tcPr/>
                 </a:tc>
                 <a:tc>
                   <a:txBody>
-                    <a:bodyPr vert="horz" lIns="91440" tIns="45720" rIns="91440" bIns="45720" anchor="t" anchorCtr="0"/>
+                    <a:bodyPr/>
+                    <a:lstStyle/>
                     <a:p>
                       <a:pPr algn="ctr" latinLnBrk="1">
                         <a:defRPr/>
@@ -6637,14 +6557,14 @@
                         <a:rPr lang="ko-KR" altLang="en-US"/>
                         <a:t>월</a:t>
                       </a:r>
-                      <a:endParaRPr lang="ko-KR" altLang="en-US"/>
                     </a:p>
                   </a:txBody>
-                  <a:tcPr marL="91440" marR="91440"/>
+                  <a:tcPr/>
                 </a:tc>
                 <a:tc>
                   <a:txBody>
-                    <a:bodyPr vert="horz" lIns="91440" tIns="45720" rIns="91440" bIns="45720" anchor="t" anchorCtr="0"/>
+                    <a:bodyPr/>
+                    <a:lstStyle/>
                     <a:p>
                       <a:pPr algn="ctr" latinLnBrk="1">
                         <a:defRPr/>
@@ -6657,14 +6577,14 @@
                         <a:rPr lang="ko-KR" altLang="en-US"/>
                         <a:t>월</a:t>
                       </a:r>
-                      <a:endParaRPr lang="ko-KR" altLang="en-US"/>
                     </a:p>
                   </a:txBody>
-                  <a:tcPr marL="91440" marR="91440"/>
+                  <a:tcPr/>
                 </a:tc>
                 <a:tc>
                   <a:txBody>
-                    <a:bodyPr vert="horz" lIns="91440" tIns="45720" rIns="91440" bIns="45720" anchor="t" anchorCtr="0"/>
+                    <a:bodyPr/>
+                    <a:lstStyle/>
                     <a:p>
                       <a:pPr algn="ctr" latinLnBrk="1">
                         <a:defRPr/>
@@ -6677,14 +6597,14 @@
                         <a:rPr lang="ko-KR" altLang="en-US"/>
                         <a:t>월</a:t>
                       </a:r>
-                      <a:endParaRPr lang="ko-KR" altLang="en-US"/>
                     </a:p>
                   </a:txBody>
-                  <a:tcPr marL="91440" marR="91440"/>
+                  <a:tcPr/>
                 </a:tc>
                 <a:tc>
                   <a:txBody>
-                    <a:bodyPr vert="horz" lIns="91440" tIns="45720" rIns="91440" bIns="45720" anchor="t" anchorCtr="0"/>
+                    <a:bodyPr/>
+                    <a:lstStyle/>
                     <a:p>
                       <a:pPr algn="ctr" latinLnBrk="1">
                         <a:defRPr/>
@@ -6697,14 +6617,14 @@
                         <a:rPr lang="ko-KR" altLang="en-US"/>
                         <a:t>월</a:t>
                       </a:r>
-                      <a:endParaRPr lang="ko-KR" altLang="en-US"/>
                     </a:p>
                   </a:txBody>
-                  <a:tcPr marL="91440" marR="91440"/>
+                  <a:tcPr/>
                 </a:tc>
                 <a:tc>
                   <a:txBody>
-                    <a:bodyPr vert="horz" lIns="91440" tIns="45720" rIns="91440" bIns="45720" anchor="t" anchorCtr="0"/>
+                    <a:bodyPr/>
+                    <a:lstStyle/>
                     <a:p>
                       <a:pPr algn="ctr" latinLnBrk="1">
                         <a:defRPr/>
@@ -6717,14 +6637,14 @@
                         <a:rPr lang="ko-KR" altLang="en-US"/>
                         <a:t>월</a:t>
                       </a:r>
-                      <a:endParaRPr lang="ko-KR" altLang="en-US"/>
                     </a:p>
                   </a:txBody>
-                  <a:tcPr marL="91440" marR="91440"/>
+                  <a:tcPr/>
                 </a:tc>
                 <a:tc>
                   <a:txBody>
-                    <a:bodyPr vert="horz" lIns="91440" tIns="45720" rIns="91440" bIns="45720" anchor="t" anchorCtr="0"/>
+                    <a:bodyPr/>
+                    <a:lstStyle/>
                     <a:p>
                       <a:pPr algn="ctr" latinLnBrk="1">
                         <a:defRPr/>
@@ -6737,14 +6657,14 @@
                         <a:rPr lang="ko-KR" altLang="en-US"/>
                         <a:t>월</a:t>
                       </a:r>
-                      <a:endParaRPr lang="ko-KR" altLang="en-US"/>
                     </a:p>
                   </a:txBody>
-                  <a:tcPr marL="91440" marR="91440"/>
+                  <a:tcPr/>
                 </a:tc>
                 <a:tc>
                   <a:txBody>
-                    <a:bodyPr vert="horz" lIns="91440" tIns="45720" rIns="91440" bIns="45720" anchor="t" anchorCtr="0"/>
+                    <a:bodyPr/>
+                    <a:lstStyle/>
                     <a:p>
                       <a:pPr algn="ctr" latinLnBrk="1">
                         <a:defRPr/>
@@ -6757,14 +6677,14 @@
                         <a:rPr lang="ko-KR" altLang="en-US"/>
                         <a:t>월</a:t>
                       </a:r>
-                      <a:endParaRPr lang="ko-KR" altLang="en-US"/>
                     </a:p>
                   </a:txBody>
-                  <a:tcPr marL="91440" marR="91440"/>
+                  <a:tcPr/>
                 </a:tc>
                 <a:tc>
                   <a:txBody>
-                    <a:bodyPr vert="horz" lIns="91440" tIns="45720" rIns="91440" bIns="45720" anchor="t" anchorCtr="0"/>
+                    <a:bodyPr/>
+                    <a:lstStyle/>
                     <a:p>
                       <a:pPr algn="ctr" latinLnBrk="1">
                         <a:defRPr/>
@@ -6777,16 +6697,21 @@
                         <a:rPr lang="ko-KR" altLang="en-US"/>
                         <a:t>월</a:t>
                       </a:r>
-                      <a:endParaRPr lang="ko-KR" altLang="en-US"/>
                     </a:p>
                   </a:txBody>
-                  <a:tcPr marL="91440" marR="91440"/>
+                  <a:tcPr/>
                 </a:tc>
+                <a:extLst>
+                  <a:ext uri="{0D108BD9-81ED-4DB2-BD59-A6C34878D82A}">
+                    <a16:rowId xmlns:a16="http://schemas.microsoft.com/office/drawing/2014/main" val="10000"/>
+                  </a:ext>
+                </a:extLst>
               </a:tr>
               <a:tr h="481331">
                 <a:tc>
                   <a:txBody>
-                    <a:bodyPr vert="horz" lIns="91440" tIns="45720" rIns="91440" bIns="45720" anchor="t" anchorCtr="0"/>
+                    <a:bodyPr/>
+                    <a:lstStyle/>
                     <a:p>
                       <a:pPr algn="ctr" latinLnBrk="1">
                         <a:defRPr/>
@@ -6795,14 +6720,65 @@
                         <a:rPr lang="ko-KR" altLang="en-US" sz="1200"/>
                         <a:t>에셋 제작</a:t>
                       </a:r>
-                      <a:endParaRPr lang="ko-KR" altLang="en-US" sz="1200"/>
                     </a:p>
                   </a:txBody>
-                  <a:tcPr marL="91440" marR="91440"/>
+                  <a:tcPr/>
                 </a:tc>
                 <a:tc>
                   <a:txBody>
-                    <a:bodyPr vert="horz" lIns="91440" tIns="45720" rIns="91440" bIns="45720" anchor="t" anchorCtr="0"/>
+                    <a:bodyPr/>
+                    <a:lstStyle/>
+                    <a:p>
+                      <a:pPr algn="ctr" latinLnBrk="1">
+                        <a:defRPr/>
+                      </a:pPr>
+                      <a:endParaRPr lang="ko-KR" altLang="en-US" sz="1200" dirty="0"/>
+                    </a:p>
+                  </a:txBody>
+                  <a:tcPr>
+                    <a:solidFill>
+                      <a:srgbClr val="002060"/>
+                    </a:solidFill>
+                  </a:tcPr>
+                </a:tc>
+                <a:tc>
+                  <a:txBody>
+                    <a:bodyPr/>
+                    <a:lstStyle/>
+                    <a:p>
+                      <a:pPr algn="ctr" latinLnBrk="1">
+                        <a:defRPr/>
+                      </a:pPr>
+                      <a:endParaRPr lang="ko-KR" altLang="en-US" sz="1200" dirty="0"/>
+                    </a:p>
+                  </a:txBody>
+                  <a:tcPr>
+                    <a:solidFill>
+                      <a:srgbClr val="002060"/>
+                    </a:solidFill>
+                  </a:tcPr>
+                </a:tc>
+                <a:tc>
+                  <a:txBody>
+                    <a:bodyPr/>
+                    <a:lstStyle/>
+                    <a:p>
+                      <a:pPr algn="ctr" latinLnBrk="1">
+                        <a:defRPr/>
+                      </a:pPr>
+                      <a:endParaRPr lang="ko-KR" altLang="en-US" sz="1200" dirty="0"/>
+                    </a:p>
+                  </a:txBody>
+                  <a:tcPr>
+                    <a:solidFill>
+                      <a:srgbClr val="002060"/>
+                    </a:solidFill>
+                  </a:tcPr>
+                </a:tc>
+                <a:tc>
+                  <a:txBody>
+                    <a:bodyPr/>
+                    <a:lstStyle/>
                     <a:p>
                       <a:pPr algn="ctr" latinLnBrk="1">
                         <a:defRPr/>
@@ -6810,7 +6786,7 @@
                       <a:endParaRPr lang="ko-KR" altLang="en-US" sz="1200"/>
                     </a:p>
                   </a:txBody>
-                  <a:tcPr marL="91440" marR="91440">
+                  <a:tcPr>
                     <a:solidFill>
                       <a:srgbClr val="002060"/>
                     </a:solidFill>
@@ -6818,7 +6794,8 @@
                 </a:tc>
                 <a:tc>
                   <a:txBody>
-                    <a:bodyPr vert="horz" lIns="91440" tIns="45720" rIns="91440" bIns="45720" anchor="t" anchorCtr="0"/>
+                    <a:bodyPr/>
+                    <a:lstStyle/>
                     <a:p>
                       <a:pPr algn="ctr" latinLnBrk="1">
                         <a:defRPr/>
@@ -6826,15 +6803,12 @@
                       <a:endParaRPr lang="ko-KR" altLang="en-US" sz="1200"/>
                     </a:p>
                   </a:txBody>
-                  <a:tcPr marL="91440" marR="91440">
-                    <a:solidFill>
-                      <a:srgbClr val="002060"/>
-                    </a:solidFill>
-                  </a:tcPr>
+                  <a:tcPr/>
                 </a:tc>
                 <a:tc>
                   <a:txBody>
-                    <a:bodyPr vert="horz" lIns="91440" tIns="45720" rIns="91440" bIns="45720" anchor="t" anchorCtr="0"/>
+                    <a:bodyPr/>
+                    <a:lstStyle/>
                     <a:p>
                       <a:pPr algn="ctr" latinLnBrk="1">
                         <a:defRPr/>
@@ -6842,15 +6816,12 @@
                       <a:endParaRPr lang="ko-KR" altLang="en-US" sz="1200"/>
                     </a:p>
                   </a:txBody>
-                  <a:tcPr marL="91440" marR="91440">
-                    <a:solidFill>
-                      <a:srgbClr val="002060"/>
-                    </a:solidFill>
-                  </a:tcPr>
+                  <a:tcPr/>
                 </a:tc>
                 <a:tc>
                   <a:txBody>
-                    <a:bodyPr vert="horz" lIns="91440" tIns="45720" rIns="91440" bIns="45720" anchor="t" anchorCtr="0"/>
+                    <a:bodyPr/>
+                    <a:lstStyle/>
                     <a:p>
                       <a:pPr algn="ctr" latinLnBrk="1">
                         <a:defRPr/>
@@ -6858,15 +6829,12 @@
                       <a:endParaRPr lang="ko-KR" altLang="en-US" sz="1200"/>
                     </a:p>
                   </a:txBody>
-                  <a:tcPr marL="91440" marR="91440">
-                    <a:solidFill>
-                      <a:srgbClr val="002060"/>
-                    </a:solidFill>
-                  </a:tcPr>
+                  <a:tcPr/>
                 </a:tc>
                 <a:tc>
                   <a:txBody>
-                    <a:bodyPr vert="horz" lIns="91440" tIns="45720" rIns="91440" bIns="45720" anchor="t" anchorCtr="0"/>
+                    <a:bodyPr/>
+                    <a:lstStyle/>
                     <a:p>
                       <a:pPr algn="ctr" latinLnBrk="1">
                         <a:defRPr/>
@@ -6874,49 +6842,19 @@
                       <a:endParaRPr lang="ko-KR" altLang="en-US" sz="1200"/>
                     </a:p>
                   </a:txBody>
-                  <a:tcPr marL="91440" marR="91440"/>
+                  <a:tcPr/>
                 </a:tc>
-                <a:tc>
-                  <a:txBody>
-                    <a:bodyPr vert="horz" lIns="91440" tIns="45720" rIns="91440" bIns="45720" anchor="t" anchorCtr="0"/>
-                    <a:p>
-                      <a:pPr algn="ctr" latinLnBrk="1">
-                        <a:defRPr/>
-                      </a:pPr>
-                      <a:endParaRPr lang="ko-KR" altLang="en-US" sz="1200"/>
-                    </a:p>
-                  </a:txBody>
-                  <a:tcPr marL="91440" marR="91440"/>
-                </a:tc>
-                <a:tc>
-                  <a:txBody>
-                    <a:bodyPr vert="horz" lIns="91440" tIns="45720" rIns="91440" bIns="45720" anchor="t" anchorCtr="0"/>
-                    <a:p>
-                      <a:pPr algn="ctr" latinLnBrk="1">
-                        <a:defRPr/>
-                      </a:pPr>
-                      <a:endParaRPr lang="ko-KR" altLang="en-US" sz="1200"/>
-                    </a:p>
-                  </a:txBody>
-                  <a:tcPr marL="91440" marR="91440"/>
-                </a:tc>
-                <a:tc>
-                  <a:txBody>
-                    <a:bodyPr vert="horz" lIns="91440" tIns="45720" rIns="91440" bIns="45720" anchor="t" anchorCtr="0"/>
-                    <a:p>
-                      <a:pPr algn="ctr" latinLnBrk="1">
-                        <a:defRPr/>
-                      </a:pPr>
-                      <a:endParaRPr lang="ko-KR" altLang="en-US" sz="1200"/>
-                    </a:p>
-                  </a:txBody>
-                  <a:tcPr marL="91440" marR="91440"/>
-                </a:tc>
+                <a:extLst>
+                  <a:ext uri="{0D108BD9-81ED-4DB2-BD59-A6C34878D82A}">
+                    <a16:rowId xmlns:a16="http://schemas.microsoft.com/office/drawing/2014/main" val="10001"/>
+                  </a:ext>
+                </a:extLst>
               </a:tr>
               <a:tr h="240666">
                 <a:tc rowSpan="2">
                   <a:txBody>
-                    <a:bodyPr vert="horz" lIns="91440" tIns="45720" rIns="91440" bIns="45720" anchor="t" anchorCtr="0"/>
+                    <a:bodyPr/>
+                    <a:lstStyle/>
                     <a:p>
                       <a:pPr algn="ctr" latinLnBrk="1">
                         <a:defRPr/>
@@ -6925,14 +6863,14 @@
                         <a:rPr lang="ko-KR" altLang="en-US" sz="1200"/>
                         <a:t>기본 게임구현</a:t>
                       </a:r>
-                      <a:endParaRPr lang="ko-KR" altLang="en-US" sz="1200"/>
                     </a:p>
                   </a:txBody>
-                  <a:tcPr marL="91440" marR="91440"/>
+                  <a:tcPr/>
                 </a:tc>
                 <a:tc>
                   <a:txBody>
-                    <a:bodyPr vert="horz" lIns="91440" tIns="45720" rIns="91440" bIns="45720" anchor="t" anchorCtr="0"/>
+                    <a:bodyPr/>
+                    <a:lstStyle/>
                     <a:p>
                       <a:pPr algn="ctr" latinLnBrk="1">
                         <a:defRPr/>
@@ -6940,7 +6878,7 @@
                       <a:endParaRPr lang="ko-KR" altLang="en-US" sz="1200"/>
                     </a:p>
                   </a:txBody>
-                  <a:tcPr marL="91440" marR="91440">
+                  <a:tcPr>
                     <a:solidFill>
                       <a:srgbClr val="002060"/>
                     </a:solidFill>
@@ -6948,7 +6886,8 @@
                 </a:tc>
                 <a:tc>
                   <a:txBody>
-                    <a:bodyPr vert="horz" lIns="91440" tIns="45720" rIns="91440" bIns="45720" anchor="t" anchorCtr="0"/>
+                    <a:bodyPr/>
+                    <a:lstStyle/>
                     <a:p>
                       <a:pPr algn="ctr" latinLnBrk="1">
                         <a:defRPr/>
@@ -6956,7 +6895,7 @@
                       <a:endParaRPr lang="ko-KR" altLang="en-US" sz="1200"/>
                     </a:p>
                   </a:txBody>
-                  <a:tcPr marL="91440" marR="91440">
+                  <a:tcPr>
                     <a:solidFill>
                       <a:srgbClr val="002060"/>
                     </a:solidFill>
@@ -6964,7 +6903,38 @@
                 </a:tc>
                 <a:tc>
                   <a:txBody>
-                    <a:bodyPr vert="horz" lIns="91440" tIns="45720" rIns="91440" bIns="45720" anchor="t" anchorCtr="0"/>
+                    <a:bodyPr/>
+                    <a:lstStyle/>
+                    <a:p>
+                      <a:pPr algn="ctr" latinLnBrk="1">
+                        <a:defRPr/>
+                      </a:pPr>
+                      <a:endParaRPr lang="ko-KR" altLang="en-US" sz="1200" dirty="0"/>
+                    </a:p>
+                  </a:txBody>
+                  <a:tcPr>
+                    <a:solidFill>
+                      <a:srgbClr val="002060"/>
+                    </a:solidFill>
+                  </a:tcPr>
+                </a:tc>
+                <a:tc rowSpan="2">
+                  <a:txBody>
+                    <a:bodyPr/>
+                    <a:lstStyle/>
+                    <a:p>
+                      <a:pPr algn="ctr" latinLnBrk="1">
+                        <a:defRPr/>
+                      </a:pPr>
+                      <a:endParaRPr lang="ko-KR" altLang="en-US" sz="1200" dirty="0"/>
+                    </a:p>
+                  </a:txBody>
+                  <a:tcPr/>
+                </a:tc>
+                <a:tc rowSpan="2">
+                  <a:txBody>
+                    <a:bodyPr/>
+                    <a:lstStyle/>
                     <a:p>
                       <a:pPr algn="ctr" latinLnBrk="1">
                         <a:defRPr/>
@@ -6972,15 +6942,12 @@
                       <a:endParaRPr lang="ko-KR" altLang="en-US" sz="1200"/>
                     </a:p>
                   </a:txBody>
-                  <a:tcPr marL="91440" marR="91440">
-                    <a:solidFill>
-                      <a:srgbClr val="002060"/>
-                    </a:solidFill>
-                  </a:tcPr>
+                  <a:tcPr/>
                 </a:tc>
                 <a:tc rowSpan="2">
                   <a:txBody>
-                    <a:bodyPr vert="horz" lIns="91440" tIns="45720" rIns="91440" bIns="45720" anchor="t" anchorCtr="0"/>
+                    <a:bodyPr/>
+                    <a:lstStyle/>
                     <a:p>
                       <a:pPr algn="ctr" latinLnBrk="1">
                         <a:defRPr/>
@@ -6988,11 +6955,12 @@
                       <a:endParaRPr lang="ko-KR" altLang="en-US" sz="1200"/>
                     </a:p>
                   </a:txBody>
-                  <a:tcPr marL="91440" marR="91440"/>
+                  <a:tcPr/>
                 </a:tc>
                 <a:tc rowSpan="2">
                   <a:txBody>
-                    <a:bodyPr vert="horz" lIns="91440" tIns="45720" rIns="91440" bIns="45720" anchor="t" anchorCtr="0"/>
+                    <a:bodyPr/>
+                    <a:lstStyle/>
                     <a:p>
                       <a:pPr algn="ctr" latinLnBrk="1">
                         <a:defRPr/>
@@ -7000,11 +6968,12 @@
                       <a:endParaRPr lang="ko-KR" altLang="en-US" sz="1200"/>
                     </a:p>
                   </a:txBody>
-                  <a:tcPr marL="91440" marR="91440"/>
+                  <a:tcPr/>
                 </a:tc>
                 <a:tc rowSpan="2">
                   <a:txBody>
-                    <a:bodyPr vert="horz" lIns="91440" tIns="45720" rIns="91440" bIns="45720" anchor="t" anchorCtr="0"/>
+                    <a:bodyPr/>
+                    <a:lstStyle/>
                     <a:p>
                       <a:pPr algn="ctr" latinLnBrk="1">
                         <a:defRPr/>
@@ -7012,11 +6981,32 @@
                       <a:endParaRPr lang="ko-KR" altLang="en-US" sz="1200"/>
                     </a:p>
                   </a:txBody>
-                  <a:tcPr marL="91440" marR="91440"/>
+                  <a:tcPr/>
                 </a:tc>
-                <a:tc rowSpan="2">
+                <a:extLst>
+                  <a:ext uri="{0D108BD9-81ED-4DB2-BD59-A6C34878D82A}">
+                    <a16:rowId xmlns:a16="http://schemas.microsoft.com/office/drawing/2014/main" val="10002"/>
+                  </a:ext>
+                </a:extLst>
+              </a:tr>
+              <a:tr h="240666">
+                <a:tc vMerge="1">
                   <a:txBody>
-                    <a:bodyPr vert="horz" lIns="91440" tIns="45720" rIns="91440" bIns="45720" anchor="t" anchorCtr="0"/>
+                    <a:bodyPr/>
+                    <a:lstStyle/>
+                    <a:p>
+                      <a:pPr latinLnBrk="1">
+                        <a:defRPr/>
+                      </a:pPr>
+                      <a:endParaRPr lang="ko-KR" altLang="en-US"/>
+                    </a:p>
+                  </a:txBody>
+                  <a:tcPr/>
+                </a:tc>
+                <a:tc>
+                  <a:txBody>
+                    <a:bodyPr/>
+                    <a:lstStyle/>
                     <a:p>
                       <a:pPr algn="ctr" latinLnBrk="1">
                         <a:defRPr/>
@@ -7024,11 +7014,16 @@
                       <a:endParaRPr lang="ko-KR" altLang="en-US" sz="1200"/>
                     </a:p>
                   </a:txBody>
-                  <a:tcPr marL="91440" marR="91440"/>
+                  <a:tcPr>
+                    <a:solidFill>
+                      <a:srgbClr val="0070C0"/>
+                    </a:solidFill>
+                  </a:tcPr>
                 </a:tc>
-                <a:tc rowSpan="2">
+                <a:tc>
                   <a:txBody>
-                    <a:bodyPr vert="horz" lIns="91440" tIns="45720" rIns="91440" bIns="45720" anchor="t" anchorCtr="0"/>
+                    <a:bodyPr/>
+                    <a:lstStyle/>
                     <a:p>
                       <a:pPr algn="ctr" latinLnBrk="1">
                         <a:defRPr/>
@@ -7036,13 +7031,33 @@
                       <a:endParaRPr lang="ko-KR" altLang="en-US" sz="1200"/>
                     </a:p>
                   </a:txBody>
-                  <a:tcPr marL="91440" marR="91440"/>
+                  <a:tcPr>
+                    <a:solidFill>
+                      <a:srgbClr val="0070C0"/>
+                    </a:solidFill>
+                  </a:tcPr>
                 </a:tc>
-              </a:tr>
-              <a:tr h="240666">
+                <a:tc>
+                  <a:txBody>
+                    <a:bodyPr/>
+                    <a:lstStyle/>
+                    <a:p>
+                      <a:pPr algn="ctr" latinLnBrk="1">
+                        <a:defRPr/>
+                      </a:pPr>
+                      <a:endParaRPr lang="ko-KR" altLang="en-US" sz="1200"/>
+                    </a:p>
+                  </a:txBody>
+                  <a:tcPr>
+                    <a:solidFill>
+                      <a:srgbClr val="0070C0"/>
+                    </a:solidFill>
+                  </a:tcPr>
+                </a:tc>
                 <a:tc vMerge="1">
                   <a:txBody>
                     <a:bodyPr/>
+                    <a:lstStyle/>
                     <a:p>
                       <a:pPr latinLnBrk="1">
                         <a:defRPr/>
@@ -7050,59 +7065,12 @@
                       <a:endParaRPr lang="ko-KR" altLang="en-US"/>
                     </a:p>
                   </a:txBody>
-                  <a:tcPr marL="91440" marR="91440"/>
-                </a:tc>
-                <a:tc>
-                  <a:txBody>
-                    <a:bodyPr vert="horz" lIns="91440" tIns="45720" rIns="91440" bIns="45720" anchor="t" anchorCtr="0"/>
-                    <a:p>
-                      <a:pPr algn="ctr" latinLnBrk="1">
-                        <a:defRPr/>
-                      </a:pPr>
-                      <a:endParaRPr lang="ko-KR" altLang="en-US" sz="1200"/>
-                    </a:p>
-                  </a:txBody>
-                  <a:tcPr marL="91440" marR="91440">
-                    <a:solidFill>
-                      <a:srgbClr val="0070c0"/>
-                    </a:solidFill>
-                  </a:tcPr>
-                </a:tc>
-                <a:tc>
-                  <a:txBody>
-                    <a:bodyPr vert="horz" lIns="91440" tIns="45720" rIns="91440" bIns="45720" anchor="t" anchorCtr="0"/>
-                    <a:p>
-                      <a:pPr algn="ctr" latinLnBrk="1">
-                        <a:defRPr/>
-                      </a:pPr>
-                      <a:endParaRPr lang="ko-KR" altLang="en-US" sz="1200"/>
-                    </a:p>
-                  </a:txBody>
-                  <a:tcPr marL="91440" marR="91440">
-                    <a:solidFill>
-                      <a:srgbClr val="0070c0"/>
-                    </a:solidFill>
-                  </a:tcPr>
-                </a:tc>
-                <a:tc>
-                  <a:txBody>
-                    <a:bodyPr vert="horz" lIns="91440" tIns="45720" rIns="91440" bIns="45720" anchor="t" anchorCtr="0"/>
-                    <a:p>
-                      <a:pPr algn="ctr" latinLnBrk="1">
-                        <a:defRPr/>
-                      </a:pPr>
-                      <a:endParaRPr lang="ko-KR" altLang="en-US" sz="1200"/>
-                    </a:p>
-                  </a:txBody>
-                  <a:tcPr marL="91440" marR="91440">
-                    <a:solidFill>
-                      <a:srgbClr val="0070c0"/>
-                    </a:solidFill>
-                  </a:tcPr>
+                  <a:tcPr/>
                 </a:tc>
                 <a:tc vMerge="1">
                   <a:txBody>
                     <a:bodyPr/>
+                    <a:lstStyle/>
                     <a:p>
                       <a:pPr latinLnBrk="1">
                         <a:defRPr/>
@@ -7110,11 +7078,12 @@
                       <a:endParaRPr lang="ko-KR" altLang="en-US"/>
                     </a:p>
                   </a:txBody>
-                  <a:tcPr marL="91440" marR="91440"/>
+                  <a:tcPr/>
                 </a:tc>
                 <a:tc vMerge="1">
                   <a:txBody>
                     <a:bodyPr/>
+                    <a:lstStyle/>
                     <a:p>
                       <a:pPr latinLnBrk="1">
                         <a:defRPr/>
@@ -7122,11 +7091,12 @@
                       <a:endParaRPr lang="ko-KR" altLang="en-US"/>
                     </a:p>
                   </a:txBody>
-                  <a:tcPr marL="91440" marR="91440"/>
+                  <a:tcPr/>
                 </a:tc>
                 <a:tc vMerge="1">
                   <a:txBody>
                     <a:bodyPr/>
+                    <a:lstStyle/>
                     <a:p>
                       <a:pPr latinLnBrk="1">
                         <a:defRPr/>
@@ -7134,11 +7104,12 @@
                       <a:endParaRPr lang="ko-KR" altLang="en-US"/>
                     </a:p>
                   </a:txBody>
-                  <a:tcPr marL="91440" marR="91440"/>
+                  <a:tcPr/>
                 </a:tc>
                 <a:tc vMerge="1">
                   <a:txBody>
                     <a:bodyPr/>
+                    <a:lstStyle/>
                     <a:p>
                       <a:pPr latinLnBrk="1">
                         <a:defRPr/>
@@ -7146,25 +7117,19 @@
                       <a:endParaRPr lang="ko-KR" altLang="en-US"/>
                     </a:p>
                   </a:txBody>
-                  <a:tcPr marL="91440" marR="91440"/>
+                  <a:tcPr/>
                 </a:tc>
-                <a:tc vMerge="1">
-                  <a:txBody>
-                    <a:bodyPr/>
-                    <a:p>
-                      <a:pPr latinLnBrk="1">
-                        <a:defRPr/>
-                      </a:pPr>
-                      <a:endParaRPr lang="ko-KR" altLang="en-US"/>
-                    </a:p>
-                  </a:txBody>
-                  <a:tcPr marL="91440" marR="91440"/>
-                </a:tc>
+                <a:extLst>
+                  <a:ext uri="{0D108BD9-81ED-4DB2-BD59-A6C34878D82A}">
+                    <a16:rowId xmlns:a16="http://schemas.microsoft.com/office/drawing/2014/main" val="10003"/>
+                  </a:ext>
+                </a:extLst>
               </a:tr>
               <a:tr h="481331">
                 <a:tc>
                   <a:txBody>
-                    <a:bodyPr vert="horz" lIns="91440" tIns="45720" rIns="91440" bIns="45720" anchor="t" anchorCtr="0"/>
+                    <a:bodyPr/>
+                    <a:lstStyle/>
                     <a:p>
                       <a:pPr algn="ctr" latinLnBrk="1">
                         <a:defRPr/>
@@ -7173,14 +7138,14 @@
                         <a:rPr lang="ko-KR" altLang="en-US" sz="1200"/>
                         <a:t>기능 구현</a:t>
                       </a:r>
-                      <a:endParaRPr lang="ko-KR" altLang="en-US" sz="1200"/>
                     </a:p>
                   </a:txBody>
-                  <a:tcPr marL="91440" marR="91440"/>
+                  <a:tcPr/>
                 </a:tc>
                 <a:tc>
                   <a:txBody>
-                    <a:bodyPr vert="horz" lIns="91440" tIns="45720" rIns="91440" bIns="45720" anchor="t" anchorCtr="0"/>
+                    <a:bodyPr/>
+                    <a:lstStyle/>
                     <a:p>
                       <a:pPr algn="ctr" latinLnBrk="1">
                         <a:defRPr/>
@@ -7188,11 +7153,12 @@
                       <a:endParaRPr lang="ko-KR" altLang="en-US" sz="1200"/>
                     </a:p>
                   </a:txBody>
-                  <a:tcPr marL="91440" marR="91440"/>
+                  <a:tcPr/>
                 </a:tc>
                 <a:tc>
                   <a:txBody>
-                    <a:bodyPr vert="horz" lIns="91440" tIns="45720" rIns="91440" bIns="45720" anchor="t" anchorCtr="0"/>
+                    <a:bodyPr/>
+                    <a:lstStyle/>
                     <a:p>
                       <a:pPr algn="ctr" latinLnBrk="1">
                         <a:defRPr/>
@@ -7200,11 +7166,12 @@
                       <a:endParaRPr lang="ko-KR" altLang="en-US" sz="1200"/>
                     </a:p>
                   </a:txBody>
-                  <a:tcPr marL="91440" marR="91440"/>
+                  <a:tcPr/>
                 </a:tc>
                 <a:tc>
                   <a:txBody>
-                    <a:bodyPr vert="horz" lIns="91440" tIns="45720" rIns="91440" bIns="45720" anchor="t" anchorCtr="0"/>
+                    <a:bodyPr/>
+                    <a:lstStyle/>
                     <a:p>
                       <a:pPr algn="ctr" latinLnBrk="1">
                         <a:defRPr/>
@@ -7212,11 +7179,12 @@
                       <a:endParaRPr lang="ko-KR" altLang="en-US" sz="1200"/>
                     </a:p>
                   </a:txBody>
-                  <a:tcPr marL="91440" marR="91440"/>
+                  <a:tcPr/>
                 </a:tc>
                 <a:tc>
                   <a:txBody>
-                    <a:bodyPr vert="horz" lIns="91440" tIns="45720" rIns="91440" bIns="45720" anchor="t" anchorCtr="0"/>
+                    <a:bodyPr/>
+                    <a:lstStyle/>
                     <a:p>
                       <a:pPr algn="ctr" latinLnBrk="1">
                         <a:defRPr/>
@@ -7224,15 +7192,16 @@
                       <a:endParaRPr lang="ko-KR" altLang="en-US" sz="1200"/>
                     </a:p>
                   </a:txBody>
-                  <a:tcPr marL="91440" marR="91440">
+                  <a:tcPr>
                     <a:solidFill>
-                      <a:srgbClr val="0070c0"/>
+                      <a:srgbClr val="0070C0"/>
                     </a:solidFill>
                   </a:tcPr>
                 </a:tc>
                 <a:tc>
                   <a:txBody>
-                    <a:bodyPr vert="horz" lIns="91440" tIns="45720" rIns="91440" bIns="45720" anchor="t" anchorCtr="0"/>
+                    <a:bodyPr/>
+                    <a:lstStyle/>
                     <a:p>
                       <a:pPr algn="ctr" latinLnBrk="1">
                         <a:defRPr/>
@@ -7240,15 +7209,16 @@
                       <a:endParaRPr lang="ko-KR" altLang="en-US" sz="1200"/>
                     </a:p>
                   </a:txBody>
-                  <a:tcPr marL="91440" marR="91440">
+                  <a:tcPr>
                     <a:solidFill>
-                      <a:srgbClr val="0070c0"/>
+                      <a:srgbClr val="0070C0"/>
                     </a:solidFill>
                   </a:tcPr>
                 </a:tc>
                 <a:tc>
                   <a:txBody>
-                    <a:bodyPr vert="horz" lIns="91440" tIns="45720" rIns="91440" bIns="45720" anchor="t" anchorCtr="0"/>
+                    <a:bodyPr/>
+                    <a:lstStyle/>
                     <a:p>
                       <a:pPr algn="ctr" latinLnBrk="1">
                         <a:defRPr/>
@@ -7256,15 +7226,16 @@
                       <a:endParaRPr lang="ko-KR" altLang="en-US" sz="1200"/>
                     </a:p>
                   </a:txBody>
-                  <a:tcPr marL="91440" marR="91440">
+                  <a:tcPr>
                     <a:solidFill>
-                      <a:srgbClr val="0070c0"/>
+                      <a:srgbClr val="0070C0"/>
                     </a:solidFill>
                   </a:tcPr>
                 </a:tc>
                 <a:tc>
                   <a:txBody>
-                    <a:bodyPr vert="horz" lIns="91440" tIns="45720" rIns="91440" bIns="45720" anchor="t" anchorCtr="0"/>
+                    <a:bodyPr/>
+                    <a:lstStyle/>
                     <a:p>
                       <a:pPr algn="ctr" latinLnBrk="1">
                         <a:defRPr/>
@@ -7272,11 +7243,12 @@
                       <a:endParaRPr lang="ko-KR" altLang="en-US" sz="1200"/>
                     </a:p>
                   </a:txBody>
-                  <a:tcPr marL="91440" marR="91440"/>
+                  <a:tcPr/>
                 </a:tc>
                 <a:tc>
                   <a:txBody>
-                    <a:bodyPr vert="horz" lIns="91440" tIns="45720" rIns="91440" bIns="45720" anchor="t" anchorCtr="0"/>
+                    <a:bodyPr/>
+                    <a:lstStyle/>
                     <a:p>
                       <a:pPr algn="ctr" latinLnBrk="1">
                         <a:defRPr/>
@@ -7284,13 +7256,19 @@
                       <a:endParaRPr lang="ko-KR" altLang="en-US" sz="1200"/>
                     </a:p>
                   </a:txBody>
-                  <a:tcPr marL="91440" marR="91440"/>
+                  <a:tcPr/>
                 </a:tc>
+                <a:extLst>
+                  <a:ext uri="{0D108BD9-81ED-4DB2-BD59-A6C34878D82A}">
+                    <a16:rowId xmlns:a16="http://schemas.microsoft.com/office/drawing/2014/main" val="10004"/>
+                  </a:ext>
+                </a:extLst>
               </a:tr>
               <a:tr h="405421">
                 <a:tc>
                   <a:txBody>
-                    <a:bodyPr vert="horz" lIns="91440" tIns="45720" rIns="91440" bIns="45720" anchor="t" anchorCtr="0"/>
+                    <a:bodyPr/>
+                    <a:lstStyle/>
                     <a:p>
                       <a:pPr algn="ctr" latinLnBrk="1">
                         <a:defRPr/>
@@ -7303,11 +7281,6 @@
                         </a:rPr>
                         <a:t>네트워크 로직 </a:t>
                       </a:r>
-                      <a:endParaRPr lang="ko-KR" altLang="en-US" sz="1200">
-                        <a:solidFill>
-                          <a:schemeClr val="tx1"/>
-                        </a:solidFill>
-                      </a:endParaRPr>
                     </a:p>
                     <a:p>
                       <a:pPr algn="ctr" latinLnBrk="1">
@@ -7321,18 +7294,14 @@
                         </a:rPr>
                         <a:t>구현</a:t>
                       </a:r>
-                      <a:endParaRPr lang="ko-KR" altLang="en-US" sz="1200">
-                        <a:solidFill>
-                          <a:schemeClr val="tx1"/>
-                        </a:solidFill>
-                      </a:endParaRPr>
                     </a:p>
                   </a:txBody>
-                  <a:tcPr marL="91440" marR="91440"/>
+                  <a:tcPr/>
                 </a:tc>
                 <a:tc>
                   <a:txBody>
-                    <a:bodyPr vert="horz" lIns="91440" tIns="45720" rIns="91440" bIns="45720" anchor="t" anchorCtr="0"/>
+                    <a:bodyPr/>
+                    <a:lstStyle/>
                     <a:p>
                       <a:pPr algn="ctr" latinLnBrk="1">
                         <a:defRPr/>
@@ -7340,15 +7309,16 @@
                       <a:endParaRPr lang="ko-KR" altLang="en-US" sz="1200"/>
                     </a:p>
                   </a:txBody>
-                  <a:tcPr marL="91440" marR="91440">
+                  <a:tcPr>
                     <a:solidFill>
-                      <a:srgbClr val="ff0000"/>
+                      <a:srgbClr val="FF0000"/>
                     </a:solidFill>
                   </a:tcPr>
                 </a:tc>
                 <a:tc>
                   <a:txBody>
-                    <a:bodyPr vert="horz" lIns="91440" tIns="45720" rIns="91440" bIns="45720" anchor="t" anchorCtr="0"/>
+                    <a:bodyPr/>
+                    <a:lstStyle/>
                     <a:p>
                       <a:pPr algn="ctr" latinLnBrk="1">
                         <a:defRPr/>
@@ -7356,15 +7326,16 @@
                       <a:endParaRPr lang="ko-KR" altLang="en-US" sz="1200"/>
                     </a:p>
                   </a:txBody>
-                  <a:tcPr marL="91440" marR="91440">
+                  <a:tcPr>
                     <a:solidFill>
-                      <a:srgbClr val="ff0000"/>
+                      <a:srgbClr val="FF0000"/>
                     </a:solidFill>
                   </a:tcPr>
                 </a:tc>
                 <a:tc>
                   <a:txBody>
-                    <a:bodyPr vert="horz" lIns="91440" tIns="45720" rIns="91440" bIns="45720" anchor="t" anchorCtr="0"/>
+                    <a:bodyPr/>
+                    <a:lstStyle/>
                     <a:p>
                       <a:pPr algn="ctr" latinLnBrk="1">
                         <a:defRPr/>
@@ -7372,15 +7343,16 @@
                       <a:endParaRPr lang="ko-KR" altLang="en-US" sz="1200"/>
                     </a:p>
                   </a:txBody>
-                  <a:tcPr marL="91440" marR="91440">
+                  <a:tcPr>
                     <a:solidFill>
-                      <a:srgbClr val="ff0000"/>
+                      <a:srgbClr val="FF0000"/>
                     </a:solidFill>
                   </a:tcPr>
                 </a:tc>
                 <a:tc>
                   <a:txBody>
-                    <a:bodyPr vert="horz" lIns="91440" tIns="45720" rIns="91440" bIns="45720" anchor="t" anchorCtr="0"/>
+                    <a:bodyPr/>
+                    <a:lstStyle/>
                     <a:p>
                       <a:pPr algn="ctr" latinLnBrk="1">
                         <a:defRPr/>
@@ -7388,11 +7360,12 @@
                       <a:endParaRPr lang="ko-KR" altLang="en-US" sz="1200"/>
                     </a:p>
                   </a:txBody>
-                  <a:tcPr marL="91440" marR="91440"/>
+                  <a:tcPr/>
                 </a:tc>
                 <a:tc>
                   <a:txBody>
-                    <a:bodyPr vert="horz" lIns="91440" tIns="45720" rIns="91440" bIns="45720" anchor="t" anchorCtr="0"/>
+                    <a:bodyPr/>
+                    <a:lstStyle/>
                     <a:p>
                       <a:pPr algn="ctr" latinLnBrk="1">
                         <a:defRPr/>
@@ -7400,11 +7373,12 @@
                       <a:endParaRPr lang="ko-KR" altLang="en-US" sz="1200"/>
                     </a:p>
                   </a:txBody>
-                  <a:tcPr marL="91440" marR="91440"/>
+                  <a:tcPr/>
                 </a:tc>
                 <a:tc>
                   <a:txBody>
-                    <a:bodyPr vert="horz" lIns="91440" tIns="45720" rIns="91440" bIns="45720" anchor="t" anchorCtr="0"/>
+                    <a:bodyPr/>
+                    <a:lstStyle/>
                     <a:p>
                       <a:pPr algn="ctr" latinLnBrk="1">
                         <a:defRPr/>
@@ -7412,11 +7386,12 @@
                       <a:endParaRPr lang="ko-KR" altLang="en-US" sz="1200"/>
                     </a:p>
                   </a:txBody>
-                  <a:tcPr marL="91440" marR="91440"/>
+                  <a:tcPr/>
                 </a:tc>
                 <a:tc>
                   <a:txBody>
-                    <a:bodyPr vert="horz" lIns="91440" tIns="45720" rIns="91440" bIns="45720" anchor="t" anchorCtr="0"/>
+                    <a:bodyPr/>
+                    <a:lstStyle/>
                     <a:p>
                       <a:pPr algn="ctr" latinLnBrk="1">
                         <a:defRPr/>
@@ -7424,11 +7399,12 @@
                       <a:endParaRPr lang="ko-KR" altLang="en-US" sz="1200"/>
                     </a:p>
                   </a:txBody>
-                  <a:tcPr marL="91440" marR="91440"/>
+                  <a:tcPr/>
                 </a:tc>
                 <a:tc>
                   <a:txBody>
-                    <a:bodyPr vert="horz" lIns="91440" tIns="45720" rIns="91440" bIns="45720" anchor="t" anchorCtr="0"/>
+                    <a:bodyPr/>
+                    <a:lstStyle/>
                     <a:p>
                       <a:pPr algn="ctr" latinLnBrk="1">
                         <a:defRPr/>
@@ -7436,13 +7412,19 @@
                       <a:endParaRPr lang="ko-KR" altLang="en-US" sz="1200"/>
                     </a:p>
                   </a:txBody>
-                  <a:tcPr marL="91440" marR="91440"/>
+                  <a:tcPr/>
                 </a:tc>
+                <a:extLst>
+                  <a:ext uri="{0D108BD9-81ED-4DB2-BD59-A6C34878D82A}">
+                    <a16:rowId xmlns:a16="http://schemas.microsoft.com/office/drawing/2014/main" val="10005"/>
+                  </a:ext>
+                </a:extLst>
               </a:tr>
               <a:tr h="405421">
                 <a:tc>
                   <a:txBody>
-                    <a:bodyPr vert="horz" lIns="91440" tIns="45720" rIns="91440" bIns="45720" anchor="t" anchorCtr="0"/>
+                    <a:bodyPr/>
+                    <a:lstStyle/>
                     <a:p>
                       <a:pPr algn="ctr" latinLnBrk="1">
                         <a:defRPr/>
@@ -7463,18 +7445,14 @@
                         </a:rPr>
                         <a:t>구현</a:t>
                       </a:r>
-                      <a:endParaRPr lang="ko-KR" altLang="en-US" sz="1200">
-                        <a:solidFill>
-                          <a:schemeClr val="tx1"/>
-                        </a:solidFill>
-                      </a:endParaRPr>
                     </a:p>
                   </a:txBody>
-                  <a:tcPr marL="91440" marR="91440"/>
+                  <a:tcPr/>
                 </a:tc>
                 <a:tc>
                   <a:txBody>
-                    <a:bodyPr vert="horz" lIns="91440" tIns="45720" rIns="91440" bIns="45720" anchor="t" anchorCtr="0"/>
+                    <a:bodyPr/>
+                    <a:lstStyle/>
                     <a:p>
                       <a:pPr algn="ctr" latinLnBrk="1">
                         <a:defRPr/>
@@ -7482,7 +7460,7 @@
                       <a:endParaRPr lang="ko-KR" altLang="en-US" sz="1200"/>
                     </a:p>
                   </a:txBody>
-                  <a:tcPr marL="91440" marR="91440">
+                  <a:tcPr>
                     <a:solidFill>
                       <a:schemeClr val="accent6">
                         <a:lumMod val="20000"/>
@@ -7493,7 +7471,8 @@
                 </a:tc>
                 <a:tc>
                   <a:txBody>
-                    <a:bodyPr vert="horz" lIns="91440" tIns="45720" rIns="91440" bIns="45720" anchor="t" anchorCtr="0"/>
+                    <a:bodyPr/>
+                    <a:lstStyle/>
                     <a:p>
                       <a:pPr algn="ctr" latinLnBrk="1">
                         <a:defRPr/>
@@ -7501,7 +7480,7 @@
                       <a:endParaRPr lang="ko-KR" altLang="en-US" sz="1200"/>
                     </a:p>
                   </a:txBody>
-                  <a:tcPr marL="91440" marR="91440">
+                  <a:tcPr>
                     <a:solidFill>
                       <a:schemeClr val="accent6">
                         <a:lumMod val="20000"/>
@@ -7512,7 +7491,8 @@
                 </a:tc>
                 <a:tc>
                   <a:txBody>
-                    <a:bodyPr vert="horz" lIns="91440" tIns="45720" rIns="91440" bIns="45720" anchor="t" anchorCtr="0"/>
+                    <a:bodyPr/>
+                    <a:lstStyle/>
                     <a:p>
                       <a:pPr algn="ctr" latinLnBrk="1">
                         <a:defRPr/>
@@ -7520,7 +7500,7 @@
                       <a:endParaRPr lang="ko-KR" altLang="en-US" sz="1200"/>
                     </a:p>
                   </a:txBody>
-                  <a:tcPr marL="91440" marR="91440">
+                  <a:tcPr>
                     <a:solidFill>
                       <a:schemeClr val="accent6">
                         <a:lumMod val="20000"/>
@@ -7531,7 +7511,8 @@
                 </a:tc>
                 <a:tc>
                   <a:txBody>
-                    <a:bodyPr vert="horz" lIns="91440" tIns="45720" rIns="91440" bIns="45720" anchor="t" anchorCtr="0"/>
+                    <a:bodyPr/>
+                    <a:lstStyle/>
                     <a:p>
                       <a:pPr algn="ctr" latinLnBrk="1">
                         <a:defRPr/>
@@ -7539,11 +7520,12 @@
                       <a:endParaRPr lang="ko-KR" altLang="en-US" sz="1200"/>
                     </a:p>
                   </a:txBody>
-                  <a:tcPr marL="91440" marR="91440"/>
+                  <a:tcPr/>
                 </a:tc>
                 <a:tc>
                   <a:txBody>
-                    <a:bodyPr vert="horz" lIns="91440" tIns="45720" rIns="91440" bIns="45720" anchor="t" anchorCtr="0"/>
+                    <a:bodyPr/>
+                    <a:lstStyle/>
                     <a:p>
                       <a:pPr algn="ctr" latinLnBrk="1">
                         <a:defRPr/>
@@ -7551,11 +7533,12 @@
                       <a:endParaRPr lang="ko-KR" altLang="en-US" sz="1200"/>
                     </a:p>
                   </a:txBody>
-                  <a:tcPr marL="91440" marR="91440"/>
+                  <a:tcPr/>
                 </a:tc>
                 <a:tc>
                   <a:txBody>
-                    <a:bodyPr vert="horz" lIns="91440" tIns="45720" rIns="91440" bIns="45720" anchor="t" anchorCtr="0"/>
+                    <a:bodyPr/>
+                    <a:lstStyle/>
                     <a:p>
                       <a:pPr algn="ctr" latinLnBrk="1">
                         <a:defRPr/>
@@ -7563,11 +7546,12 @@
                       <a:endParaRPr lang="ko-KR" altLang="en-US" sz="1200"/>
                     </a:p>
                   </a:txBody>
-                  <a:tcPr marL="91440" marR="91440"/>
+                  <a:tcPr/>
                 </a:tc>
                 <a:tc>
                   <a:txBody>
-                    <a:bodyPr vert="horz" lIns="91440" tIns="45720" rIns="91440" bIns="45720" anchor="t" anchorCtr="0"/>
+                    <a:bodyPr/>
+                    <a:lstStyle/>
                     <a:p>
                       <a:pPr algn="ctr" latinLnBrk="1">
                         <a:defRPr/>
@@ -7575,15 +7559,16 @@
                       <a:endParaRPr lang="ko-KR" altLang="en-US" sz="1200"/>
                     </a:p>
                   </a:txBody>
-                  <a:tcPr marL="91440" marR="91440">
+                  <a:tcPr>
                     <a:solidFill>
-                      <a:srgbClr val="ff0000"/>
+                      <a:srgbClr val="FF0000"/>
                     </a:solidFill>
                   </a:tcPr>
                 </a:tc>
                 <a:tc>
                   <a:txBody>
-                    <a:bodyPr vert="horz" lIns="91440" tIns="45720" rIns="91440" bIns="45720" anchor="t" anchorCtr="0"/>
+                    <a:bodyPr/>
+                    <a:lstStyle/>
                     <a:p>
                       <a:pPr algn="ctr" latinLnBrk="1">
                         <a:defRPr/>
@@ -7591,17 +7576,23 @@
                       <a:endParaRPr lang="ko-KR" altLang="en-US" sz="1200"/>
                     </a:p>
                   </a:txBody>
-                  <a:tcPr marL="91440" marR="91440">
+                  <a:tcPr>
                     <a:solidFill>
-                      <a:srgbClr val="ff0000"/>
+                      <a:srgbClr val="FF0000"/>
                     </a:solidFill>
                   </a:tcPr>
                 </a:tc>
+                <a:extLst>
+                  <a:ext uri="{0D108BD9-81ED-4DB2-BD59-A6C34878D82A}">
+                    <a16:rowId xmlns:a16="http://schemas.microsoft.com/office/drawing/2014/main" val="10006"/>
+                  </a:ext>
+                </a:extLst>
               </a:tr>
               <a:tr h="481331">
                 <a:tc>
                   <a:txBody>
-                    <a:bodyPr vert="horz" lIns="91440" tIns="45720" rIns="91440" bIns="45720" anchor="t" anchorCtr="0"/>
+                    <a:bodyPr/>
+                    <a:lstStyle/>
                     <a:p>
                       <a:pPr algn="ctr" latinLnBrk="1">
                         <a:defRPr/>
@@ -7610,7 +7601,6 @@
                         <a:rPr lang="ko-KR" altLang="en-US" sz="1200"/>
                         <a:t>서버 </a:t>
                       </a:r>
-                      <a:endParaRPr lang="ko-KR" altLang="en-US" sz="1200"/>
                     </a:p>
                     <a:p>
                       <a:pPr algn="ctr" latinLnBrk="1">
@@ -7620,14 +7610,14 @@
                         <a:rPr lang="ko-KR" altLang="en-US" sz="1200"/>
                         <a:t>동기화</a:t>
                       </a:r>
-                      <a:endParaRPr lang="ko-KR" altLang="en-US" sz="1200"/>
                     </a:p>
                   </a:txBody>
-                  <a:tcPr marL="91440" marR="91440"/>
+                  <a:tcPr/>
                 </a:tc>
                 <a:tc>
                   <a:txBody>
-                    <a:bodyPr vert="horz" lIns="91440" tIns="45720" rIns="91440" bIns="45720" anchor="t" anchorCtr="0"/>
+                    <a:bodyPr/>
+                    <a:lstStyle/>
                     <a:p>
                       <a:pPr algn="ctr" latinLnBrk="1">
                         <a:defRPr/>
@@ -7635,11 +7625,12 @@
                       <a:endParaRPr lang="ko-KR" altLang="en-US" sz="1200"/>
                     </a:p>
                   </a:txBody>
-                  <a:tcPr marL="91440" marR="91440"/>
+                  <a:tcPr/>
                 </a:tc>
                 <a:tc>
                   <a:txBody>
-                    <a:bodyPr vert="horz" lIns="91440" tIns="45720" rIns="91440" bIns="45720" anchor="t" anchorCtr="0"/>
+                    <a:bodyPr/>
+                    <a:lstStyle/>
                     <a:p>
                       <a:pPr algn="ctr" latinLnBrk="1">
                         <a:defRPr/>
@@ -7647,11 +7638,12 @@
                       <a:endParaRPr lang="ko-KR" altLang="en-US" sz="1200"/>
                     </a:p>
                   </a:txBody>
-                  <a:tcPr marL="91440" marR="91440"/>
+                  <a:tcPr/>
                 </a:tc>
                 <a:tc>
                   <a:txBody>
-                    <a:bodyPr vert="horz" lIns="91440" tIns="45720" rIns="91440" bIns="45720" anchor="t" anchorCtr="0"/>
+                    <a:bodyPr/>
+                    <a:lstStyle/>
                     <a:p>
                       <a:pPr algn="ctr" latinLnBrk="1">
                         <a:defRPr/>
@@ -7659,11 +7651,12 @@
                       <a:endParaRPr lang="ko-KR" altLang="en-US" sz="1200"/>
                     </a:p>
                   </a:txBody>
-                  <a:tcPr marL="91440" marR="91440"/>
+                  <a:tcPr/>
                 </a:tc>
                 <a:tc>
                   <a:txBody>
-                    <a:bodyPr vert="horz" lIns="91440" tIns="45720" rIns="91440" bIns="45720" anchor="t" anchorCtr="0"/>
+                    <a:bodyPr/>
+                    <a:lstStyle/>
                     <a:p>
                       <a:pPr algn="ctr" latinLnBrk="1">
                         <a:defRPr/>
@@ -7671,15 +7664,16 @@
                       <a:endParaRPr lang="ko-KR" altLang="en-US" sz="1200"/>
                     </a:p>
                   </a:txBody>
-                  <a:tcPr marL="91440" marR="91440">
+                  <a:tcPr>
                     <a:solidFill>
-                      <a:srgbClr val="ff0000"/>
+                      <a:srgbClr val="FF0000"/>
                     </a:solidFill>
                   </a:tcPr>
                 </a:tc>
                 <a:tc>
                   <a:txBody>
-                    <a:bodyPr vert="horz" lIns="91440" tIns="45720" rIns="91440" bIns="45720" anchor="t" anchorCtr="0"/>
+                    <a:bodyPr/>
+                    <a:lstStyle/>
                     <a:p>
                       <a:pPr algn="ctr" latinLnBrk="1">
                         <a:defRPr/>
@@ -7687,15 +7681,16 @@
                       <a:endParaRPr lang="ko-KR" altLang="en-US" sz="1200"/>
                     </a:p>
                   </a:txBody>
-                  <a:tcPr marL="91440" marR="91440">
+                  <a:tcPr>
                     <a:solidFill>
-                      <a:srgbClr val="ff0000"/>
+                      <a:srgbClr val="FF0000"/>
                     </a:solidFill>
                   </a:tcPr>
                 </a:tc>
                 <a:tc>
                   <a:txBody>
-                    <a:bodyPr vert="horz" lIns="91440" tIns="45720" rIns="91440" bIns="45720" anchor="t" anchorCtr="0"/>
+                    <a:bodyPr/>
+                    <a:lstStyle/>
                     <a:p>
                       <a:pPr algn="ctr" latinLnBrk="1">
                         <a:defRPr/>
@@ -7703,15 +7698,16 @@
                       <a:endParaRPr lang="ko-KR" altLang="en-US" sz="1200"/>
                     </a:p>
                   </a:txBody>
-                  <a:tcPr marL="91440" marR="91440">
+                  <a:tcPr>
                     <a:solidFill>
-                      <a:srgbClr val="ff0000"/>
+                      <a:srgbClr val="FF0000"/>
                     </a:solidFill>
                   </a:tcPr>
                 </a:tc>
                 <a:tc>
                   <a:txBody>
-                    <a:bodyPr vert="horz" lIns="91440" tIns="45720" rIns="91440" bIns="45720" anchor="t" anchorCtr="0"/>
+                    <a:bodyPr/>
+                    <a:lstStyle/>
                     <a:p>
                       <a:pPr algn="ctr" latinLnBrk="1">
                         <a:defRPr/>
@@ -7719,15 +7715,16 @@
                       <a:endParaRPr lang="ko-KR" altLang="en-US" sz="1200"/>
                     </a:p>
                   </a:txBody>
-                  <a:tcPr marL="91440" marR="91440">
+                  <a:tcPr>
                     <a:solidFill>
-                      <a:srgbClr val="ff0000"/>
+                      <a:srgbClr val="FF0000"/>
                     </a:solidFill>
                   </a:tcPr>
                 </a:tc>
                 <a:tc>
                   <a:txBody>
-                    <a:bodyPr vert="horz" lIns="91440" tIns="45720" rIns="91440" bIns="45720" anchor="t" anchorCtr="0"/>
+                    <a:bodyPr/>
+                    <a:lstStyle/>
                     <a:p>
                       <a:pPr algn="ctr" latinLnBrk="1">
                         <a:defRPr/>
@@ -7735,13 +7732,19 @@
                       <a:endParaRPr lang="ko-KR" altLang="en-US" sz="1200"/>
                     </a:p>
                   </a:txBody>
-                  <a:tcPr marL="91440" marR="91440"/>
+                  <a:tcPr/>
                 </a:tc>
+                <a:extLst>
+                  <a:ext uri="{0D108BD9-81ED-4DB2-BD59-A6C34878D82A}">
+                    <a16:rowId xmlns:a16="http://schemas.microsoft.com/office/drawing/2014/main" val="10007"/>
+                  </a:ext>
+                </a:extLst>
               </a:tr>
               <a:tr h="481331">
                 <a:tc>
                   <a:txBody>
-                    <a:bodyPr vert="horz" lIns="91440" tIns="45720" rIns="91440" bIns="45720" anchor="t" anchorCtr="0"/>
+                    <a:bodyPr/>
+                    <a:lstStyle/>
                     <a:p>
                       <a:pPr algn="ctr" latinLnBrk="1">
                         <a:defRPr/>
@@ -7750,14 +7753,14 @@
                         <a:rPr lang="ko-KR" altLang="en-US" sz="1200"/>
                         <a:t>테스트 및 버그 수정</a:t>
                       </a:r>
-                      <a:endParaRPr lang="ko-KR" altLang="en-US" sz="1200"/>
                     </a:p>
                   </a:txBody>
-                  <a:tcPr marL="91440" marR="91440"/>
+                  <a:tcPr/>
                 </a:tc>
                 <a:tc>
                   <a:txBody>
-                    <a:bodyPr vert="horz" lIns="91440" tIns="45720" rIns="91440" bIns="45720" anchor="t" anchorCtr="0"/>
+                    <a:bodyPr/>
+                    <a:lstStyle/>
                     <a:p>
                       <a:pPr algn="ctr" latinLnBrk="1">
                         <a:defRPr/>
@@ -7765,11 +7768,12 @@
                       <a:endParaRPr lang="ko-KR" altLang="en-US" sz="1200"/>
                     </a:p>
                   </a:txBody>
-                  <a:tcPr marL="91440" marR="91440"/>
+                  <a:tcPr/>
                 </a:tc>
                 <a:tc>
                   <a:txBody>
-                    <a:bodyPr vert="horz" lIns="91440" tIns="45720" rIns="91440" bIns="45720" anchor="t" anchorCtr="0"/>
+                    <a:bodyPr/>
+                    <a:lstStyle/>
                     <a:p>
                       <a:pPr algn="ctr" latinLnBrk="1">
                         <a:defRPr/>
@@ -7777,11 +7781,12 @@
                       <a:endParaRPr lang="ko-KR" altLang="en-US" sz="1200"/>
                     </a:p>
                   </a:txBody>
-                  <a:tcPr marL="91440" marR="91440"/>
+                  <a:tcPr/>
                 </a:tc>
                 <a:tc>
                   <a:txBody>
-                    <a:bodyPr vert="horz" lIns="91440" tIns="45720" rIns="91440" bIns="45720" anchor="t" anchorCtr="0"/>
+                    <a:bodyPr/>
+                    <a:lstStyle/>
                     <a:p>
                       <a:pPr algn="ctr" latinLnBrk="1">
                         <a:defRPr/>
@@ -7789,11 +7794,12 @@
                       <a:endParaRPr lang="ko-KR" altLang="en-US" sz="1200"/>
                     </a:p>
                   </a:txBody>
-                  <a:tcPr marL="91440" marR="91440"/>
+                  <a:tcPr/>
                 </a:tc>
                 <a:tc>
                   <a:txBody>
-                    <a:bodyPr vert="horz" lIns="91440" tIns="45720" rIns="91440" bIns="45720" anchor="t" anchorCtr="0"/>
+                    <a:bodyPr/>
+                    <a:lstStyle/>
                     <a:p>
                       <a:pPr algn="ctr" latinLnBrk="1">
                         <a:defRPr/>
@@ -7801,11 +7807,12 @@
                       <a:endParaRPr lang="ko-KR" altLang="en-US" sz="1200"/>
                     </a:p>
                   </a:txBody>
-                  <a:tcPr marL="91440" marR="91440"/>
+                  <a:tcPr/>
                 </a:tc>
                 <a:tc>
                   <a:txBody>
-                    <a:bodyPr vert="horz" lIns="91440" tIns="45720" rIns="91440" bIns="45720" anchor="t" anchorCtr="0"/>
+                    <a:bodyPr/>
+                    <a:lstStyle/>
                     <a:p>
                       <a:pPr algn="ctr" latinLnBrk="1">
                         <a:defRPr/>
@@ -7813,11 +7820,12 @@
                       <a:endParaRPr lang="ko-KR" altLang="en-US" sz="1200"/>
                     </a:p>
                   </a:txBody>
-                  <a:tcPr marL="91440" marR="91440"/>
+                  <a:tcPr/>
                 </a:tc>
                 <a:tc>
                   <a:txBody>
-                    <a:bodyPr vert="horz" lIns="91440" tIns="45720" rIns="91440" bIns="45720" anchor="t" anchorCtr="0"/>
+                    <a:bodyPr/>
+                    <a:lstStyle/>
                     <a:p>
                       <a:pPr algn="ctr" latinLnBrk="1">
                         <a:defRPr/>
@@ -7825,11 +7833,12 @@
                       <a:endParaRPr lang="ko-KR" altLang="en-US" sz="1200"/>
                     </a:p>
                   </a:txBody>
-                  <a:tcPr marL="91440" marR="91440"/>
+                  <a:tcPr/>
                 </a:tc>
                 <a:tc>
                   <a:txBody>
-                    <a:bodyPr vert="horz" lIns="91440" tIns="45720" rIns="91440" bIns="45720" anchor="t" anchorCtr="0"/>
+                    <a:bodyPr/>
+                    <a:lstStyle/>
                     <a:p>
                       <a:pPr algn="ctr" latinLnBrk="1">
                         <a:defRPr/>
@@ -7837,28 +7846,34 @@
                       <a:endParaRPr lang="ko-KR" altLang="en-US" sz="1200"/>
                     </a:p>
                   </a:txBody>
-                  <a:tcPr marL="91440" marR="91440">
+                  <a:tcPr>
                     <a:solidFill>
-                      <a:srgbClr val="0070c0"/>
+                      <a:srgbClr val="0070C0"/>
                     </a:solidFill>
                   </a:tcPr>
                 </a:tc>
                 <a:tc>
                   <a:txBody>
-                    <a:bodyPr vert="horz" lIns="91440" tIns="45720" rIns="91440" bIns="45720" anchor="t" anchorCtr="0"/>
+                    <a:bodyPr/>
+                    <a:lstStyle/>
                     <a:p>
                       <a:pPr algn="ctr" latinLnBrk="1">
                         <a:defRPr/>
                       </a:pPr>
-                      <a:endParaRPr lang="ko-KR" altLang="en-US" sz="1200"/>
+                      <a:endParaRPr lang="ko-KR" altLang="en-US" sz="1200" dirty="0"/>
                     </a:p>
                   </a:txBody>
-                  <a:tcPr marL="91440" marR="91440">
+                  <a:tcPr>
                     <a:solidFill>
-                      <a:srgbClr val="0070c0"/>
+                      <a:srgbClr val="0070C0"/>
                     </a:solidFill>
                   </a:tcPr>
                 </a:tc>
+                <a:extLst>
+                  <a:ext uri="{0D108BD9-81ED-4DB2-BD59-A6C34878D82A}">
+                    <a16:rowId xmlns:a16="http://schemas.microsoft.com/office/drawing/2014/main" val="10008"/>
+                  </a:ext>
+                </a:extLst>
               </a:tr>
             </a:tbl>
           </a:graphicData>
@@ -7874,202 +7889,35 @@
         </p:nvGraphicFramePr>
         <p:xfrm>
           <a:off x="356113" y="2319655"/>
-          <a:ext cx="1935844" cy="1109345"/>
+          <a:ext cx="1935844" cy="1107440"/>
         </p:xfrm>
         <a:graphic>
           <a:graphicData uri="http://schemas.openxmlformats.org/drawingml/2006/table">
             <a:tbl>
               <a:tblPr firstRow="1" bandRow="1">
-                <a:tableStyle styleId="{5C22544A-7EE6-4342-B048-85BDC9FD1C3A}" styleName="보통 스타일 2 - 강조 1">
-                  <a:wholeTbl>
-                    <a:tcTxStyle>
-                      <a:fontRef idx="minor">
-                        <a:prstClr val="black"/>
-                      </a:fontRef>
-                      <a:schemeClr val="dk1"/>
-                    </a:tcTxStyle>
-                    <a:tcStyle>
-                      <a:tcBdr>
-                        <a:left>
-                          <a:ln w="12700" cmpd="sng">
-                            <a:solidFill>
-                              <a:schemeClr val="lt1"/>
-                            </a:solidFill>
-                          </a:ln>
-                        </a:left>
-                        <a:right>
-                          <a:ln w="12700" cmpd="sng">
-                            <a:solidFill>
-                              <a:schemeClr val="lt1"/>
-                            </a:solidFill>
-                          </a:ln>
-                        </a:right>
-                        <a:top>
-                          <a:ln w="12700" cmpd="sng">
-                            <a:solidFill>
-                              <a:schemeClr val="lt1"/>
-                            </a:solidFill>
-                          </a:ln>
-                        </a:top>
-                        <a:bottom>
-                          <a:ln w="12700" cmpd="sng">
-                            <a:solidFill>
-                              <a:schemeClr val="lt1"/>
-                            </a:solidFill>
-                          </a:ln>
-                        </a:bottom>
-                        <a:insideH>
-                          <a:ln w="12700" cmpd="sng">
-                            <a:solidFill>
-                              <a:schemeClr val="lt1"/>
-                            </a:solidFill>
-                          </a:ln>
-                        </a:insideH>
-                        <a:insideV>
-                          <a:ln w="12700" cmpd="sng">
-                            <a:solidFill>
-                              <a:schemeClr val="lt1"/>
-                            </a:solidFill>
-                          </a:ln>
-                        </a:insideV>
-                      </a:tcBdr>
-                      <a:fill>
-                        <a:solidFill>
-                          <a:schemeClr val="accent1">
-                            <a:tint val="20000"/>
-                          </a:schemeClr>
-                        </a:solidFill>
-                      </a:fill>
-                    </a:tcStyle>
-                  </a:wholeTbl>
-                  <a:band1H>
-                    <a:tcTxStyle/>
-                    <a:tcStyle>
-                      <a:tcBdr/>
-                      <a:fill>
-                        <a:solidFill>
-                          <a:schemeClr val="accent1">
-                            <a:tint val="40000"/>
-                          </a:schemeClr>
-                        </a:solidFill>
-                      </a:fill>
-                    </a:tcStyle>
-                  </a:band1H>
-                  <a:band2H>
-                    <a:tcTxStyle/>
-                    <a:tcStyle>
-                      <a:tcBdr/>
-                    </a:tcStyle>
-                  </a:band2H>
-                  <a:band1V>
-                    <a:tcTxStyle/>
-                    <a:tcStyle>
-                      <a:tcBdr/>
-                      <a:fill>
-                        <a:solidFill>
-                          <a:schemeClr val="accent1">
-                            <a:tint val="40000"/>
-                          </a:schemeClr>
-                        </a:solidFill>
-                      </a:fill>
-                    </a:tcStyle>
-                  </a:band1V>
-                  <a:band2V>
-                    <a:tcTxStyle/>
-                    <a:tcStyle>
-                      <a:tcBdr/>
-                    </a:tcStyle>
-                  </a:band2V>
-                  <a:lastCol>
-                    <a:tcTxStyle b="on">
-                      <a:fontRef idx="minor">
-                        <a:prstClr val="black"/>
-                      </a:fontRef>
-                      <a:schemeClr val="lt1"/>
-                    </a:tcTxStyle>
-                    <a:tcStyle>
-                      <a:tcBdr/>
-                      <a:fill>
-                        <a:solidFill>
-                          <a:schemeClr val="accent1"/>
-                        </a:solidFill>
-                      </a:fill>
-                    </a:tcStyle>
-                  </a:lastCol>
-                  <a:firstCol>
-                    <a:tcTxStyle b="on">
-                      <a:fontRef idx="minor">
-                        <a:prstClr val="black"/>
-                      </a:fontRef>
-                      <a:schemeClr val="lt1"/>
-                    </a:tcTxStyle>
-                    <a:tcStyle>
-                      <a:tcBdr/>
-                      <a:fill>
-                        <a:solidFill>
-                          <a:schemeClr val="accent1"/>
-                        </a:solidFill>
-                      </a:fill>
-                    </a:tcStyle>
-                  </a:firstCol>
-                  <a:lastRow>
-                    <a:tcTxStyle b="on">
-                      <a:fontRef idx="minor">
-                        <a:prstClr val="black"/>
-                      </a:fontRef>
-                      <a:schemeClr val="lt1"/>
-                    </a:tcTxStyle>
-                    <a:tcStyle>
-                      <a:tcBdr>
-                        <a:top>
-                          <a:ln w="38100" cmpd="sng">
-                            <a:solidFill>
-                              <a:schemeClr val="lt1"/>
-                            </a:solidFill>
-                          </a:ln>
-                        </a:top>
-                      </a:tcBdr>
-                      <a:fill>
-                        <a:solidFill>
-                          <a:schemeClr val="accent1"/>
-                        </a:solidFill>
-                      </a:fill>
-                    </a:tcStyle>
-                  </a:lastRow>
-                  <a:firstRow>
-                    <a:tcTxStyle b="on">
-                      <a:fontRef idx="minor">
-                        <a:prstClr val="black"/>
-                      </a:fontRef>
-                      <a:schemeClr val="lt1"/>
-                    </a:tcTxStyle>
-                    <a:tcStyle>
-                      <a:tcBdr>
-                        <a:bottom>
-                          <a:ln w="38100" cmpd="sng">
-                            <a:solidFill>
-                              <a:schemeClr val="lt1"/>
-                            </a:solidFill>
-                          </a:ln>
-                        </a:bottom>
-                      </a:tcBdr>
-                      <a:fill>
-                        <a:solidFill>
-                          <a:schemeClr val="accent1"/>
-                        </a:solidFill>
-                      </a:fill>
-                    </a:tcStyle>
-                  </a:firstRow>
-                </a:tableStyle>
+                <a:tableStyleId>{5C22544A-7EE6-4342-B048-85BDC9FD1C3A}</a:tableStyleId>
               </a:tblPr>
               <a:tblGrid>
-                <a:gridCol w="967922"/>
-                <a:gridCol w="967922"/>
+                <a:gridCol w="967922">
+                  <a:extLst>
+                    <a:ext uri="{9D8B030D-6E8A-4147-A177-3AD203B41FA5}">
+                      <a16:colId xmlns:a16="http://schemas.microsoft.com/office/drawing/2014/main" val="20000"/>
+                    </a:ext>
+                  </a:extLst>
+                </a:gridCol>
+                <a:gridCol w="967922">
+                  <a:extLst>
+                    <a:ext uri="{9D8B030D-6E8A-4147-A177-3AD203B41FA5}">
+                      <a16:colId xmlns:a16="http://schemas.microsoft.com/office/drawing/2014/main" val="20001"/>
+                    </a:ext>
+                  </a:extLst>
+                </a:gridCol>
               </a:tblGrid>
               <a:tr h="0">
                 <a:tc>
                   <a:txBody>
-                    <a:bodyPr vert="horz" lIns="91440" tIns="45720" rIns="91440" bIns="45720" anchor="t" anchorCtr="0"/>
+                    <a:bodyPr/>
+                    <a:lstStyle/>
                     <a:p>
                       <a:pPr latinLnBrk="1">
                         <a:defRPr/>
@@ -8082,20 +7930,16 @@
                         </a:rPr>
                         <a:t>전태준</a:t>
                       </a:r>
-                      <a:endParaRPr lang="ko-KR" altLang="en-US">
-                        <a:solidFill>
-                          <a:schemeClr val="bg1"/>
-                        </a:solidFill>
-                      </a:endParaRPr>
                     </a:p>
                   </a:txBody>
-                  <a:tcPr marL="91440" marR="91440">
+                  <a:tcPr>
                     <a:noFill/>
                   </a:tcPr>
                 </a:tc>
                 <a:tc>
                   <a:txBody>
-                    <a:bodyPr vert="horz" lIns="91440" tIns="45720" rIns="91440" bIns="45720" anchor="t" anchorCtr="0"/>
+                    <a:bodyPr/>
+                    <a:lstStyle/>
                     <a:p>
                       <a:pPr latinLnBrk="1">
                         <a:defRPr/>
@@ -8103,17 +7947,23 @@
                       <a:endParaRPr lang="ko-KR" altLang="en-US"/>
                     </a:p>
                   </a:txBody>
-                  <a:tcPr marL="91440" marR="91440">
+                  <a:tcPr>
                     <a:solidFill>
-                      <a:srgbClr val="0070c0"/>
+                      <a:srgbClr val="0070C0"/>
                     </a:solidFill>
                   </a:tcPr>
                 </a:tc>
+                <a:extLst>
+                  <a:ext uri="{0D108BD9-81ED-4DB2-BD59-A6C34878D82A}">
+                    <a16:rowId xmlns:a16="http://schemas.microsoft.com/office/drawing/2014/main" val="10000"/>
+                  </a:ext>
+                </a:extLst>
               </a:tr>
               <a:tr h="370840">
                 <a:tc>
                   <a:txBody>
-                    <a:bodyPr vert="horz" lIns="91440" tIns="45720" rIns="91440" bIns="45720" anchor="t" anchorCtr="0"/>
+                    <a:bodyPr/>
+                    <a:lstStyle/>
                     <a:p>
                       <a:pPr latinLnBrk="1">
                         <a:defRPr/>
@@ -8126,20 +7976,16 @@
                         </a:rPr>
                         <a:t>권세진</a:t>
                       </a:r>
-                      <a:endParaRPr lang="ko-KR" altLang="en-US">
-                        <a:solidFill>
-                          <a:schemeClr val="bg1"/>
-                        </a:solidFill>
-                      </a:endParaRPr>
                     </a:p>
                   </a:txBody>
-                  <a:tcPr marL="91440" marR="91440">
+                  <a:tcPr>
                     <a:noFill/>
                   </a:tcPr>
                 </a:tc>
                 <a:tc>
                   <a:txBody>
-                    <a:bodyPr vert="horz" lIns="91440" tIns="45720" rIns="91440" bIns="45720" anchor="t" anchorCtr="0"/>
+                    <a:bodyPr/>
+                    <a:lstStyle/>
                     <a:p>
                       <a:pPr latinLnBrk="1">
                         <a:defRPr/>
@@ -8147,17 +7993,23 @@
                       <a:endParaRPr lang="ko-KR" altLang="en-US"/>
                     </a:p>
                   </a:txBody>
-                  <a:tcPr marL="91440" marR="91440">
+                  <a:tcPr>
                     <a:solidFill>
-                      <a:srgbClr val="ff0000"/>
+                      <a:srgbClr val="FF0000"/>
                     </a:solidFill>
                   </a:tcPr>
                 </a:tc>
+                <a:extLst>
+                  <a:ext uri="{0D108BD9-81ED-4DB2-BD59-A6C34878D82A}">
+                    <a16:rowId xmlns:a16="http://schemas.microsoft.com/office/drawing/2014/main" val="10001"/>
+                  </a:ext>
+                </a:extLst>
               </a:tr>
               <a:tr h="370840">
                 <a:tc>
                   <a:txBody>
-                    <a:bodyPr vert="horz" lIns="91440" tIns="45720" rIns="91440" bIns="45720" anchor="t" anchorCtr="0"/>
+                    <a:bodyPr/>
+                    <a:lstStyle/>
                     <a:p>
                       <a:pPr latinLnBrk="1">
                         <a:defRPr/>
@@ -8170,20 +8022,16 @@
                         </a:rPr>
                         <a:t>김준현</a:t>
                       </a:r>
-                      <a:endParaRPr lang="ko-KR" altLang="en-US">
-                        <a:solidFill>
-                          <a:schemeClr val="bg1"/>
-                        </a:solidFill>
-                      </a:endParaRPr>
                     </a:p>
                   </a:txBody>
-                  <a:tcPr marL="91440" marR="91440">
+                  <a:tcPr>
                     <a:noFill/>
                   </a:tcPr>
                 </a:tc>
                 <a:tc>
                   <a:txBody>
-                    <a:bodyPr vert="horz" lIns="91440" tIns="45720" rIns="91440" bIns="45720" anchor="t" anchorCtr="0"/>
+                    <a:bodyPr/>
+                    <a:lstStyle/>
                     <a:p>
                       <a:pPr latinLnBrk="1">
                         <a:defRPr/>
@@ -8191,12 +8039,17 @@
                       <a:endParaRPr lang="ko-KR" altLang="en-US"/>
                     </a:p>
                   </a:txBody>
-                  <a:tcPr marL="91440" marR="91440">
+                  <a:tcPr>
                     <a:solidFill>
                       <a:srgbClr val="002060"/>
                     </a:solidFill>
                   </a:tcPr>
                 </a:tc>
+                <a:extLst>
+                  <a:ext uri="{0D108BD9-81ED-4DB2-BD59-A6C34878D82A}">
+                    <a16:rowId xmlns:a16="http://schemas.microsoft.com/office/drawing/2014/main" val="10002"/>
+                  </a:ext>
+                </a:extLst>
               </a:tr>
             </a:tbl>
           </a:graphicData>
@@ -8207,11 +8060,11 @@
   <p:clrMapOvr>
     <a:masterClrMapping/>
   </p:clrMapOvr>
-  <mc:AlternateContent xmlns:mc="http://schemas.openxmlformats.org/markup-compatibility/2006">
-    <mc:Choice xmlns:p14="http://schemas.microsoft.com/office/powerpoint/2010/main" Requires="p14">
-      <p:transition xmlns:mc="http://schemas.openxmlformats.org/markup-compatibility/2006" xmlns:p14="http://schemas.microsoft.com/office/powerpoint/2010/main" mc:Ignorable="p14" p14:dur="500"/>
+  <mc:AlternateContent xmlns:mc="http://schemas.openxmlformats.org/markup-compatibility/2006" xmlns:p14="http://schemas.microsoft.com/office/powerpoint/2010/main">
+    <mc:Choice Requires="p14">
+      <p:transition/>
     </mc:Choice>
-    <mc:Fallback>
+    <mc:Fallback xmlns:dsp="http://schemas.microsoft.com/office/drawing/2008/diagram" xmlns:dgm="http://schemas.openxmlformats.org/drawingml/2006/diagram" xmlns:c="http://schemas.openxmlformats.org/drawingml/2006/chart" xmlns="">
       <p:transition/>
     </mc:Fallback>
   </mc:AlternateContent>
@@ -8369,7 +8222,7 @@
     <mc:Choice Requires="p14">
       <p:transition/>
     </mc:Choice>
-    <mc:Fallback xmlns:dsp="http://schemas.microsoft.com/office/drawing/2008/diagram" xmlns:dgm="http://schemas.openxmlformats.org/drawingml/2006/diagram" xmlns:c="http://schemas.openxmlformats.org/drawingml/2006/chart" xmlns="">
+    <mc:Fallback xmlns="" xmlns:c="http://schemas.openxmlformats.org/drawingml/2006/chart" xmlns:dgm="http://schemas.openxmlformats.org/drawingml/2006/diagram" xmlns:dsp="http://schemas.microsoft.com/office/drawing/2008/diagram">
       <p:transition/>
     </mc:Fallback>
   </mc:AlternateContent>
@@ -8377,7 +8230,7 @@
 </file>
 
 <file path=ppt/slides/slide2.xml><?xml version="1.0" encoding="utf-8"?>
-<p:sld xmlns:r="http://schemas.openxmlformats.org/officeDocument/2006/relationships" xmlns:c="http://schemas.openxmlformats.org/drawingml/2006/chart" xmlns:a="http://schemas.openxmlformats.org/drawingml/2006/main" xmlns:dgm="http://schemas.openxmlformats.org/drawingml/2006/diagram" xmlns:dsp="http://schemas.microsoft.com/office/drawing/2008/diagram" xmlns:p="http://schemas.openxmlformats.org/presentationml/2006/main">
+<p:sld xmlns:a="http://schemas.openxmlformats.org/drawingml/2006/main" xmlns:r="http://schemas.openxmlformats.org/officeDocument/2006/relationships" xmlns:p="http://schemas.openxmlformats.org/presentationml/2006/main">
   <p:cSld>
     <p:spTree>
       <p:nvGrpSpPr>
@@ -8473,13 +8326,6 @@
               </a:rPr>
               <a:t>연구목적</a:t>
             </a:r>
-            <a:endParaRPr lang="ko-KR" altLang="en-US" sz="2800">
-              <a:solidFill>
-                <a:schemeClr val="bg1"/>
-              </a:solidFill>
-              <a:latin typeface="나눔스퀘어 Light"/>
-              <a:ea typeface="나눔스퀘어 Light"/>
-            </a:endParaRPr>
           </a:p>
         </p:txBody>
       </p:sp>
@@ -8518,13 +8364,6 @@
               </a:rPr>
               <a:t>개발환경</a:t>
             </a:r>
-            <a:endParaRPr lang="ko-KR" altLang="en-US" sz="2800">
-              <a:solidFill>
-                <a:schemeClr val="bg1"/>
-              </a:solidFill>
-              <a:latin typeface="나눔스퀘어 Light"/>
-              <a:ea typeface="나눔스퀘어 Light"/>
-            </a:endParaRPr>
           </a:p>
         </p:txBody>
       </p:sp>
@@ -8563,13 +8402,6 @@
               </a:rPr>
               <a:t>게임소개</a:t>
             </a:r>
-            <a:endParaRPr lang="ko-KR" altLang="en-US" sz="2800">
-              <a:solidFill>
-                <a:schemeClr val="bg1"/>
-              </a:solidFill>
-              <a:latin typeface="나눔스퀘어 Light"/>
-              <a:ea typeface="나눔스퀘어 Light"/>
-            </a:endParaRPr>
           </a:p>
         </p:txBody>
       </p:sp>
@@ -8608,13 +8440,6 @@
               </a:rPr>
               <a:t>기술적 요소</a:t>
             </a:r>
-            <a:endParaRPr lang="ko-KR" altLang="en-US" sz="2800">
-              <a:solidFill>
-                <a:schemeClr val="bg1"/>
-              </a:solidFill>
-              <a:latin typeface="나눔스퀘어 Light"/>
-              <a:ea typeface="나눔스퀘어 Light"/>
-            </a:endParaRPr>
           </a:p>
           <a:p>
             <a:pPr algn="ctr">
@@ -8630,13 +8455,6 @@
               </a:rPr>
               <a:t>중점연구 분야</a:t>
             </a:r>
-            <a:endParaRPr lang="ko-KR" altLang="en-US" sz="2800">
-              <a:solidFill>
-                <a:schemeClr val="bg1"/>
-              </a:solidFill>
-              <a:latin typeface="나눔스퀘어 Light"/>
-              <a:ea typeface="나눔스퀘어 Light"/>
-            </a:endParaRPr>
           </a:p>
         </p:txBody>
       </p:sp>
@@ -8950,13 +8768,6 @@
               </a:rPr>
               <a:t>05</a:t>
             </a:r>
-            <a:endParaRPr lang="en-US" altLang="ko-KR" sz="6000">
-              <a:solidFill>
-                <a:schemeClr val="bg1"/>
-              </a:solidFill>
-              <a:latin typeface="나눔스퀘어 Light"/>
-              <a:ea typeface="나눔스퀘어 Light"/>
-            </a:endParaRPr>
           </a:p>
         </p:txBody>
       </p:sp>
@@ -8995,13 +8806,6 @@
               </a:rPr>
               <a:t>타게임과</a:t>
             </a:r>
-            <a:endParaRPr lang="ko-KR" altLang="en-US" sz="2800">
-              <a:solidFill>
-                <a:schemeClr val="bg1"/>
-              </a:solidFill>
-              <a:latin typeface="나눔스퀘어 Light"/>
-              <a:ea typeface="나눔스퀘어 Light"/>
-            </a:endParaRPr>
           </a:p>
           <a:p>
             <a:pPr algn="ctr">
@@ -9017,13 +8821,6 @@
               </a:rPr>
               <a:t>차별성</a:t>
             </a:r>
-            <a:endParaRPr lang="ko-KR" altLang="en-US" sz="2800">
-              <a:solidFill>
-                <a:schemeClr val="bg1"/>
-              </a:solidFill>
-              <a:latin typeface="나눔스퀘어 Light"/>
-              <a:ea typeface="나눔스퀘어 Light"/>
-            </a:endParaRPr>
           </a:p>
         </p:txBody>
       </p:sp>
@@ -9062,13 +8859,6 @@
               </a:rPr>
               <a:t>개인별</a:t>
             </a:r>
-            <a:endParaRPr lang="ko-KR" altLang="en-US" sz="2800">
-              <a:solidFill>
-                <a:schemeClr val="bg1"/>
-              </a:solidFill>
-              <a:latin typeface="나눔스퀘어 Light"/>
-              <a:ea typeface="나눔스퀘어 Light"/>
-            </a:endParaRPr>
           </a:p>
           <a:p>
             <a:pPr algn="ctr">
@@ -9084,13 +8874,6 @@
               </a:rPr>
               <a:t>준비 현황</a:t>
             </a:r>
-            <a:endParaRPr lang="ko-KR" altLang="en-US" sz="2800">
-              <a:solidFill>
-                <a:schemeClr val="bg1"/>
-              </a:solidFill>
-              <a:latin typeface="나눔스퀘어 Light"/>
-              <a:ea typeface="나눔스퀘어 Light"/>
-            </a:endParaRPr>
           </a:p>
         </p:txBody>
       </p:sp>
@@ -9129,13 +8912,6 @@
               </a:rPr>
               <a:t>역활 분담</a:t>
             </a:r>
-            <a:endParaRPr lang="ko-KR" altLang="en-US" sz="2800">
-              <a:solidFill>
-                <a:schemeClr val="bg1"/>
-              </a:solidFill>
-              <a:latin typeface="나눔스퀘어 Light"/>
-              <a:ea typeface="나눔스퀘어 Light"/>
-            </a:endParaRPr>
           </a:p>
         </p:txBody>
       </p:sp>
@@ -9174,13 +8950,6 @@
               </a:rPr>
               <a:t>개발 일정</a:t>
             </a:r>
-            <a:endParaRPr lang="ko-KR" altLang="en-US" sz="2800">
-              <a:solidFill>
-                <a:schemeClr val="bg1"/>
-              </a:solidFill>
-              <a:latin typeface="나눔스퀘어 Light"/>
-              <a:ea typeface="나눔스퀘어 Light"/>
-            </a:endParaRPr>
           </a:p>
         </p:txBody>
       </p:sp>
@@ -9219,13 +8988,6 @@
               </a:rPr>
               <a:t>06</a:t>
             </a:r>
-            <a:endParaRPr lang="en-US" altLang="ko-KR" sz="6000">
-              <a:solidFill>
-                <a:schemeClr val="bg1"/>
-              </a:solidFill>
-              <a:latin typeface="나눔스퀘어 Light"/>
-              <a:ea typeface="나눔스퀘어 Light"/>
-            </a:endParaRPr>
           </a:p>
         </p:txBody>
       </p:sp>
@@ -9264,13 +9026,6 @@
               </a:rPr>
               <a:t>07</a:t>
             </a:r>
-            <a:endParaRPr lang="en-US" altLang="ko-KR" sz="6000">
-              <a:solidFill>
-                <a:schemeClr val="bg1"/>
-              </a:solidFill>
-              <a:latin typeface="나눔스퀘어 Light"/>
-              <a:ea typeface="나눔스퀘어 Light"/>
-            </a:endParaRPr>
           </a:p>
         </p:txBody>
       </p:sp>
@@ -9309,13 +9064,6 @@
               </a:rPr>
               <a:t>08</a:t>
             </a:r>
-            <a:endParaRPr lang="en-US" altLang="ko-KR" sz="6000">
-              <a:solidFill>
-                <a:schemeClr val="bg1"/>
-              </a:solidFill>
-              <a:latin typeface="나눔스퀘어 Light"/>
-              <a:ea typeface="나눔스퀘어 Light"/>
-            </a:endParaRPr>
           </a:p>
         </p:txBody>
       </p:sp>
@@ -9464,11 +9212,11 @@
   <p:clrMapOvr>
     <a:masterClrMapping/>
   </p:clrMapOvr>
-  <mc:AlternateContent xmlns:mc="http://schemas.openxmlformats.org/markup-compatibility/2006">
-    <mc:Choice xmlns:p14="http://schemas.microsoft.com/office/powerpoint/2010/main" Requires="p14">
-      <p:transition xmlns:mc="http://schemas.openxmlformats.org/markup-compatibility/2006" xmlns:p14="http://schemas.microsoft.com/office/powerpoint/2010/main" mc:Ignorable="p14" p14:dur="500"/>
+  <mc:AlternateContent xmlns:mc="http://schemas.openxmlformats.org/markup-compatibility/2006" xmlns:p14="http://schemas.microsoft.com/office/powerpoint/2010/main">
+    <mc:Choice Requires="p14">
+      <p:transition/>
     </mc:Choice>
-    <mc:Fallback>
+    <mc:Fallback xmlns:dsp="http://schemas.microsoft.com/office/drawing/2008/diagram" xmlns:dgm="http://schemas.openxmlformats.org/drawingml/2006/diagram" xmlns:c="http://schemas.openxmlformats.org/drawingml/2006/chart" xmlns="">
       <p:transition/>
     </mc:Fallback>
   </mc:AlternateContent>
@@ -9476,7 +9224,7 @@
 </file>
 
 <file path=ppt/slides/slide3.xml><?xml version="1.0" encoding="utf-8"?>
-<p:sld xmlns:r="http://schemas.openxmlformats.org/officeDocument/2006/relationships" xmlns:c="http://schemas.openxmlformats.org/drawingml/2006/chart" xmlns:a="http://schemas.openxmlformats.org/drawingml/2006/main" xmlns:dgm="http://schemas.openxmlformats.org/drawingml/2006/diagram" xmlns:dsp="http://schemas.microsoft.com/office/drawing/2008/diagram" xmlns:p="http://schemas.openxmlformats.org/presentationml/2006/main">
+<p:sld xmlns:a="http://schemas.openxmlformats.org/drawingml/2006/main" xmlns:r="http://schemas.openxmlformats.org/officeDocument/2006/relationships" xmlns:p="http://schemas.openxmlformats.org/presentationml/2006/main">
   <p:cSld>
     <p:spTree>
       <p:nvGrpSpPr>
@@ -9572,13 +9320,6 @@
               </a:rPr>
               <a:t>연구목적</a:t>
             </a:r>
-            <a:endParaRPr lang="ko-KR" altLang="en-US" sz="2800">
-              <a:solidFill>
-                <a:schemeClr val="bg1"/>
-              </a:solidFill>
-              <a:latin typeface="나눔스퀘어 Light"/>
-              <a:ea typeface="나눔스퀘어 Light"/>
-            </a:endParaRPr>
           </a:p>
         </p:txBody>
       </p:sp>
@@ -9856,13 +9597,6 @@
               </a:rPr>
               <a:t>을 사용하여 게임 제작 능력 향상</a:t>
             </a:r>
-            <a:endParaRPr lang="ko-KR" altLang="en-US" sz="3000">
-              <a:solidFill>
-                <a:schemeClr val="lt1"/>
-              </a:solidFill>
-              <a:latin typeface="HY태백B"/>
-              <a:ea typeface="HY태백B"/>
-            </a:endParaRPr>
           </a:p>
           <a:p>
             <a:pPr lvl="0">
@@ -9920,13 +9654,6 @@
               </a:rPr>
               <a:t>를 활용한 자체 서버 구현</a:t>
             </a:r>
-            <a:endParaRPr lang="ko-KR" altLang="en-US" sz="3000">
-              <a:solidFill>
-                <a:schemeClr val="lt1"/>
-              </a:solidFill>
-              <a:latin typeface="HY태백B"/>
-              <a:ea typeface="HY태백B"/>
-            </a:endParaRPr>
           </a:p>
         </p:txBody>
       </p:sp>
@@ -9935,11 +9662,11 @@
   <p:clrMapOvr>
     <a:masterClrMapping/>
   </p:clrMapOvr>
-  <mc:AlternateContent xmlns:mc="http://schemas.openxmlformats.org/markup-compatibility/2006">
-    <mc:Choice xmlns:p14="http://schemas.microsoft.com/office/powerpoint/2010/main" Requires="p14">
-      <p:transition xmlns:mc="http://schemas.openxmlformats.org/markup-compatibility/2006" xmlns:p14="http://schemas.microsoft.com/office/powerpoint/2010/main" mc:Ignorable="p14" p14:dur="500"/>
+  <mc:AlternateContent xmlns:mc="http://schemas.openxmlformats.org/markup-compatibility/2006" xmlns:p14="http://schemas.microsoft.com/office/powerpoint/2010/main">
+    <mc:Choice Requires="p14">
+      <p:transition/>
     </mc:Choice>
-    <mc:Fallback>
+    <mc:Fallback xmlns:dsp="http://schemas.microsoft.com/office/drawing/2008/diagram" xmlns:dgm="http://schemas.openxmlformats.org/drawingml/2006/diagram" xmlns:c="http://schemas.openxmlformats.org/drawingml/2006/chart" xmlns="">
       <p:transition/>
     </mc:Fallback>
   </mc:AlternateContent>
@@ -9947,7 +9674,7 @@
 </file>
 
 <file path=ppt/slides/slide4.xml><?xml version="1.0" encoding="utf-8"?>
-<p:sld xmlns:r="http://schemas.openxmlformats.org/officeDocument/2006/relationships" xmlns:c="http://schemas.openxmlformats.org/drawingml/2006/chart" xmlns:a="http://schemas.openxmlformats.org/drawingml/2006/main" xmlns:dgm="http://schemas.openxmlformats.org/drawingml/2006/diagram" xmlns:dsp="http://schemas.microsoft.com/office/drawing/2008/diagram" xmlns:p="http://schemas.openxmlformats.org/presentationml/2006/main">
+<p:sld xmlns:a="http://schemas.openxmlformats.org/drawingml/2006/main" xmlns:r="http://schemas.openxmlformats.org/officeDocument/2006/relationships" xmlns:p="http://schemas.openxmlformats.org/presentationml/2006/main">
   <p:cSld>
     <p:spTree>
       <p:nvGrpSpPr>
@@ -10043,13 +9770,6 @@
               </a:rPr>
               <a:t>개발환경</a:t>
             </a:r>
-            <a:endParaRPr lang="ko-KR" altLang="en-US" sz="2800">
-              <a:solidFill>
-                <a:schemeClr val="bg1"/>
-              </a:solidFill>
-              <a:latin typeface="나눔스퀘어 Light"/>
-              <a:ea typeface="나눔스퀘어 Light"/>
-            </a:endParaRPr>
           </a:p>
         </p:txBody>
       </p:sp>
@@ -10264,7 +9984,7 @@
       </p:cxnSp>
       <p:pic>
         <p:nvPicPr>
-          <p:cNvPr id="27" name=""/>
+          <p:cNvPr id="27" name="그림 26"/>
           <p:cNvPicPr/>
           <p:nvPr/>
         </p:nvPicPr>
@@ -10286,7 +10006,7 @@
       </p:pic>
       <p:pic>
         <p:nvPicPr>
-          <p:cNvPr id="28" name=""/>
+          <p:cNvPr id="28" name="그림 27"/>
           <p:cNvPicPr>
             <a:picLocks noChangeAspect="1"/>
           </p:cNvPicPr>
@@ -10310,7 +10030,7 @@
       </p:pic>
       <p:pic>
         <p:nvPicPr>
-          <p:cNvPr id="29" name=""/>
+          <p:cNvPr id="29" name="그림 28"/>
           <p:cNvPicPr/>
           <p:nvPr/>
         </p:nvPicPr>
@@ -10332,7 +10052,7 @@
       </p:pic>
       <p:pic>
         <p:nvPicPr>
-          <p:cNvPr id="30" name=""/>
+          <p:cNvPr id="30" name="그림 29"/>
           <p:cNvPicPr>
             <a:picLocks noChangeAspect="1"/>
           </p:cNvPicPr>
@@ -10359,11 +10079,11 @@
   <p:clrMapOvr>
     <a:masterClrMapping/>
   </p:clrMapOvr>
-  <mc:AlternateContent xmlns:mc="http://schemas.openxmlformats.org/markup-compatibility/2006">
-    <mc:Choice xmlns:p14="http://schemas.microsoft.com/office/powerpoint/2010/main" Requires="p14">
-      <p:transition xmlns:mc="http://schemas.openxmlformats.org/markup-compatibility/2006" xmlns:p14="http://schemas.microsoft.com/office/powerpoint/2010/main" mc:Ignorable="p14" p14:dur="500"/>
+  <mc:AlternateContent xmlns:mc="http://schemas.openxmlformats.org/markup-compatibility/2006" xmlns:p14="http://schemas.microsoft.com/office/powerpoint/2010/main">
+    <mc:Choice Requires="p14">
+      <p:transition/>
     </mc:Choice>
-    <mc:Fallback>
+    <mc:Fallback xmlns:dsp="http://schemas.microsoft.com/office/drawing/2008/diagram" xmlns:dgm="http://schemas.openxmlformats.org/drawingml/2006/diagram" xmlns:c="http://schemas.openxmlformats.org/drawingml/2006/chart" xmlns="">
       <p:transition/>
     </mc:Fallback>
   </mc:AlternateContent>
@@ -10371,7 +10091,7 @@
 </file>
 
 <file path=ppt/slides/slide5.xml><?xml version="1.0" encoding="utf-8"?>
-<p:sld xmlns:r="http://schemas.openxmlformats.org/officeDocument/2006/relationships" xmlns:c="http://schemas.openxmlformats.org/drawingml/2006/chart" xmlns:a="http://schemas.openxmlformats.org/drawingml/2006/main" xmlns:dgm="http://schemas.openxmlformats.org/drawingml/2006/diagram" xmlns:dsp="http://schemas.microsoft.com/office/drawing/2008/diagram" xmlns:p="http://schemas.openxmlformats.org/presentationml/2006/main">
+<p:sld xmlns:a="http://schemas.openxmlformats.org/drawingml/2006/main" xmlns:r="http://schemas.openxmlformats.org/officeDocument/2006/relationships" xmlns:p="http://schemas.openxmlformats.org/presentationml/2006/main">
   <p:cSld>
     <p:spTree>
       <p:nvGrpSpPr>
@@ -10467,13 +10187,6 @@
               </a:rPr>
               <a:t>게임소개</a:t>
             </a:r>
-            <a:endParaRPr lang="ko-KR" altLang="en-US" sz="2800">
-              <a:solidFill>
-                <a:schemeClr val="bg1"/>
-              </a:solidFill>
-              <a:latin typeface="나눔스퀘어 Light"/>
-              <a:ea typeface="나눔스퀘어 Light"/>
-            </a:endParaRPr>
           </a:p>
         </p:txBody>
       </p:sp>
@@ -10781,13 +10494,6 @@
               </a:rPr>
               <a:t>!</a:t>
             </a:r>
-            <a:endParaRPr lang="en-US" altLang="ko-KR" sz="4000">
-              <a:solidFill>
-                <a:schemeClr val="lt1"/>
-              </a:solidFill>
-              <a:latin typeface="HY태백B"/>
-              <a:ea typeface="HY태백B"/>
-            </a:endParaRPr>
           </a:p>
         </p:txBody>
       </p:sp>
@@ -10826,13 +10532,6 @@
               </a:rPr>
               <a:t>탈출을 위해서 서로 가지고 있는</a:t>
             </a:r>
-            <a:endParaRPr lang="ko-KR" altLang="en-US" sz="3000">
-              <a:solidFill>
-                <a:schemeClr val="lt1"/>
-              </a:solidFill>
-              <a:latin typeface="HY태백B"/>
-              <a:ea typeface="HY태백B"/>
-            </a:endParaRPr>
           </a:p>
           <a:p>
             <a:pPr lvl="0" algn="ctr">
@@ -10848,26 +10547,19 @@
               </a:rPr>
               <a:t>젬스톤을 빼앗고 빼앗기는 대전투</a:t>
             </a:r>
-            <a:endParaRPr lang="ko-KR" altLang="en-US" sz="3000">
-              <a:solidFill>
-                <a:schemeClr val="lt1"/>
-              </a:solidFill>
-              <a:latin typeface="HY태백B"/>
-              <a:ea typeface="HY태백B"/>
-            </a:endParaRPr>
           </a:p>
         </p:txBody>
       </p:sp>
       <p:pic>
         <p:nvPicPr>
-          <p:cNvPr id="30" name=""/>
+          <p:cNvPr id="30" name="그림 29"/>
           <p:cNvPicPr>
             <a:picLocks noChangeAspect="1"/>
           </p:cNvPicPr>
           <p:nvPr/>
         </p:nvPicPr>
         <p:blipFill rotWithShape="1">
-          <a:blip r:embed="rId3"/>
+          <a:blip r:embed="rId2"/>
           <a:stretch>
             <a:fillRect/>
           </a:stretch>
@@ -10887,11 +10579,11 @@
   <p:clrMapOvr>
     <a:masterClrMapping/>
   </p:clrMapOvr>
-  <mc:AlternateContent xmlns:mc="http://schemas.openxmlformats.org/markup-compatibility/2006">
-    <mc:Choice xmlns:p14="http://schemas.microsoft.com/office/powerpoint/2010/main" Requires="p14">
-      <p:transition xmlns:mc="http://schemas.openxmlformats.org/markup-compatibility/2006" xmlns:p14="http://schemas.microsoft.com/office/powerpoint/2010/main" mc:Ignorable="p14" p14:dur="500"/>
+  <mc:AlternateContent xmlns:mc="http://schemas.openxmlformats.org/markup-compatibility/2006" xmlns:p14="http://schemas.microsoft.com/office/powerpoint/2010/main">
+    <mc:Choice Requires="p14">
+      <p:transition/>
     </mc:Choice>
-    <mc:Fallback>
+    <mc:Fallback xmlns:dsp="http://schemas.microsoft.com/office/drawing/2008/diagram" xmlns:dgm="http://schemas.openxmlformats.org/drawingml/2006/diagram" xmlns:c="http://schemas.openxmlformats.org/drawingml/2006/chart" xmlns="">
       <p:transition/>
     </mc:Fallback>
   </mc:AlternateContent>
@@ -10899,7 +10591,7 @@
 </file>
 
 <file path=ppt/slides/slide6.xml><?xml version="1.0" encoding="utf-8"?>
-<p:sld xmlns:r="http://schemas.openxmlformats.org/officeDocument/2006/relationships" xmlns:c="http://schemas.openxmlformats.org/drawingml/2006/chart" xmlns:a="http://schemas.openxmlformats.org/drawingml/2006/main" xmlns:dgm="http://schemas.openxmlformats.org/drawingml/2006/diagram" xmlns:dsp="http://schemas.microsoft.com/office/drawing/2008/diagram" xmlns:p="http://schemas.openxmlformats.org/presentationml/2006/main">
+<p:sld xmlns:a="http://schemas.openxmlformats.org/drawingml/2006/main" xmlns:r="http://schemas.openxmlformats.org/officeDocument/2006/relationships" xmlns:p="http://schemas.openxmlformats.org/presentationml/2006/main">
   <p:cSld>
     <p:spTree>
       <p:nvGrpSpPr>
@@ -10950,13 +10642,6 @@
               </a:rPr>
               <a:t>03</a:t>
             </a:r>
-            <a:endParaRPr lang="en-US" altLang="ko-KR" sz="6000">
-              <a:solidFill>
-                <a:schemeClr val="bg1"/>
-              </a:solidFill>
-              <a:latin typeface="나눔스퀘어 Light"/>
-              <a:ea typeface="나눔스퀘어 Light"/>
-            </a:endParaRPr>
           </a:p>
         </p:txBody>
       </p:sp>
@@ -10995,13 +10680,6 @@
               </a:rPr>
               <a:t>게임소개</a:t>
             </a:r>
-            <a:endParaRPr lang="ko-KR" altLang="en-US" sz="2800">
-              <a:solidFill>
-                <a:schemeClr val="bg1"/>
-              </a:solidFill>
-              <a:latin typeface="나눔스퀘어 Light"/>
-              <a:ea typeface="나눔스퀘어 Light"/>
-            </a:endParaRPr>
           </a:p>
         </p:txBody>
       </p:sp>
@@ -11293,13 +10971,6 @@
               </a:rPr>
               <a:t>각기 다른 기술을 가진</a:t>
             </a:r>
-            <a:endParaRPr lang="ko-KR" altLang="en-US" sz="2000">
-              <a:solidFill>
-                <a:schemeClr val="lt1"/>
-              </a:solidFill>
-              <a:latin typeface="HY태백B"/>
-              <a:ea typeface="HY태백B"/>
-            </a:endParaRPr>
           </a:p>
           <a:p>
             <a:pPr lvl="0" algn="ctr">
@@ -11325,13 +10996,6 @@
               </a:rPr>
               <a:t>가지 캐릭터와 무기들 중 선택</a:t>
             </a:r>
-            <a:endParaRPr lang="ko-KR" altLang="en-US" sz="2000">
-              <a:solidFill>
-                <a:schemeClr val="lt1"/>
-              </a:solidFill>
-              <a:latin typeface="HY태백B"/>
-              <a:ea typeface="HY태백B"/>
-            </a:endParaRPr>
           </a:p>
         </p:txBody>
       </p:sp>
@@ -11377,13 +11041,6 @@
               </a:rPr>
               <a:t>서로를 처치하여 가지고 있는 젬스톤을 빼앗거나 빼앗긴다</a:t>
             </a:r>
-            <a:endParaRPr lang="ko-KR" altLang="en-US" sz="2000">
-              <a:solidFill>
-                <a:schemeClr val="lt1"/>
-              </a:solidFill>
-              <a:latin typeface="HY태백B"/>
-              <a:ea typeface="HY태백B"/>
-            </a:endParaRPr>
           </a:p>
         </p:txBody>
       </p:sp>
@@ -11501,13 +11158,6 @@
               </a:rPr>
               <a:t>적에게 죽을시 리스폰 지역에서 부활하고 젬스톤이 사라짐</a:t>
             </a:r>
-            <a:endParaRPr lang="ko-KR" altLang="en-US" sz="2000">
-              <a:solidFill>
-                <a:schemeClr val="lt1"/>
-              </a:solidFill>
-              <a:latin typeface="HY태백B"/>
-              <a:ea typeface="HY태백B"/>
-            </a:endParaRPr>
           </a:p>
           <a:p>
             <a:pPr lvl="0" algn="ctr">
@@ -11523,13 +11173,6 @@
               </a:rPr>
               <a:t>무기 교체 가능</a:t>
             </a:r>
-            <a:endParaRPr lang="ko-KR" altLang="en-US" sz="2000">
-              <a:solidFill>
-                <a:schemeClr val="lt1"/>
-              </a:solidFill>
-              <a:latin typeface="HY태백B"/>
-              <a:ea typeface="HY태백B"/>
-            </a:endParaRPr>
           </a:p>
         </p:txBody>
       </p:sp>
@@ -11631,13 +11274,6 @@
               </a:rPr>
               <a:t>개를 모아서 </a:t>
             </a:r>
-            <a:endParaRPr lang="ko-KR" altLang="en-US" sz="2000">
-              <a:solidFill>
-                <a:schemeClr val="lt1"/>
-              </a:solidFill>
-              <a:latin typeface="HY태백B"/>
-              <a:ea typeface="HY태백B"/>
-            </a:endParaRPr>
           </a:p>
           <a:p>
             <a:pPr lvl="0" algn="ctr">
@@ -11653,13 +11289,6 @@
               </a:rPr>
               <a:t>맵의 중앙지역 오브젝트와 상호작용</a:t>
             </a:r>
-            <a:endParaRPr lang="ko-KR" altLang="en-US" sz="2000">
-              <a:solidFill>
-                <a:schemeClr val="lt1"/>
-              </a:solidFill>
-              <a:latin typeface="HY태백B"/>
-              <a:ea typeface="HY태백B"/>
-            </a:endParaRPr>
           </a:p>
         </p:txBody>
       </p:sp>
@@ -11771,13 +11400,6 @@
               </a:rPr>
               <a:t>)</a:t>
             </a:r>
-            <a:endParaRPr lang="en-US" altLang="ko-KR" sz="2000">
-              <a:solidFill>
-                <a:schemeClr val="lt1"/>
-              </a:solidFill>
-              <a:latin typeface="HY태백B"/>
-              <a:ea typeface="HY태백B"/>
-            </a:endParaRPr>
           </a:p>
         </p:txBody>
       </p:sp>
@@ -11786,11 +11408,11 @@
   <p:clrMapOvr>
     <a:masterClrMapping/>
   </p:clrMapOvr>
-  <mc:AlternateContent xmlns:mc="http://schemas.openxmlformats.org/markup-compatibility/2006">
-    <mc:Choice xmlns:p14="http://schemas.microsoft.com/office/powerpoint/2010/main" Requires="p14">
-      <p:transition xmlns:mc="http://schemas.openxmlformats.org/markup-compatibility/2006" xmlns:p14="http://schemas.microsoft.com/office/powerpoint/2010/main" mc:Ignorable="p14" p14:dur="500"/>
+  <mc:AlternateContent xmlns:mc="http://schemas.openxmlformats.org/markup-compatibility/2006" xmlns:p14="http://schemas.microsoft.com/office/powerpoint/2010/main">
+    <mc:Choice Requires="p14">
+      <p:transition/>
     </mc:Choice>
-    <mc:Fallback>
+    <mc:Fallback xmlns:dsp="http://schemas.microsoft.com/office/drawing/2008/diagram" xmlns:dgm="http://schemas.openxmlformats.org/drawingml/2006/diagram" xmlns:c="http://schemas.openxmlformats.org/drawingml/2006/chart" xmlns="">
       <p:transition/>
     </mc:Fallback>
   </mc:AlternateContent>
@@ -11798,7 +11420,7 @@
 </file>
 
 <file path=ppt/slides/slide7.xml><?xml version="1.0" encoding="utf-8"?>
-<p:sld xmlns:r="http://schemas.openxmlformats.org/officeDocument/2006/relationships" xmlns:c="http://schemas.openxmlformats.org/drawingml/2006/chart" xmlns:a="http://schemas.openxmlformats.org/drawingml/2006/main" xmlns:dgm="http://schemas.openxmlformats.org/drawingml/2006/diagram" xmlns:dsp="http://schemas.microsoft.com/office/drawing/2008/diagram" xmlns:p="http://schemas.openxmlformats.org/presentationml/2006/main">
+<p:sld xmlns:a="http://schemas.openxmlformats.org/drawingml/2006/main" xmlns:r="http://schemas.openxmlformats.org/officeDocument/2006/relationships" xmlns:p="http://schemas.openxmlformats.org/presentationml/2006/main">
   <p:cSld>
     <p:spTree>
       <p:nvGrpSpPr>
@@ -11849,13 +11471,6 @@
               </a:rPr>
               <a:t>03</a:t>
             </a:r>
-            <a:endParaRPr lang="en-US" altLang="ko-KR" sz="6000">
-              <a:solidFill>
-                <a:schemeClr val="bg1"/>
-              </a:solidFill>
-              <a:latin typeface="나눔스퀘어 Light"/>
-              <a:ea typeface="나눔스퀘어 Light"/>
-            </a:endParaRPr>
           </a:p>
         </p:txBody>
       </p:sp>
@@ -11894,13 +11509,6 @@
               </a:rPr>
               <a:t>게임소개</a:t>
             </a:r>
-            <a:endParaRPr lang="ko-KR" altLang="en-US" sz="2800">
-              <a:solidFill>
-                <a:schemeClr val="bg1"/>
-              </a:solidFill>
-              <a:latin typeface="나눔스퀘어 Light"/>
-              <a:ea typeface="나눔스퀘어 Light"/>
-            </a:endParaRPr>
           </a:p>
           <a:p>
             <a:pPr algn="ctr">
@@ -11916,13 +11524,6 @@
               </a:rPr>
               <a:t>캐릭터</a:t>
             </a:r>
-            <a:endParaRPr lang="ko-KR" altLang="en-US" sz="2000">
-              <a:solidFill>
-                <a:schemeClr val="bg1"/>
-              </a:solidFill>
-              <a:latin typeface="나눔스퀘어 Light"/>
-              <a:ea typeface="나눔스퀘어 Light"/>
-            </a:endParaRPr>
           </a:p>
         </p:txBody>
       </p:sp>
@@ -12137,7 +11738,7 @@
       </p:cxnSp>
       <p:graphicFrame>
         <p:nvGraphicFramePr>
-          <p:cNvPr id="35" name=""/>
+          <p:cNvPr id="35" name="표 34"/>
           <p:cNvGraphicFramePr>
             <a:graphicFrameLocks noGrp="1"/>
           </p:cNvGraphicFramePr>
@@ -12154,15 +11755,26 @@
                 <a:tableStyleId>{01A66EDD-3DAB-4C5B-A090-DC80EC1FD486}</a:tableStyleId>
               </a:tblPr>
               <a:tblGrid>
-                <a:gridCol w="2170545"/>
-                <a:gridCol w="2170545"/>
+                <a:gridCol w="2170545">
+                  <a:extLst>
+                    <a:ext uri="{9D8B030D-6E8A-4147-A177-3AD203B41FA5}">
+                      <a16:colId xmlns:a16="http://schemas.microsoft.com/office/drawing/2014/main" val="20000"/>
+                    </a:ext>
+                  </a:extLst>
+                </a:gridCol>
+                <a:gridCol w="2170545">
+                  <a:extLst>
+                    <a:ext uri="{9D8B030D-6E8A-4147-A177-3AD203B41FA5}">
+                      <a16:colId xmlns:a16="http://schemas.microsoft.com/office/drawing/2014/main" val="20001"/>
+                    </a:ext>
+                  </a:extLst>
+                </a:gridCol>
               </a:tblGrid>
               <a:tr h="367665">
                 <a:tc>
                   <a:txBody>
-                    <a:bodyPr vert="horz" wrap="square" lIns="91440" tIns="45720" rIns="91440" bIns="45720" anchor="t" anchorCtr="0">
-                      <a:spAutoFit/>
-                    </a:bodyPr>
+                    <a:bodyPr/>
+                    <a:lstStyle/>
                     <a:p>
                       <a:pPr algn="ctr">
                         <a:defRPr/>
@@ -12191,14 +11803,9 @@
                         </a:rPr>
                         <a:t>전력질주</a:t>
                       </a:r>
-                      <a:endParaRPr lang="ko-KR" altLang="en-US">
-                        <a:solidFill>
-                          <a:schemeClr val="tx1"/>
-                        </a:solidFill>
-                      </a:endParaRPr>
                     </a:p>
                   </a:txBody>
-                  <a:tcPr marL="91440" marR="91440">
+                  <a:tcPr>
                     <a:lnL w="12700" cap="flat" cmpd="sng" algn="ctr">
                       <a:solidFill>
                         <a:schemeClr val="tx1"/>
@@ -12242,9 +11849,8 @@
                 </a:tc>
                 <a:tc>
                   <a:txBody>
-                    <a:bodyPr vert="horz" wrap="square" lIns="91440" tIns="45720" rIns="91440" bIns="45720" anchor="t" anchorCtr="0">
-                      <a:spAutoFit/>
-                    </a:bodyPr>
+                    <a:bodyPr/>
+                    <a:lstStyle/>
                     <a:p>
                       <a:pPr algn="ctr">
                         <a:defRPr/>
@@ -12261,14 +11867,9 @@
                         </a:rPr>
                         <a:t>4m/s , 6m/s</a:t>
                       </a:r>
-                      <a:endParaRPr lang="en-US" altLang="ko-KR">
-                        <a:solidFill>
-                          <a:schemeClr val="tx1"/>
-                        </a:solidFill>
-                      </a:endParaRPr>
                     </a:p>
                   </a:txBody>
-                  <a:tcPr marL="91440" marR="91440">
+                  <a:tcPr>
                     <a:lnL w="12700" cap="flat" cmpd="sng" algn="ctr">
                       <a:solidFill>
                         <a:schemeClr val="tx1"/>
@@ -12310,13 +11911,17 @@
                     </a:solidFill>
                   </a:tcPr>
                 </a:tc>
+                <a:extLst>
+                  <a:ext uri="{0D108BD9-81ED-4DB2-BD59-A6C34878D82A}">
+                    <a16:rowId xmlns:a16="http://schemas.microsoft.com/office/drawing/2014/main" val="10000"/>
+                  </a:ext>
+                </a:extLst>
               </a:tr>
               <a:tr h="370840">
                 <a:tc>
                   <a:txBody>
-                    <a:bodyPr vert="horz" wrap="square" lIns="91440" tIns="45720" rIns="91440" bIns="45720" anchor="t" anchorCtr="0">
-                      <a:spAutoFit/>
-                    </a:bodyPr>
+                    <a:bodyPr/>
+                    <a:lstStyle/>
                     <a:p>
                       <a:pPr algn="ctr">
                         <a:defRPr/>
@@ -12325,10 +11930,9 @@
                         <a:rPr lang="ko-KR" altLang="en-US"/>
                         <a:t>키</a:t>
                       </a:r>
-                      <a:endParaRPr lang="ko-KR" altLang="en-US"/>
                     </a:p>
                   </a:txBody>
-                  <a:tcPr marL="91440" marR="91440">
+                  <a:tcPr>
                     <a:lnL w="12700" cap="flat" cmpd="sng" algn="ctr">
                       <a:solidFill>
                         <a:schemeClr val="tx1"/>
@@ -12372,9 +11976,8 @@
                 </a:tc>
                 <a:tc>
                   <a:txBody>
-                    <a:bodyPr vert="horz" wrap="square" lIns="91440" tIns="45720" rIns="91440" bIns="45720" anchor="t" anchorCtr="0">
-                      <a:spAutoFit/>
-                    </a:bodyPr>
+                    <a:bodyPr/>
+                    <a:lstStyle/>
                     <a:p>
                       <a:pPr algn="ctr">
                         <a:defRPr/>
@@ -12383,10 +11986,9 @@
                         <a:rPr lang="en-US" altLang="ko-KR"/>
                         <a:t>150cm</a:t>
                       </a:r>
-                      <a:endParaRPr lang="en-US" altLang="ko-KR"/>
                     </a:p>
                   </a:txBody>
-                  <a:tcPr marL="91440" marR="91440">
+                  <a:tcPr>
                     <a:lnL w="12700" cap="flat" cmpd="sng" algn="ctr">
                       <a:solidFill>
                         <a:schemeClr val="tx1"/>
@@ -12428,13 +12030,17 @@
                     </a:solidFill>
                   </a:tcPr>
                 </a:tc>
+                <a:extLst>
+                  <a:ext uri="{0D108BD9-81ED-4DB2-BD59-A6C34878D82A}">
+                    <a16:rowId xmlns:a16="http://schemas.microsoft.com/office/drawing/2014/main" val="10001"/>
+                  </a:ext>
+                </a:extLst>
               </a:tr>
               <a:tr h="370840">
                 <a:tc>
                   <a:txBody>
-                    <a:bodyPr vert="horz" wrap="square" lIns="91440" tIns="45720" rIns="91440" bIns="45720" anchor="t" anchorCtr="0">
-                      <a:spAutoFit/>
-                    </a:bodyPr>
+                    <a:bodyPr/>
+                    <a:lstStyle/>
                     <a:p>
                       <a:pPr algn="ctr">
                         <a:defRPr/>
@@ -12443,10 +12049,9 @@
                         <a:rPr lang="ko-KR" altLang="en-US"/>
                         <a:t>스킬</a:t>
                       </a:r>
-                      <a:endParaRPr lang="ko-KR" altLang="en-US"/>
                     </a:p>
                   </a:txBody>
-                  <a:tcPr marL="91440" marR="91440">
+                  <a:tcPr>
                     <a:lnL w="12700" cap="flat" cmpd="sng" algn="ctr">
                       <a:solidFill>
                         <a:schemeClr val="tx1"/>
@@ -12490,9 +12095,8 @@
                 </a:tc>
                 <a:tc>
                   <a:txBody>
-                    <a:bodyPr vert="horz" wrap="square" lIns="91440" tIns="45720" rIns="91440" bIns="45720" anchor="t" anchorCtr="0">
-                      <a:spAutoFit/>
-                    </a:bodyPr>
+                    <a:bodyPr/>
+                    <a:lstStyle/>
                     <a:p>
                       <a:pPr algn="ctr">
                         <a:defRPr/>
@@ -12501,10 +12105,9 @@
                         <a:rPr lang="ko-KR" altLang="en-US"/>
                         <a:t>시간 되돌리기</a:t>
                       </a:r>
-                      <a:endParaRPr lang="ko-KR" altLang="en-US"/>
                     </a:p>
                   </a:txBody>
-                  <a:tcPr marL="91440" marR="91440">
+                  <a:tcPr>
                     <a:lnL w="12700" cap="flat" cmpd="sng" algn="ctr">
                       <a:solidFill>
                         <a:schemeClr val="tx1"/>
@@ -12546,6 +12149,11 @@
                     </a:solidFill>
                   </a:tcPr>
                 </a:tc>
+                <a:extLst>
+                  <a:ext uri="{0D108BD9-81ED-4DB2-BD59-A6C34878D82A}">
+                    <a16:rowId xmlns:a16="http://schemas.microsoft.com/office/drawing/2014/main" val="10002"/>
+                  </a:ext>
+                </a:extLst>
               </a:tr>
             </a:tbl>
           </a:graphicData>
@@ -12553,7 +12161,7 @@
       </p:graphicFrame>
       <p:pic>
         <p:nvPicPr>
-          <p:cNvPr id="36" name=""/>
+          <p:cNvPr id="36" name="그림 35"/>
           <p:cNvPicPr/>
           <p:nvPr/>
         </p:nvPicPr>
@@ -12575,7 +12183,7 @@
       </p:pic>
       <p:pic>
         <p:nvPicPr>
-          <p:cNvPr id="37" name=""/>
+          <p:cNvPr id="37" name="그림 36"/>
           <p:cNvPicPr/>
           <p:nvPr/>
         </p:nvPicPr>
@@ -12588,7 +12196,7 @@
         <p:spPr>
           <a:xfrm>
             <a:off x="2315577" y="3843361"/>
-            <a:ext cx="1800224" cy="1800225"/>
+            <a:ext cx="1800224" cy="2091095"/>
           </a:xfrm>
           <a:prstGeom prst="rect">
             <a:avLst/>
@@ -12597,7 +12205,7 @@
       </p:pic>
       <p:graphicFrame>
         <p:nvGraphicFramePr>
-          <p:cNvPr id="38" name=""/>
+          <p:cNvPr id="38" name="표 37"/>
           <p:cNvGraphicFramePr>
             <a:graphicFrameLocks noGrp="1"/>
           </p:cNvGraphicFramePr>
@@ -12614,15 +12222,26 @@
                 <a:tableStyleId>{01A66EDD-3DAB-4C5B-A090-DC80EC1FD486}</a:tableStyleId>
               </a:tblPr>
               <a:tblGrid>
-                <a:gridCol w="2170545"/>
-                <a:gridCol w="2170545"/>
+                <a:gridCol w="2170545">
+                  <a:extLst>
+                    <a:ext uri="{9D8B030D-6E8A-4147-A177-3AD203B41FA5}">
+                      <a16:colId xmlns:a16="http://schemas.microsoft.com/office/drawing/2014/main" val="20000"/>
+                    </a:ext>
+                  </a:extLst>
+                </a:gridCol>
+                <a:gridCol w="2170545">
+                  <a:extLst>
+                    <a:ext uri="{9D8B030D-6E8A-4147-A177-3AD203B41FA5}">
+                      <a16:colId xmlns:a16="http://schemas.microsoft.com/office/drawing/2014/main" val="20001"/>
+                    </a:ext>
+                  </a:extLst>
+                </a:gridCol>
               </a:tblGrid>
               <a:tr h="367665">
                 <a:tc>
                   <a:txBody>
-                    <a:bodyPr vert="horz" wrap="square" lIns="91440" tIns="45720" rIns="91440" bIns="45720" anchor="t" anchorCtr="0">
-                      <a:spAutoFit/>
-                    </a:bodyPr>
+                    <a:bodyPr/>
+                    <a:lstStyle/>
                     <a:p>
                       <a:pPr algn="ctr">
                         <a:defRPr/>
@@ -12651,14 +12270,9 @@
                         </a:rPr>
                         <a:t>전력질주</a:t>
                       </a:r>
-                      <a:endParaRPr lang="ko-KR" altLang="en-US">
-                        <a:solidFill>
-                          <a:schemeClr val="tx1"/>
-                        </a:solidFill>
-                      </a:endParaRPr>
                     </a:p>
                   </a:txBody>
-                  <a:tcPr marL="91440" marR="91440">
+                  <a:tcPr>
                     <a:lnL w="12700" cap="flat" cmpd="sng" algn="ctr">
                       <a:solidFill>
                         <a:schemeClr val="tx1"/>
@@ -12702,9 +12316,8 @@
                 </a:tc>
                 <a:tc>
                   <a:txBody>
-                    <a:bodyPr vert="horz" wrap="square" lIns="91440" tIns="45720" rIns="91440" bIns="45720" anchor="t" anchorCtr="0">
-                      <a:spAutoFit/>
-                    </a:bodyPr>
+                    <a:bodyPr/>
+                    <a:lstStyle/>
                     <a:p>
                       <a:pPr algn="ctr">
                         <a:defRPr/>
@@ -12721,14 +12334,9 @@
                         </a:rPr>
                         <a:t>4m/s , 6m/s</a:t>
                       </a:r>
-                      <a:endParaRPr lang="en-US" altLang="ko-KR">
-                        <a:solidFill>
-                          <a:schemeClr val="tx1"/>
-                        </a:solidFill>
-                      </a:endParaRPr>
                     </a:p>
                   </a:txBody>
-                  <a:tcPr marL="91440" marR="91440">
+                  <a:tcPr>
                     <a:lnL w="12700" cap="flat" cmpd="sng" algn="ctr">
                       <a:solidFill>
                         <a:schemeClr val="tx1"/>
@@ -12770,13 +12378,17 @@
                     </a:solidFill>
                   </a:tcPr>
                 </a:tc>
+                <a:extLst>
+                  <a:ext uri="{0D108BD9-81ED-4DB2-BD59-A6C34878D82A}">
+                    <a16:rowId xmlns:a16="http://schemas.microsoft.com/office/drawing/2014/main" val="10000"/>
+                  </a:ext>
+                </a:extLst>
               </a:tr>
               <a:tr h="370840">
                 <a:tc>
                   <a:txBody>
-                    <a:bodyPr vert="horz" wrap="square" lIns="91440" tIns="45720" rIns="91440" bIns="45720" anchor="t" anchorCtr="0">
-                      <a:spAutoFit/>
-                    </a:bodyPr>
+                    <a:bodyPr/>
+                    <a:lstStyle/>
                     <a:p>
                       <a:pPr algn="ctr">
                         <a:defRPr/>
@@ -12785,10 +12397,9 @@
                         <a:rPr lang="ko-KR" altLang="en-US"/>
                         <a:t>키</a:t>
                       </a:r>
-                      <a:endParaRPr lang="ko-KR" altLang="en-US"/>
                     </a:p>
                   </a:txBody>
-                  <a:tcPr marL="91440" marR="91440">
+                  <a:tcPr>
                     <a:lnL w="12700" cap="flat" cmpd="sng" algn="ctr">
                       <a:solidFill>
                         <a:schemeClr val="tx1"/>
@@ -12832,9 +12443,8 @@
                 </a:tc>
                 <a:tc>
                   <a:txBody>
-                    <a:bodyPr vert="horz" wrap="square" lIns="91440" tIns="45720" rIns="91440" bIns="45720" anchor="t" anchorCtr="0">
-                      <a:spAutoFit/>
-                    </a:bodyPr>
+                    <a:bodyPr/>
+                    <a:lstStyle/>
                     <a:p>
                       <a:pPr algn="ctr">
                         <a:defRPr/>
@@ -12843,10 +12453,9 @@
                         <a:rPr lang="en-US" altLang="ko-KR"/>
                         <a:t>150cm</a:t>
                       </a:r>
-                      <a:endParaRPr lang="en-US" altLang="ko-KR"/>
                     </a:p>
                   </a:txBody>
-                  <a:tcPr marL="91440" marR="91440">
+                  <a:tcPr>
                     <a:lnL w="12700" cap="flat" cmpd="sng" algn="ctr">
                       <a:solidFill>
                         <a:schemeClr val="tx1"/>
@@ -12888,13 +12497,17 @@
                     </a:solidFill>
                   </a:tcPr>
                 </a:tc>
+                <a:extLst>
+                  <a:ext uri="{0D108BD9-81ED-4DB2-BD59-A6C34878D82A}">
+                    <a16:rowId xmlns:a16="http://schemas.microsoft.com/office/drawing/2014/main" val="10001"/>
+                  </a:ext>
+                </a:extLst>
               </a:tr>
               <a:tr h="370840">
                 <a:tc>
                   <a:txBody>
-                    <a:bodyPr vert="horz" wrap="square" lIns="91440" tIns="45720" rIns="91440" bIns="45720" anchor="t" anchorCtr="0">
-                      <a:spAutoFit/>
-                    </a:bodyPr>
+                    <a:bodyPr/>
+                    <a:lstStyle/>
                     <a:p>
                       <a:pPr algn="ctr">
                         <a:defRPr/>
@@ -12903,10 +12516,9 @@
                         <a:rPr lang="ko-KR" altLang="en-US"/>
                         <a:t>스킬</a:t>
                       </a:r>
-                      <a:endParaRPr lang="ko-KR" altLang="en-US"/>
                     </a:p>
                   </a:txBody>
-                  <a:tcPr marL="91440" marR="91440">
+                  <a:tcPr>
                     <a:lnL w="12700" cap="flat" cmpd="sng" algn="ctr">
                       <a:solidFill>
                         <a:schemeClr val="tx1"/>
@@ -12950,9 +12562,8 @@
                 </a:tc>
                 <a:tc>
                   <a:txBody>
-                    <a:bodyPr vert="horz" wrap="square" lIns="91440" tIns="45720" rIns="91440" bIns="45720" anchor="t" anchorCtr="0">
-                      <a:spAutoFit/>
-                    </a:bodyPr>
+                    <a:bodyPr/>
+                    <a:lstStyle/>
                     <a:p>
                       <a:pPr algn="ctr">
                         <a:defRPr/>
@@ -12961,10 +12572,9 @@
                         <a:rPr lang="ko-KR" altLang="en-US"/>
                         <a:t>고스트 기능</a:t>
                       </a:r>
-                      <a:endParaRPr lang="ko-KR" altLang="en-US"/>
                     </a:p>
                   </a:txBody>
-                  <a:tcPr marL="91440" marR="91440">
+                  <a:tcPr>
                     <a:lnL w="12700" cap="flat" cmpd="sng" algn="ctr">
                       <a:solidFill>
                         <a:schemeClr val="tx1"/>
@@ -13006,6 +12616,11 @@
                     </a:solidFill>
                   </a:tcPr>
                 </a:tc>
+                <a:extLst>
+                  <a:ext uri="{0D108BD9-81ED-4DB2-BD59-A6C34878D82A}">
+                    <a16:rowId xmlns:a16="http://schemas.microsoft.com/office/drawing/2014/main" val="10002"/>
+                  </a:ext>
+                </a:extLst>
               </a:tr>
             </a:tbl>
           </a:graphicData>
@@ -13016,11 +12631,11 @@
   <p:clrMapOvr>
     <a:masterClrMapping/>
   </p:clrMapOvr>
-  <mc:AlternateContent xmlns:mc="http://schemas.openxmlformats.org/markup-compatibility/2006">
-    <mc:Choice xmlns:p14="http://schemas.microsoft.com/office/powerpoint/2010/main" Requires="p14">
-      <p:transition xmlns:mc="http://schemas.openxmlformats.org/markup-compatibility/2006" xmlns:p14="http://schemas.microsoft.com/office/powerpoint/2010/main" mc:Ignorable="p14" p14:dur="500"/>
+  <mc:AlternateContent xmlns:mc="http://schemas.openxmlformats.org/markup-compatibility/2006" xmlns:p14="http://schemas.microsoft.com/office/powerpoint/2010/main">
+    <mc:Choice Requires="p14">
+      <p:transition/>
     </mc:Choice>
-    <mc:Fallback>
+    <mc:Fallback xmlns:dsp="http://schemas.microsoft.com/office/drawing/2008/diagram" xmlns:dgm="http://schemas.openxmlformats.org/drawingml/2006/diagram" xmlns:c="http://schemas.openxmlformats.org/drawingml/2006/chart" xmlns="">
       <p:transition/>
     </mc:Fallback>
   </mc:AlternateContent>
@@ -13028,7 +12643,7 @@
 </file>
 
 <file path=ppt/slides/slide8.xml><?xml version="1.0" encoding="utf-8"?>
-<p:sld xmlns:r="http://schemas.openxmlformats.org/officeDocument/2006/relationships" xmlns:c="http://schemas.openxmlformats.org/drawingml/2006/chart" xmlns:a="http://schemas.openxmlformats.org/drawingml/2006/main" xmlns:dgm="http://schemas.openxmlformats.org/drawingml/2006/diagram" xmlns:dsp="http://schemas.microsoft.com/office/drawing/2008/diagram" xmlns:p="http://schemas.openxmlformats.org/presentationml/2006/main">
+<p:sld xmlns:a="http://schemas.openxmlformats.org/drawingml/2006/main" xmlns:r="http://schemas.openxmlformats.org/officeDocument/2006/relationships" xmlns:p="http://schemas.openxmlformats.org/presentationml/2006/main">
   <p:cSld>
     <p:spTree>
       <p:nvGrpSpPr>
@@ -13079,13 +12694,6 @@
               </a:rPr>
               <a:t>03</a:t>
             </a:r>
-            <a:endParaRPr lang="en-US" altLang="ko-KR" sz="6000">
-              <a:solidFill>
-                <a:schemeClr val="bg1"/>
-              </a:solidFill>
-              <a:latin typeface="나눔스퀘어 Light"/>
-              <a:ea typeface="나눔스퀘어 Light"/>
-            </a:endParaRPr>
           </a:p>
         </p:txBody>
       </p:sp>
@@ -13124,13 +12732,6 @@
               </a:rPr>
               <a:t>게임소개</a:t>
             </a:r>
-            <a:endParaRPr lang="ko-KR" altLang="en-US" sz="2800">
-              <a:solidFill>
-                <a:schemeClr val="bg1"/>
-              </a:solidFill>
-              <a:latin typeface="나눔스퀘어 Light"/>
-              <a:ea typeface="나눔스퀘어 Light"/>
-            </a:endParaRPr>
           </a:p>
           <a:p>
             <a:pPr algn="ctr">
@@ -13146,13 +12747,6 @@
               </a:rPr>
               <a:t>캐릭터</a:t>
             </a:r>
-            <a:endParaRPr lang="ko-KR" altLang="en-US" sz="2000">
-              <a:solidFill>
-                <a:schemeClr val="bg1"/>
-              </a:solidFill>
-              <a:latin typeface="나눔스퀘어 Light"/>
-              <a:ea typeface="나눔스퀘어 Light"/>
-            </a:endParaRPr>
           </a:p>
         </p:txBody>
       </p:sp>
@@ -13367,7 +12961,7 @@
       </p:cxnSp>
       <p:pic>
         <p:nvPicPr>
-          <p:cNvPr id="32" name=""/>
+          <p:cNvPr id="32" name="그림 31"/>
           <p:cNvPicPr>
             <a:picLocks noChangeAspect="1"/>
           </p:cNvPicPr>
@@ -13391,7 +12985,7 @@
       </p:pic>
       <p:pic>
         <p:nvPicPr>
-          <p:cNvPr id="33" name=""/>
+          <p:cNvPr id="33" name="그림 32"/>
           <p:cNvPicPr/>
           <p:nvPr/>
         </p:nvPicPr>
@@ -13413,7 +13007,7 @@
       </p:pic>
       <p:graphicFrame>
         <p:nvGraphicFramePr>
-          <p:cNvPr id="35" name=""/>
+          <p:cNvPr id="35" name="표 34"/>
           <p:cNvGraphicFramePr>
             <a:graphicFrameLocks noGrp="1"/>
           </p:cNvGraphicFramePr>
@@ -13430,15 +13024,26 @@
                 <a:tableStyleId>{01A66EDD-3DAB-4C5B-A090-DC80EC1FD486}</a:tableStyleId>
               </a:tblPr>
               <a:tblGrid>
-                <a:gridCol w="2170545"/>
-                <a:gridCol w="2170545"/>
+                <a:gridCol w="2170545">
+                  <a:extLst>
+                    <a:ext uri="{9D8B030D-6E8A-4147-A177-3AD203B41FA5}">
+                      <a16:colId xmlns:a16="http://schemas.microsoft.com/office/drawing/2014/main" val="20000"/>
+                    </a:ext>
+                  </a:extLst>
+                </a:gridCol>
+                <a:gridCol w="2170545">
+                  <a:extLst>
+                    <a:ext uri="{9D8B030D-6E8A-4147-A177-3AD203B41FA5}">
+                      <a16:colId xmlns:a16="http://schemas.microsoft.com/office/drawing/2014/main" val="20001"/>
+                    </a:ext>
+                  </a:extLst>
+                </a:gridCol>
               </a:tblGrid>
               <a:tr h="367665">
                 <a:tc>
                   <a:txBody>
-                    <a:bodyPr vert="horz" wrap="square" lIns="91440" tIns="45720" rIns="91440" bIns="45720" anchor="t" anchorCtr="0">
-                      <a:spAutoFit/>
-                    </a:bodyPr>
+                    <a:bodyPr/>
+                    <a:lstStyle/>
                     <a:p>
                       <a:pPr algn="ctr">
                         <a:defRPr/>
@@ -13467,14 +13072,9 @@
                         </a:rPr>
                         <a:t>전력질주</a:t>
                       </a:r>
-                      <a:endParaRPr lang="ko-KR" altLang="en-US">
-                        <a:solidFill>
-                          <a:schemeClr val="tx1"/>
-                        </a:solidFill>
-                      </a:endParaRPr>
                     </a:p>
                   </a:txBody>
-                  <a:tcPr marL="91440" marR="91440">
+                  <a:tcPr>
                     <a:lnL w="12700" cap="flat" cmpd="sng" algn="ctr">
                       <a:solidFill>
                         <a:schemeClr val="tx1"/>
@@ -13518,9 +13118,8 @@
                 </a:tc>
                 <a:tc>
                   <a:txBody>
-                    <a:bodyPr vert="horz" wrap="square" lIns="91440" tIns="45720" rIns="91440" bIns="45720" anchor="t" anchorCtr="0">
-                      <a:spAutoFit/>
-                    </a:bodyPr>
+                    <a:bodyPr/>
+                    <a:lstStyle/>
                     <a:p>
                       <a:pPr algn="ctr">
                         <a:defRPr/>
@@ -13537,14 +13136,9 @@
                         </a:rPr>
                         <a:t>4m/s , 6m/s</a:t>
                       </a:r>
-                      <a:endParaRPr lang="en-US" altLang="ko-KR">
-                        <a:solidFill>
-                          <a:schemeClr val="tx1"/>
-                        </a:solidFill>
-                      </a:endParaRPr>
                     </a:p>
                   </a:txBody>
-                  <a:tcPr marL="91440" marR="91440">
+                  <a:tcPr>
                     <a:lnL w="12700" cap="flat" cmpd="sng" algn="ctr">
                       <a:solidFill>
                         <a:schemeClr val="tx1"/>
@@ -13586,13 +13180,17 @@
                     </a:solidFill>
                   </a:tcPr>
                 </a:tc>
+                <a:extLst>
+                  <a:ext uri="{0D108BD9-81ED-4DB2-BD59-A6C34878D82A}">
+                    <a16:rowId xmlns:a16="http://schemas.microsoft.com/office/drawing/2014/main" val="10000"/>
+                  </a:ext>
+                </a:extLst>
               </a:tr>
               <a:tr h="370840">
                 <a:tc>
                   <a:txBody>
-                    <a:bodyPr vert="horz" wrap="square" lIns="91440" tIns="45720" rIns="91440" bIns="45720" anchor="t" anchorCtr="0">
-                      <a:spAutoFit/>
-                    </a:bodyPr>
+                    <a:bodyPr/>
+                    <a:lstStyle/>
                     <a:p>
                       <a:pPr algn="ctr">
                         <a:defRPr/>
@@ -13601,10 +13199,9 @@
                         <a:rPr lang="ko-KR" altLang="en-US"/>
                         <a:t>키</a:t>
                       </a:r>
-                      <a:endParaRPr lang="ko-KR" altLang="en-US"/>
                     </a:p>
                   </a:txBody>
-                  <a:tcPr marL="91440" marR="91440">
+                  <a:tcPr>
                     <a:lnL w="12700" cap="flat" cmpd="sng" algn="ctr">
                       <a:solidFill>
                         <a:schemeClr val="tx1"/>
@@ -13648,9 +13245,8 @@
                 </a:tc>
                 <a:tc>
                   <a:txBody>
-                    <a:bodyPr vert="horz" wrap="square" lIns="91440" tIns="45720" rIns="91440" bIns="45720" anchor="t" anchorCtr="0">
-                      <a:spAutoFit/>
-                    </a:bodyPr>
+                    <a:bodyPr/>
+                    <a:lstStyle/>
                     <a:p>
                       <a:pPr algn="ctr">
                         <a:defRPr/>
@@ -13659,10 +13255,9 @@
                         <a:rPr lang="en-US" altLang="ko-KR"/>
                         <a:t>150cm</a:t>
                       </a:r>
-                      <a:endParaRPr lang="en-US" altLang="ko-KR"/>
                     </a:p>
                   </a:txBody>
-                  <a:tcPr marL="91440" marR="91440">
+                  <a:tcPr>
                     <a:lnL w="12700" cap="flat" cmpd="sng" algn="ctr">
                       <a:solidFill>
                         <a:schemeClr val="tx1"/>
@@ -13704,13 +13299,17 @@
                     </a:solidFill>
                   </a:tcPr>
                 </a:tc>
+                <a:extLst>
+                  <a:ext uri="{0D108BD9-81ED-4DB2-BD59-A6C34878D82A}">
+                    <a16:rowId xmlns:a16="http://schemas.microsoft.com/office/drawing/2014/main" val="10001"/>
+                  </a:ext>
+                </a:extLst>
               </a:tr>
               <a:tr h="370840">
                 <a:tc>
                   <a:txBody>
-                    <a:bodyPr vert="horz" wrap="square" lIns="91440" tIns="45720" rIns="91440" bIns="45720" anchor="t" anchorCtr="0">
-                      <a:spAutoFit/>
-                    </a:bodyPr>
+                    <a:bodyPr/>
+                    <a:lstStyle/>
                     <a:p>
                       <a:pPr algn="ctr">
                         <a:defRPr/>
@@ -13719,10 +13318,9 @@
                         <a:rPr lang="ko-KR" altLang="en-US"/>
                         <a:t>스킬</a:t>
                       </a:r>
-                      <a:endParaRPr lang="ko-KR" altLang="en-US"/>
                     </a:p>
                   </a:txBody>
-                  <a:tcPr marL="91440" marR="91440">
+                  <a:tcPr>
                     <a:lnL w="12700" cap="flat" cmpd="sng" algn="ctr">
                       <a:solidFill>
                         <a:schemeClr val="tx1"/>
@@ -13766,9 +13364,8 @@
                 </a:tc>
                 <a:tc>
                   <a:txBody>
-                    <a:bodyPr vert="horz" wrap="square" lIns="91440" tIns="45720" rIns="91440" bIns="45720" anchor="t" anchorCtr="0">
-                      <a:spAutoFit/>
-                    </a:bodyPr>
+                    <a:bodyPr/>
+                    <a:lstStyle/>
                     <a:p>
                       <a:pPr algn="ctr">
                         <a:defRPr/>
@@ -13776,7 +13373,7 @@
                       <a:endParaRPr lang="ko-KR" altLang="en-US"/>
                     </a:p>
                   </a:txBody>
-                  <a:tcPr marL="91440" marR="91440">
+                  <a:tcPr>
                     <a:lnL w="12700" cap="flat" cmpd="sng" algn="ctr">
                       <a:solidFill>
                         <a:schemeClr val="tx1"/>
@@ -13818,6 +13415,11 @@
                     </a:solidFill>
                   </a:tcPr>
                 </a:tc>
+                <a:extLst>
+                  <a:ext uri="{0D108BD9-81ED-4DB2-BD59-A6C34878D82A}">
+                    <a16:rowId xmlns:a16="http://schemas.microsoft.com/office/drawing/2014/main" val="10002"/>
+                  </a:ext>
+                </a:extLst>
               </a:tr>
             </a:tbl>
           </a:graphicData>
@@ -13825,7 +13427,7 @@
       </p:graphicFrame>
       <p:graphicFrame>
         <p:nvGraphicFramePr>
-          <p:cNvPr id="36" name=""/>
+          <p:cNvPr id="36" name="표 35"/>
           <p:cNvGraphicFramePr>
             <a:graphicFrameLocks noGrp="1"/>
           </p:cNvGraphicFramePr>
@@ -13842,15 +13444,26 @@
                 <a:tableStyleId>{01A66EDD-3DAB-4C5B-A090-DC80EC1FD486}</a:tableStyleId>
               </a:tblPr>
               <a:tblGrid>
-                <a:gridCol w="2170545"/>
-                <a:gridCol w="2170545"/>
+                <a:gridCol w="2170545">
+                  <a:extLst>
+                    <a:ext uri="{9D8B030D-6E8A-4147-A177-3AD203B41FA5}">
+                      <a16:colId xmlns:a16="http://schemas.microsoft.com/office/drawing/2014/main" val="20000"/>
+                    </a:ext>
+                  </a:extLst>
+                </a:gridCol>
+                <a:gridCol w="2170545">
+                  <a:extLst>
+                    <a:ext uri="{9D8B030D-6E8A-4147-A177-3AD203B41FA5}">
+                      <a16:colId xmlns:a16="http://schemas.microsoft.com/office/drawing/2014/main" val="20001"/>
+                    </a:ext>
+                  </a:extLst>
+                </a:gridCol>
               </a:tblGrid>
               <a:tr h="367665">
                 <a:tc>
                   <a:txBody>
-                    <a:bodyPr vert="horz" wrap="square" lIns="91440" tIns="45720" rIns="91440" bIns="45720" anchor="t" anchorCtr="0">
-                      <a:spAutoFit/>
-                    </a:bodyPr>
+                    <a:bodyPr/>
+                    <a:lstStyle/>
                     <a:p>
                       <a:pPr algn="ctr">
                         <a:defRPr/>
@@ -13879,14 +13492,9 @@
                         </a:rPr>
                         <a:t>전력질주</a:t>
                       </a:r>
-                      <a:endParaRPr lang="ko-KR" altLang="en-US">
-                        <a:solidFill>
-                          <a:schemeClr val="tx1"/>
-                        </a:solidFill>
-                      </a:endParaRPr>
                     </a:p>
                   </a:txBody>
-                  <a:tcPr marL="91440" marR="91440">
+                  <a:tcPr>
                     <a:lnL w="12700" cap="flat" cmpd="sng" algn="ctr">
                       <a:solidFill>
                         <a:schemeClr val="tx1"/>
@@ -13930,9 +13538,8 @@
                 </a:tc>
                 <a:tc>
                   <a:txBody>
-                    <a:bodyPr vert="horz" wrap="square" lIns="91440" tIns="45720" rIns="91440" bIns="45720" anchor="t" anchorCtr="0">
-                      <a:spAutoFit/>
-                    </a:bodyPr>
+                    <a:bodyPr/>
+                    <a:lstStyle/>
                     <a:p>
                       <a:pPr algn="ctr">
                         <a:defRPr/>
@@ -13949,14 +13556,9 @@
                         </a:rPr>
                         <a:t>4m/s , 6m/s</a:t>
                       </a:r>
-                      <a:endParaRPr lang="en-US" altLang="ko-KR">
-                        <a:solidFill>
-                          <a:schemeClr val="tx1"/>
-                        </a:solidFill>
-                      </a:endParaRPr>
                     </a:p>
                   </a:txBody>
-                  <a:tcPr marL="91440" marR="91440">
+                  <a:tcPr>
                     <a:lnL w="12700" cap="flat" cmpd="sng" algn="ctr">
                       <a:solidFill>
                         <a:schemeClr val="tx1"/>
@@ -13998,13 +13600,17 @@
                     </a:solidFill>
                   </a:tcPr>
                 </a:tc>
+                <a:extLst>
+                  <a:ext uri="{0D108BD9-81ED-4DB2-BD59-A6C34878D82A}">
+                    <a16:rowId xmlns:a16="http://schemas.microsoft.com/office/drawing/2014/main" val="10000"/>
+                  </a:ext>
+                </a:extLst>
               </a:tr>
               <a:tr h="370840">
                 <a:tc>
                   <a:txBody>
-                    <a:bodyPr vert="horz" wrap="square" lIns="91440" tIns="45720" rIns="91440" bIns="45720" anchor="t" anchorCtr="0">
-                      <a:spAutoFit/>
-                    </a:bodyPr>
+                    <a:bodyPr/>
+                    <a:lstStyle/>
                     <a:p>
                       <a:pPr algn="ctr">
                         <a:defRPr/>
@@ -14013,10 +13619,9 @@
                         <a:rPr lang="ko-KR" altLang="en-US"/>
                         <a:t>키</a:t>
                       </a:r>
-                      <a:endParaRPr lang="ko-KR" altLang="en-US"/>
                     </a:p>
                   </a:txBody>
-                  <a:tcPr marL="91440" marR="91440">
+                  <a:tcPr>
                     <a:lnL w="12700" cap="flat" cmpd="sng" algn="ctr">
                       <a:solidFill>
                         <a:schemeClr val="tx1"/>
@@ -14060,9 +13665,8 @@
                 </a:tc>
                 <a:tc>
                   <a:txBody>
-                    <a:bodyPr vert="horz" wrap="square" lIns="91440" tIns="45720" rIns="91440" bIns="45720" anchor="t" anchorCtr="0">
-                      <a:spAutoFit/>
-                    </a:bodyPr>
+                    <a:bodyPr/>
+                    <a:lstStyle/>
                     <a:p>
                       <a:pPr algn="ctr">
                         <a:defRPr/>
@@ -14071,10 +13675,9 @@
                         <a:rPr lang="en-US" altLang="ko-KR"/>
                         <a:t>150cm</a:t>
                       </a:r>
-                      <a:endParaRPr lang="en-US" altLang="ko-KR"/>
                     </a:p>
                   </a:txBody>
-                  <a:tcPr marL="91440" marR="91440">
+                  <a:tcPr>
                     <a:lnL w="12700" cap="flat" cmpd="sng" algn="ctr">
                       <a:solidFill>
                         <a:schemeClr val="tx1"/>
@@ -14116,13 +13719,17 @@
                     </a:solidFill>
                   </a:tcPr>
                 </a:tc>
+                <a:extLst>
+                  <a:ext uri="{0D108BD9-81ED-4DB2-BD59-A6C34878D82A}">
+                    <a16:rowId xmlns:a16="http://schemas.microsoft.com/office/drawing/2014/main" val="10001"/>
+                  </a:ext>
+                </a:extLst>
               </a:tr>
               <a:tr h="370840">
                 <a:tc>
                   <a:txBody>
-                    <a:bodyPr vert="horz" wrap="square" lIns="91440" tIns="45720" rIns="91440" bIns="45720" anchor="t" anchorCtr="0">
-                      <a:spAutoFit/>
-                    </a:bodyPr>
+                    <a:bodyPr/>
+                    <a:lstStyle/>
                     <a:p>
                       <a:pPr algn="ctr">
                         <a:defRPr/>
@@ -14131,10 +13738,9 @@
                         <a:rPr lang="ko-KR" altLang="en-US"/>
                         <a:t>스킬</a:t>
                       </a:r>
-                      <a:endParaRPr lang="ko-KR" altLang="en-US"/>
                     </a:p>
                   </a:txBody>
-                  <a:tcPr marL="91440" marR="91440">
+                  <a:tcPr>
                     <a:lnL w="12700" cap="flat" cmpd="sng" algn="ctr">
                       <a:solidFill>
                         <a:schemeClr val="tx1"/>
@@ -14178,9 +13784,8 @@
                 </a:tc>
                 <a:tc>
                   <a:txBody>
-                    <a:bodyPr vert="horz" wrap="square" lIns="91440" tIns="45720" rIns="91440" bIns="45720" anchor="t" anchorCtr="0">
-                      <a:spAutoFit/>
-                    </a:bodyPr>
+                    <a:bodyPr/>
+                    <a:lstStyle/>
                     <a:p>
                       <a:pPr algn="ctr">
                         <a:defRPr/>
@@ -14188,7 +13793,7 @@
                       <a:endParaRPr lang="ko-KR" altLang="en-US"/>
                     </a:p>
                   </a:txBody>
-                  <a:tcPr marL="91440" marR="91440">
+                  <a:tcPr>
                     <a:lnL w="12700" cap="flat" cmpd="sng" algn="ctr">
                       <a:solidFill>
                         <a:schemeClr val="tx1"/>
@@ -14230,6 +13835,11 @@
                     </a:solidFill>
                   </a:tcPr>
                 </a:tc>
+                <a:extLst>
+                  <a:ext uri="{0D108BD9-81ED-4DB2-BD59-A6C34878D82A}">
+                    <a16:rowId xmlns:a16="http://schemas.microsoft.com/office/drawing/2014/main" val="10002"/>
+                  </a:ext>
+                </a:extLst>
               </a:tr>
             </a:tbl>
           </a:graphicData>
@@ -14240,11 +13850,11 @@
   <p:clrMapOvr>
     <a:masterClrMapping/>
   </p:clrMapOvr>
-  <mc:AlternateContent xmlns:mc="http://schemas.openxmlformats.org/markup-compatibility/2006">
-    <mc:Choice xmlns:p14="http://schemas.microsoft.com/office/powerpoint/2010/main" Requires="p14">
-      <p:transition xmlns:mc="http://schemas.openxmlformats.org/markup-compatibility/2006" xmlns:p14="http://schemas.microsoft.com/office/powerpoint/2010/main" mc:Ignorable="p14" p14:dur="500"/>
+  <mc:AlternateContent xmlns:mc="http://schemas.openxmlformats.org/markup-compatibility/2006" xmlns:p14="http://schemas.microsoft.com/office/powerpoint/2010/main">
+    <mc:Choice Requires="p14">
+      <p:transition/>
     </mc:Choice>
-    <mc:Fallback>
+    <mc:Fallback xmlns:dsp="http://schemas.microsoft.com/office/drawing/2008/diagram" xmlns:dgm="http://schemas.openxmlformats.org/drawingml/2006/diagram" xmlns:c="http://schemas.openxmlformats.org/drawingml/2006/chart" xmlns="">
       <p:transition/>
     </mc:Fallback>
   </mc:AlternateContent>
@@ -14252,7 +13862,7 @@
 </file>
 
 <file path=ppt/slides/slide9.xml><?xml version="1.0" encoding="utf-8"?>
-<p:sld xmlns:r="http://schemas.openxmlformats.org/officeDocument/2006/relationships" xmlns:c="http://schemas.openxmlformats.org/drawingml/2006/chart" xmlns:a="http://schemas.openxmlformats.org/drawingml/2006/main" xmlns:dgm="http://schemas.openxmlformats.org/drawingml/2006/diagram" xmlns:dsp="http://schemas.microsoft.com/office/drawing/2008/diagram" xmlns:p="http://schemas.openxmlformats.org/presentationml/2006/main">
+<p:sld xmlns:a="http://schemas.openxmlformats.org/drawingml/2006/main" xmlns:r="http://schemas.openxmlformats.org/officeDocument/2006/relationships" xmlns:p="http://schemas.openxmlformats.org/presentationml/2006/main">
   <p:cSld>
     <p:spTree>
       <p:nvGrpSpPr>
@@ -14303,13 +13913,6 @@
               </a:rPr>
               <a:t>03</a:t>
             </a:r>
-            <a:endParaRPr lang="en-US" altLang="ko-KR" sz="6000">
-              <a:solidFill>
-                <a:schemeClr val="bg1"/>
-              </a:solidFill>
-              <a:latin typeface="나눔스퀘어 Light"/>
-              <a:ea typeface="나눔스퀘어 Light"/>
-            </a:endParaRPr>
           </a:p>
         </p:txBody>
       </p:sp>
@@ -14348,13 +13951,6 @@
               </a:rPr>
               <a:t>게임소개</a:t>
             </a:r>
-            <a:endParaRPr lang="ko-KR" altLang="en-US" sz="2800">
-              <a:solidFill>
-                <a:schemeClr val="bg1"/>
-              </a:solidFill>
-              <a:latin typeface="나눔스퀘어 Light"/>
-              <a:ea typeface="나눔스퀘어 Light"/>
-            </a:endParaRPr>
           </a:p>
         </p:txBody>
       </p:sp>
@@ -14672,13 +14268,6 @@
               </a:rPr>
               <a:t>이동키</a:t>
             </a:r>
-            <a:endParaRPr lang="ko-KR" altLang="en-US">
-              <a:solidFill>
-                <a:schemeClr val="lt1"/>
-              </a:solidFill>
-              <a:latin typeface="HY태백B"/>
-              <a:ea typeface="HY태백B"/>
-            </a:endParaRPr>
           </a:p>
         </p:txBody>
       </p:sp>
@@ -14787,13 +14376,6 @@
               </a:rPr>
               <a:t> 공격</a:t>
             </a:r>
-            <a:endParaRPr lang="ko-KR" altLang="en-US">
-              <a:solidFill>
-                <a:schemeClr val="lt1"/>
-              </a:solidFill>
-              <a:latin typeface="HY태백B"/>
-              <a:ea typeface="HY태백B"/>
-            </a:endParaRPr>
           </a:p>
           <a:p>
             <a:pPr lvl="0">
@@ -14839,13 +14421,6 @@
               </a:rPr>
               <a:t>대쉬공격</a:t>
             </a:r>
-            <a:endParaRPr lang="ko-KR" altLang="en-US">
-              <a:solidFill>
-                <a:schemeClr val="lt1"/>
-              </a:solidFill>
-              <a:latin typeface="HY태백B"/>
-              <a:ea typeface="HY태백B"/>
-            </a:endParaRPr>
           </a:p>
         </p:txBody>
       </p:sp>
@@ -14920,13 +14495,6 @@
               </a:rPr>
               <a:t>대쉬</a:t>
             </a:r>
-            <a:endParaRPr lang="ko-KR" altLang="en-US">
-              <a:solidFill>
-                <a:schemeClr val="lt1"/>
-              </a:solidFill>
-              <a:latin typeface="HY태백B"/>
-              <a:ea typeface="HY태백B"/>
-            </a:endParaRPr>
           </a:p>
         </p:txBody>
       </p:sp>
@@ -15003,13 +14571,6 @@
               </a:rPr>
               <a:t>점프</a:t>
             </a:r>
-            <a:endParaRPr lang="ko-KR" altLang="en-US">
-              <a:solidFill>
-                <a:schemeClr val="lt1"/>
-              </a:solidFill>
-              <a:latin typeface="HY태백B"/>
-              <a:ea typeface="HY태백B"/>
-            </a:endParaRPr>
           </a:p>
         </p:txBody>
       </p:sp>
@@ -15083,13 +14644,6 @@
               </a:rPr>
               <a:t>스킬사용</a:t>
             </a:r>
-            <a:endParaRPr lang="ko-KR" altLang="en-US">
-              <a:solidFill>
-                <a:schemeClr val="lt1"/>
-              </a:solidFill>
-              <a:latin typeface="HY태백B"/>
-              <a:ea typeface="HY태백B"/>
-            </a:endParaRPr>
           </a:p>
         </p:txBody>
       </p:sp>
@@ -15098,11 +14652,11 @@
   <p:clrMapOvr>
     <a:masterClrMapping/>
   </p:clrMapOvr>
-  <mc:AlternateContent xmlns:mc="http://schemas.openxmlformats.org/markup-compatibility/2006">
-    <mc:Choice xmlns:p14="http://schemas.microsoft.com/office/powerpoint/2010/main" Requires="p14">
-      <p:transition xmlns:mc="http://schemas.openxmlformats.org/markup-compatibility/2006" xmlns:p14="http://schemas.microsoft.com/office/powerpoint/2010/main" mc:Ignorable="p14" p14:dur="500"/>
+  <mc:AlternateContent xmlns:mc="http://schemas.openxmlformats.org/markup-compatibility/2006" xmlns:p14="http://schemas.microsoft.com/office/powerpoint/2010/main">
+    <mc:Choice Requires="p14">
+      <p:transition/>
     </mc:Choice>
-    <mc:Fallback>
+    <mc:Fallback xmlns:dsp="http://schemas.microsoft.com/office/drawing/2008/diagram" xmlns:dgm="http://schemas.openxmlformats.org/drawingml/2006/diagram" xmlns:c="http://schemas.openxmlformats.org/drawingml/2006/chart" xmlns="">
       <p:transition/>
     </mc:Fallback>
   </mc:AlternateContent>
@@ -15110,44 +14664,44 @@
 </file>
 
 <file path=ppt/theme/theme1.xml><?xml version="1.0" encoding="utf-8"?>
-<a:theme xmlns:r="http://schemas.openxmlformats.org/officeDocument/2006/relationships" xmlns:c="http://schemas.openxmlformats.org/drawingml/2006/chart" xmlns:dgm="http://schemas.openxmlformats.org/drawingml/2006/diagram" xmlns:dsp="http://schemas.microsoft.com/office/drawing/2008/diagram" xmlns:a="http://schemas.openxmlformats.org/drawingml/2006/main" xmlns:pic="http://schemas.openxmlformats.org/drawingml/2006/picture" xmlns:wp="http://schemas.openxmlformats.org/drawingml/2006/wordprocessingDrawing" xmlns:xdr="http://schemas.openxmlformats.org/drawingml/2006/spreadsheetDrawing" xmlns:lc="http://schemas.openxmlformats.org/drawingml/2006/lockedCanvas" xmlns:p="http://schemas.openxmlformats.org/presentationml/2006/main" name="메인">
+<a:theme xmlns:a="http://schemas.openxmlformats.org/drawingml/2006/main" name="메인">
   <a:themeElements>
     <a:clrScheme name="Office">
       <a:dk1>
         <a:sysClr val="windowText" lastClr="000000"/>
       </a:dk1>
       <a:lt1>
-        <a:sysClr val="window" lastClr="ffffff"/>
+        <a:sysClr val="window" lastClr="FFFFFF"/>
       </a:lt1>
       <a:dk2>
-        <a:srgbClr val="44546a"/>
+        <a:srgbClr val="44546A"/>
       </a:dk2>
       <a:lt2>
-        <a:srgbClr val="e7e6e6"/>
+        <a:srgbClr val="E7E6E6"/>
       </a:lt2>
       <a:accent1>
-        <a:srgbClr val="5b9bd5"/>
+        <a:srgbClr val="5B9BD5"/>
       </a:accent1>
       <a:accent2>
-        <a:srgbClr val="ed7d31"/>
+        <a:srgbClr val="ED7D31"/>
       </a:accent2>
       <a:accent3>
-        <a:srgbClr val="a5a5a5"/>
+        <a:srgbClr val="A5A5A5"/>
       </a:accent3>
       <a:accent4>
-        <a:srgbClr val="ffc000"/>
+        <a:srgbClr val="FFC000"/>
       </a:accent4>
       <a:accent5>
-        <a:srgbClr val="4472c4"/>
+        <a:srgbClr val="4472C4"/>
       </a:accent5>
       <a:accent6>
-        <a:srgbClr val="70ad47"/>
+        <a:srgbClr val="70AD47"/>
       </a:accent6>
       <a:hlink>
-        <a:srgbClr val="0563c1"/>
+        <a:srgbClr val="0563C1"/>
       </a:hlink>
       <a:folHlink>
-        <a:srgbClr val="954f72"/>
+        <a:srgbClr val="954F72"/>
       </a:folHlink>
     </a:clrScheme>
     <a:fontScheme name="Office">
@@ -15360,48 +14914,50 @@
       </a:bgFillStyleLst>
     </a:fmtScheme>
   </a:themeElements>
+  <a:objectDefaults/>
+  <a:extraClrSchemeLst/>
 </a:theme>
 </file>
 
 <file path=ppt/theme/theme2.xml><?xml version="1.0" encoding="utf-8"?>
-<a:theme xmlns:r="http://schemas.openxmlformats.org/officeDocument/2006/relationships" xmlns:c="http://schemas.openxmlformats.org/drawingml/2006/chart" xmlns:dgm="http://schemas.openxmlformats.org/drawingml/2006/diagram" xmlns:dsp="http://schemas.microsoft.com/office/drawing/2008/diagram" xmlns:a="http://schemas.openxmlformats.org/drawingml/2006/main" xmlns:pic="http://schemas.openxmlformats.org/drawingml/2006/picture" xmlns:wp="http://schemas.openxmlformats.org/drawingml/2006/wordprocessingDrawing" xmlns:xdr="http://schemas.openxmlformats.org/drawingml/2006/spreadsheetDrawing" xmlns:lc="http://schemas.openxmlformats.org/drawingml/2006/lockedCanvas" xmlns:p="http://schemas.openxmlformats.org/presentationml/2006/main" name="목차">
+<a:theme xmlns:a="http://schemas.openxmlformats.org/drawingml/2006/main" name="목차">
   <a:themeElements>
     <a:clrScheme name="Office">
       <a:dk1>
         <a:sysClr val="windowText" lastClr="000000"/>
       </a:dk1>
       <a:lt1>
-        <a:sysClr val="window" lastClr="ffffff"/>
+        <a:sysClr val="window" lastClr="FFFFFF"/>
       </a:lt1>
       <a:dk2>
-        <a:srgbClr val="44546a"/>
+        <a:srgbClr val="44546A"/>
       </a:dk2>
       <a:lt2>
-        <a:srgbClr val="e7e6e6"/>
+        <a:srgbClr val="E7E6E6"/>
       </a:lt2>
       <a:accent1>
-        <a:srgbClr val="5b9bd5"/>
+        <a:srgbClr val="5B9BD5"/>
       </a:accent1>
       <a:accent2>
-        <a:srgbClr val="ed7d31"/>
+        <a:srgbClr val="ED7D31"/>
       </a:accent2>
       <a:accent3>
-        <a:srgbClr val="a5a5a5"/>
+        <a:srgbClr val="A5A5A5"/>
       </a:accent3>
       <a:accent4>
-        <a:srgbClr val="ffc000"/>
+        <a:srgbClr val="FFC000"/>
       </a:accent4>
       <a:accent5>
-        <a:srgbClr val="4472c4"/>
+        <a:srgbClr val="4472C4"/>
       </a:accent5>
       <a:accent6>
-        <a:srgbClr val="70ad47"/>
+        <a:srgbClr val="70AD47"/>
       </a:accent6>
       <a:hlink>
-        <a:srgbClr val="0563c1"/>
+        <a:srgbClr val="0563C1"/>
       </a:hlink>
       <a:folHlink>
-        <a:srgbClr val="954f72"/>
+        <a:srgbClr val="954F72"/>
       </a:folHlink>
     </a:clrScheme>
     <a:fontScheme name="Office">
@@ -15614,48 +15170,50 @@
       </a:bgFillStyleLst>
     </a:fmtScheme>
   </a:themeElements>
+  <a:objectDefaults/>
+  <a:extraClrSchemeLst/>
 </a:theme>
 </file>
 
 <file path=ppt/theme/theme3.xml><?xml version="1.0" encoding="utf-8"?>
-<a:theme xmlns:r="http://schemas.openxmlformats.org/officeDocument/2006/relationships" xmlns:c="http://schemas.openxmlformats.org/drawingml/2006/chart" xmlns:dgm="http://schemas.openxmlformats.org/drawingml/2006/diagram" xmlns:dsp="http://schemas.microsoft.com/office/drawing/2008/diagram" xmlns:a="http://schemas.openxmlformats.org/drawingml/2006/main" xmlns:pic="http://schemas.openxmlformats.org/drawingml/2006/picture" xmlns:wp="http://schemas.openxmlformats.org/drawingml/2006/wordprocessingDrawing" xmlns:xdr="http://schemas.openxmlformats.org/drawingml/2006/spreadsheetDrawing" xmlns:lc="http://schemas.openxmlformats.org/drawingml/2006/lockedCanvas" xmlns:p="http://schemas.openxmlformats.org/presentationml/2006/main" name="내용">
+<a:theme xmlns:a="http://schemas.openxmlformats.org/drawingml/2006/main" name="내용">
   <a:themeElements>
     <a:clrScheme name="Office">
       <a:dk1>
         <a:sysClr val="windowText" lastClr="000000"/>
       </a:dk1>
       <a:lt1>
-        <a:sysClr val="window" lastClr="ffffff"/>
+        <a:sysClr val="window" lastClr="FFFFFF"/>
       </a:lt1>
       <a:dk2>
-        <a:srgbClr val="44546a"/>
+        <a:srgbClr val="44546A"/>
       </a:dk2>
       <a:lt2>
-        <a:srgbClr val="e7e6e6"/>
+        <a:srgbClr val="E7E6E6"/>
       </a:lt2>
       <a:accent1>
-        <a:srgbClr val="5b9bd5"/>
+        <a:srgbClr val="5B9BD5"/>
       </a:accent1>
       <a:accent2>
-        <a:srgbClr val="ed7d31"/>
+        <a:srgbClr val="ED7D31"/>
       </a:accent2>
       <a:accent3>
-        <a:srgbClr val="a5a5a5"/>
+        <a:srgbClr val="A5A5A5"/>
       </a:accent3>
       <a:accent4>
-        <a:srgbClr val="ffc000"/>
+        <a:srgbClr val="FFC000"/>
       </a:accent4>
       <a:accent5>
-        <a:srgbClr val="4472c4"/>
+        <a:srgbClr val="4472C4"/>
       </a:accent5>
       <a:accent6>
-        <a:srgbClr val="70ad47"/>
+        <a:srgbClr val="70AD47"/>
       </a:accent6>
       <a:hlink>
-        <a:srgbClr val="0563c1"/>
+        <a:srgbClr val="0563C1"/>
       </a:hlink>
       <a:folHlink>
-        <a:srgbClr val="954f72"/>
+        <a:srgbClr val="954F72"/>
       </a:folHlink>
     </a:clrScheme>
     <a:fontScheme name="Office">
@@ -15868,48 +15426,50 @@
       </a:bgFillStyleLst>
     </a:fmtScheme>
   </a:themeElements>
+  <a:objectDefaults/>
+  <a:extraClrSchemeLst/>
 </a:theme>
 </file>
 
 <file path=ppt/theme/theme4.xml><?xml version="1.0" encoding="utf-8"?>
-<a:theme xmlns:r="http://schemas.openxmlformats.org/officeDocument/2006/relationships" xmlns:c="http://schemas.openxmlformats.org/drawingml/2006/chart" xmlns:dgm="http://schemas.openxmlformats.org/drawingml/2006/diagram" xmlns:dsp="http://schemas.microsoft.com/office/drawing/2008/diagram" xmlns:a="http://schemas.openxmlformats.org/drawingml/2006/main" xmlns:pic="http://schemas.openxmlformats.org/drawingml/2006/picture" xmlns:wp="http://schemas.openxmlformats.org/drawingml/2006/wordprocessingDrawing" xmlns:xdr="http://schemas.openxmlformats.org/drawingml/2006/spreadsheetDrawing" xmlns:lc="http://schemas.openxmlformats.org/drawingml/2006/lockedCanvas" xmlns:p="http://schemas.openxmlformats.org/presentationml/2006/main" name="마무리">
+<a:theme xmlns:a="http://schemas.openxmlformats.org/drawingml/2006/main" name="마무리">
   <a:themeElements>
     <a:clrScheme name="Office">
       <a:dk1>
         <a:sysClr val="windowText" lastClr="000000"/>
       </a:dk1>
       <a:lt1>
-        <a:sysClr val="window" lastClr="ffffff"/>
+        <a:sysClr val="window" lastClr="FFFFFF"/>
       </a:lt1>
       <a:dk2>
-        <a:srgbClr val="44546a"/>
+        <a:srgbClr val="44546A"/>
       </a:dk2>
       <a:lt2>
-        <a:srgbClr val="e7e6e6"/>
+        <a:srgbClr val="E7E6E6"/>
       </a:lt2>
       <a:accent1>
-        <a:srgbClr val="5b9bd5"/>
+        <a:srgbClr val="5B9BD5"/>
       </a:accent1>
       <a:accent2>
-        <a:srgbClr val="ed7d31"/>
+        <a:srgbClr val="ED7D31"/>
       </a:accent2>
       <a:accent3>
-        <a:srgbClr val="a5a5a5"/>
+        <a:srgbClr val="A5A5A5"/>
       </a:accent3>
       <a:accent4>
-        <a:srgbClr val="ffc000"/>
+        <a:srgbClr val="FFC000"/>
       </a:accent4>
       <a:accent5>
-        <a:srgbClr val="4472c4"/>
+        <a:srgbClr val="4472C4"/>
       </a:accent5>
       <a:accent6>
-        <a:srgbClr val="70ad47"/>
+        <a:srgbClr val="70AD47"/>
       </a:accent6>
       <a:hlink>
-        <a:srgbClr val="0563c1"/>
+        <a:srgbClr val="0563C1"/>
       </a:hlink>
       <a:folHlink>
-        <a:srgbClr val="954f72"/>
+        <a:srgbClr val="954F72"/>
       </a:folHlink>
     </a:clrScheme>
     <a:fontScheme name="Office">
@@ -16122,5 +15682,7 @@
       </a:bgFillStyleLst>
     </a:fmtScheme>
   </a:themeElements>
+  <a:objectDefaults/>
+  <a:extraClrSchemeLst/>
 </a:theme>
 </file>
--- a/졸업작품 제안서/졸업작품 제안서ver3.pptx
+++ b/졸업작품 제안서/졸업작품 제안서ver3.pptx
@@ -2230,7 +2230,7 @@
     <mc:Choice Requires="p14">
       <p:transition/>
     </mc:Choice>
-    <mc:Fallback xmlns:dsp="http://schemas.microsoft.com/office/drawing/2008/diagram" xmlns:dgm="http://schemas.openxmlformats.org/drawingml/2006/diagram" xmlns:c="http://schemas.openxmlformats.org/drawingml/2006/chart" xmlns="">
+    <mc:Fallback xmlns="" xmlns:c="http://schemas.openxmlformats.org/drawingml/2006/chart" xmlns:dgm="http://schemas.openxmlformats.org/drawingml/2006/diagram" xmlns:dsp="http://schemas.microsoft.com/office/drawing/2008/diagram">
       <p:transition/>
     </mc:Fallback>
   </mc:AlternateContent>
@@ -2832,7 +2832,7 @@
     <mc:Choice Requires="p14">
       <p:transition/>
     </mc:Choice>
-    <mc:Fallback xmlns:dsp="http://schemas.microsoft.com/office/drawing/2008/diagram" xmlns:dgm="http://schemas.openxmlformats.org/drawingml/2006/diagram" xmlns:c="http://schemas.openxmlformats.org/drawingml/2006/chart" xmlns="">
+    <mc:Fallback xmlns="" xmlns:c="http://schemas.openxmlformats.org/drawingml/2006/chart" xmlns:dgm="http://schemas.openxmlformats.org/drawingml/2006/diagram" xmlns:dsp="http://schemas.microsoft.com/office/drawing/2008/diagram">
       <p:transition/>
     </mc:Fallback>
   </mc:AlternateContent>
@@ -3449,7 +3449,7 @@
     <mc:Choice Requires="p14">
       <p:transition/>
     </mc:Choice>
-    <mc:Fallback xmlns:dsp="http://schemas.microsoft.com/office/drawing/2008/diagram" xmlns:dgm="http://schemas.openxmlformats.org/drawingml/2006/diagram" xmlns:c="http://schemas.openxmlformats.org/drawingml/2006/chart" xmlns="">
+    <mc:Fallback xmlns="" xmlns:c="http://schemas.openxmlformats.org/drawingml/2006/chart" xmlns:dgm="http://schemas.openxmlformats.org/drawingml/2006/diagram" xmlns:dsp="http://schemas.microsoft.com/office/drawing/2008/diagram">
       <p:transition/>
     </mc:Fallback>
   </mc:AlternateContent>
@@ -3860,7 +3860,7 @@
     <mc:Choice Requires="p14">
       <p:transition/>
     </mc:Choice>
-    <mc:Fallback xmlns:dsp="http://schemas.microsoft.com/office/drawing/2008/diagram" xmlns:dgm="http://schemas.openxmlformats.org/drawingml/2006/diagram" xmlns:c="http://schemas.openxmlformats.org/drawingml/2006/chart" xmlns="">
+    <mc:Fallback xmlns="" xmlns:c="http://schemas.openxmlformats.org/drawingml/2006/chart" xmlns:dgm="http://schemas.openxmlformats.org/drawingml/2006/diagram" xmlns:dsp="http://schemas.microsoft.com/office/drawing/2008/diagram">
       <p:transition/>
     </mc:Fallback>
   </mc:AlternateContent>
@@ -4374,7 +4374,7 @@
     <mc:Choice Requires="p14">
       <p:transition/>
     </mc:Choice>
-    <mc:Fallback xmlns:dsp="http://schemas.microsoft.com/office/drawing/2008/diagram" xmlns:dgm="http://schemas.openxmlformats.org/drawingml/2006/diagram" xmlns:c="http://schemas.openxmlformats.org/drawingml/2006/chart" xmlns="">
+    <mc:Fallback xmlns="" xmlns:c="http://schemas.openxmlformats.org/drawingml/2006/chart" xmlns:dgm="http://schemas.openxmlformats.org/drawingml/2006/diagram" xmlns:dsp="http://schemas.microsoft.com/office/drawing/2008/diagram">
       <p:transition/>
     </mc:Fallback>
   </mc:AlternateContent>
@@ -4873,7 +4873,7 @@
     <mc:Choice Requires="p14">
       <p:transition/>
     </mc:Choice>
-    <mc:Fallback xmlns:dsp="http://schemas.microsoft.com/office/drawing/2008/diagram" xmlns:dgm="http://schemas.openxmlformats.org/drawingml/2006/diagram" xmlns:c="http://schemas.openxmlformats.org/drawingml/2006/chart" xmlns="">
+    <mc:Fallback xmlns="" xmlns:c="http://schemas.openxmlformats.org/drawingml/2006/chart" xmlns:dgm="http://schemas.openxmlformats.org/drawingml/2006/diagram" xmlns:dsp="http://schemas.microsoft.com/office/drawing/2008/diagram">
       <p:transition/>
     </mc:Fallback>
   </mc:AlternateContent>
@@ -5537,7 +5537,7 @@
     <mc:Choice Requires="p14">
       <p:transition/>
     </mc:Choice>
-    <mc:Fallback xmlns:dsp="http://schemas.microsoft.com/office/drawing/2008/diagram" xmlns:dgm="http://schemas.openxmlformats.org/drawingml/2006/diagram" xmlns:c="http://schemas.openxmlformats.org/drawingml/2006/chart" xmlns="">
+    <mc:Fallback xmlns="" xmlns:c="http://schemas.openxmlformats.org/drawingml/2006/chart" xmlns:dgm="http://schemas.openxmlformats.org/drawingml/2006/diagram" xmlns:dsp="http://schemas.microsoft.com/office/drawing/2008/diagram">
       <p:transition/>
     </mc:Fallback>
   </mc:AlternateContent>
@@ -6135,7 +6135,7 @@
     <mc:Choice Requires="p14">
       <p:transition/>
     </mc:Choice>
-    <mc:Fallback xmlns:dsp="http://schemas.microsoft.com/office/drawing/2008/diagram" xmlns:dgm="http://schemas.openxmlformats.org/drawingml/2006/diagram" xmlns:c="http://schemas.openxmlformats.org/drawingml/2006/chart" xmlns="">
+    <mc:Fallback xmlns="" xmlns:c="http://schemas.openxmlformats.org/drawingml/2006/chart" xmlns:dgm="http://schemas.openxmlformats.org/drawingml/2006/diagram" xmlns:dsp="http://schemas.microsoft.com/office/drawing/2008/diagram">
       <p:transition/>
     </mc:Fallback>
   </mc:AlternateContent>
@@ -6450,11 +6450,17 @@
           <p:cNvGraphicFramePr>
             <a:graphicFrameLocks noGrp="1"/>
           </p:cNvGraphicFramePr>
-          <p:nvPr/>
+          <p:nvPr>
+            <p:extLst>
+              <p:ext uri="{D42A27DB-BD31-4B8C-83A1-F6EECF244321}">
+                <p14:modId xmlns:p14="http://schemas.microsoft.com/office/powerpoint/2010/main" val="2558532593"/>
+              </p:ext>
+            </p:extLst>
+          </p:nvPr>
         </p:nvGraphicFramePr>
         <p:xfrm>
-          <a:off x="2588532" y="1739414"/>
-          <a:ext cx="9007012" cy="4159545"/>
+          <a:off x="2526920" y="1739414"/>
+          <a:ext cx="9122932" cy="4482127"/>
         </p:xfrm>
         <a:graphic>
           <a:graphicData uri="http://schemas.openxmlformats.org/drawingml/2006/table">
@@ -6463,7 +6469,7 @@
                 <a:tableStyleId>{16D9F66E-5EB9-4882-86FB-DCBF35E3C3E4}</a:tableStyleId>
               </a:tblPr>
               <a:tblGrid>
-                <a:gridCol w="794847">
+                <a:gridCol w="910767">
                   <a:extLst>
                     <a:ext uri="{9D8B030D-6E8A-4147-A177-3AD203B41FA5}">
                       <a16:colId xmlns:a16="http://schemas.microsoft.com/office/drawing/2014/main" val="20000"/>
@@ -6570,11 +6576,11 @@
                         <a:defRPr/>
                       </a:pPr>
                       <a:r>
-                        <a:rPr lang="en-US" altLang="ko-KR"/>
+                        <a:rPr lang="en-US" altLang="ko-KR" dirty="0"/>
                         <a:t>2</a:t>
                       </a:r>
                       <a:r>
-                        <a:rPr lang="ko-KR" altLang="en-US"/>
+                        <a:rPr lang="ko-KR" altLang="en-US" dirty="0"/>
                         <a:t>월</a:t>
                       </a:r>
                     </a:p>
@@ -6717,8 +6723,209 @@
                         <a:defRPr/>
                       </a:pPr>
                       <a:r>
-                        <a:rPr lang="ko-KR" altLang="en-US" sz="1200"/>
-                        <a:t>에셋 제작</a:t>
+                        <a:rPr lang="ko-KR" altLang="en-US" sz="1200" dirty="0" err="1"/>
+                        <a:t>쉐이더</a:t>
+                      </a:r>
+                      <a:r>
+                        <a:rPr lang="ko-KR" altLang="en-US" sz="1200" dirty="0"/>
+                        <a:t> </a:t>
+                      </a:r>
+                      <a:endParaRPr lang="en-US" altLang="ko-KR" sz="1200" dirty="0"/>
+                    </a:p>
+                    <a:p>
+                      <a:pPr algn="ctr" latinLnBrk="1">
+                        <a:defRPr/>
+                      </a:pPr>
+                      <a:r>
+                        <a:rPr lang="ko-KR" altLang="en-US" sz="1200" dirty="0"/>
+                        <a:t>효과 제작</a:t>
+                      </a:r>
+                    </a:p>
+                  </a:txBody>
+                  <a:tcPr/>
+                </a:tc>
+                <a:tc>
+                  <a:txBody>
+                    <a:bodyPr/>
+                    <a:lstStyle/>
+                    <a:p>
+                      <a:pPr algn="ctr" latinLnBrk="1">
+                        <a:defRPr/>
+                      </a:pPr>
+                      <a:endParaRPr lang="ko-KR" altLang="en-US" sz="1200" dirty="0">
+                        <a:highlight>
+                          <a:srgbClr val="FFFF00"/>
+                        </a:highlight>
+                      </a:endParaRPr>
+                    </a:p>
+                  </a:txBody>
+                  <a:tcPr>
+                    <a:solidFill>
+                      <a:schemeClr val="accent6">
+                        <a:lumMod val="20000"/>
+                        <a:lumOff val="80000"/>
+                      </a:schemeClr>
+                    </a:solidFill>
+                  </a:tcPr>
+                </a:tc>
+                <a:tc>
+                  <a:txBody>
+                    <a:bodyPr/>
+                    <a:lstStyle/>
+                    <a:p>
+                      <a:pPr algn="ctr" latinLnBrk="1">
+                        <a:defRPr/>
+                      </a:pPr>
+                      <a:endParaRPr lang="ko-KR" altLang="en-US" sz="1200" dirty="0">
+                        <a:highlight>
+                          <a:srgbClr val="FFFF00"/>
+                        </a:highlight>
+                      </a:endParaRPr>
+                    </a:p>
+                  </a:txBody>
+                  <a:tcPr>
+                    <a:solidFill>
+                      <a:schemeClr val="accent6">
+                        <a:lumMod val="20000"/>
+                        <a:lumOff val="80000"/>
+                      </a:schemeClr>
+                    </a:solidFill>
+                  </a:tcPr>
+                </a:tc>
+                <a:tc>
+                  <a:txBody>
+                    <a:bodyPr/>
+                    <a:lstStyle/>
+                    <a:p>
+                      <a:pPr algn="ctr" latinLnBrk="1">
+                        <a:defRPr/>
+                      </a:pPr>
+                      <a:endParaRPr lang="ko-KR" altLang="en-US" sz="1200" dirty="0">
+                        <a:highlight>
+                          <a:srgbClr val="FFFF00"/>
+                        </a:highlight>
+                      </a:endParaRPr>
+                    </a:p>
+                  </a:txBody>
+                  <a:tcPr>
+                    <a:solidFill>
+                      <a:schemeClr val="accent6">
+                        <a:lumMod val="20000"/>
+                        <a:lumOff val="80000"/>
+                      </a:schemeClr>
+                    </a:solidFill>
+                  </a:tcPr>
+                </a:tc>
+                <a:tc>
+                  <a:txBody>
+                    <a:bodyPr/>
+                    <a:lstStyle/>
+                    <a:p>
+                      <a:pPr algn="ctr" latinLnBrk="1">
+                        <a:defRPr/>
+                      </a:pPr>
+                      <a:endParaRPr lang="ko-KR" altLang="en-US" sz="1200" dirty="0">
+                        <a:highlight>
+                          <a:srgbClr val="FFFF00"/>
+                        </a:highlight>
+                      </a:endParaRPr>
+                    </a:p>
+                  </a:txBody>
+                  <a:tcPr>
+                    <a:solidFill>
+                      <a:schemeClr val="accent6">
+                        <a:lumMod val="20000"/>
+                        <a:lumOff val="80000"/>
+                      </a:schemeClr>
+                    </a:solidFill>
+                  </a:tcPr>
+                </a:tc>
+                <a:tc>
+                  <a:txBody>
+                    <a:bodyPr/>
+                    <a:lstStyle/>
+                    <a:p>
+                      <a:pPr algn="ctr" latinLnBrk="1">
+                        <a:defRPr/>
+                      </a:pPr>
+                      <a:endParaRPr lang="ko-KR" altLang="en-US" sz="1200" dirty="0"/>
+                    </a:p>
+                  </a:txBody>
+                  <a:tcPr/>
+                </a:tc>
+                <a:tc>
+                  <a:txBody>
+                    <a:bodyPr/>
+                    <a:lstStyle/>
+                    <a:p>
+                      <a:pPr algn="ctr" latinLnBrk="1">
+                        <a:defRPr/>
+                      </a:pPr>
+                      <a:endParaRPr lang="ko-KR" altLang="en-US" sz="1200" dirty="0"/>
+                    </a:p>
+                  </a:txBody>
+                  <a:tcPr>
+                    <a:solidFill>
+                      <a:srgbClr val="002060"/>
+                    </a:solidFill>
+                  </a:tcPr>
+                </a:tc>
+                <a:tc>
+                  <a:txBody>
+                    <a:bodyPr/>
+                    <a:lstStyle/>
+                    <a:p>
+                      <a:pPr algn="ctr" latinLnBrk="1">
+                        <a:defRPr/>
+                      </a:pPr>
+                      <a:endParaRPr lang="ko-KR" altLang="en-US" sz="1200" dirty="0"/>
+                    </a:p>
+                  </a:txBody>
+                  <a:tcPr>
+                    <a:solidFill>
+                      <a:srgbClr val="002060"/>
+                    </a:solidFill>
+                  </a:tcPr>
+                </a:tc>
+                <a:tc>
+                  <a:txBody>
+                    <a:bodyPr/>
+                    <a:lstStyle/>
+                    <a:p>
+                      <a:pPr algn="ctr" latinLnBrk="1">
+                        <a:defRPr/>
+                      </a:pPr>
+                      <a:endParaRPr lang="ko-KR" altLang="en-US" sz="1200" dirty="0"/>
+                    </a:p>
+                  </a:txBody>
+                  <a:tcPr>
+                    <a:solidFill>
+                      <a:srgbClr val="002060"/>
+                    </a:solidFill>
+                  </a:tcPr>
+                </a:tc>
+                <a:extLst>
+                  <a:ext uri="{0D108BD9-81ED-4DB2-BD59-A6C34878D82A}">
+                    <a16:rowId xmlns:a16="http://schemas.microsoft.com/office/drawing/2014/main" val="3587734108"/>
+                  </a:ext>
+                </a:extLst>
+              </a:tr>
+              <a:tr h="481331">
+                <a:tc>
+                  <a:txBody>
+                    <a:bodyPr/>
+                    <a:lstStyle/>
+                    <a:p>
+                      <a:pPr algn="ctr" latinLnBrk="1">
+                        <a:defRPr/>
+                      </a:pPr>
+                      <a:r>
+                        <a:rPr lang="ko-KR" altLang="en-US" sz="1200" dirty="0" err="1"/>
+                        <a:t>에셋</a:t>
+                      </a:r>
+                      <a:r>
+                        <a:rPr lang="ko-KR" altLang="en-US" sz="1200" dirty="0"/>
+                        <a:t> 제작</a:t>
                       </a:r>
                     </a:p>
                   </a:txBody>
@@ -6783,7 +6990,7 @@
                       <a:pPr algn="ctr" latinLnBrk="1">
                         <a:defRPr/>
                       </a:pPr>
-                      <a:endParaRPr lang="ko-KR" altLang="en-US" sz="1200"/>
+                      <a:endParaRPr lang="ko-KR" altLang="en-US" sz="1200" dirty="0"/>
                     </a:p>
                   </a:txBody>
                   <a:tcPr>
@@ -6800,7 +7007,20 @@
                       <a:pPr algn="ctr" latinLnBrk="1">
                         <a:defRPr/>
                       </a:pPr>
-                      <a:endParaRPr lang="ko-KR" altLang="en-US" sz="1200"/>
+                      <a:endParaRPr lang="ko-KR" altLang="en-US" sz="1200" dirty="0"/>
+                    </a:p>
+                  </a:txBody>
+                  <a:tcPr/>
+                </a:tc>
+                <a:tc>
+                  <a:txBody>
+                    <a:bodyPr/>
+                    <a:lstStyle/>
+                    <a:p>
+                      <a:pPr algn="ctr" latinLnBrk="1">
+                        <a:defRPr/>
+                      </a:pPr>
+                      <a:endParaRPr lang="ko-KR" altLang="en-US" sz="1200" dirty="0"/>
                     </a:p>
                   </a:txBody>
                   <a:tcPr/>
@@ -6826,20 +7046,7 @@
                       <a:pPr algn="ctr" latinLnBrk="1">
                         <a:defRPr/>
                       </a:pPr>
-                      <a:endParaRPr lang="ko-KR" altLang="en-US" sz="1200"/>
-                    </a:p>
-                  </a:txBody>
-                  <a:tcPr/>
-                </a:tc>
-                <a:tc>
-                  <a:txBody>
-                    <a:bodyPr/>
-                    <a:lstStyle/>
-                    <a:p>
-                      <a:pPr algn="ctr" latinLnBrk="1">
-                        <a:defRPr/>
-                      </a:pPr>
-                      <a:endParaRPr lang="ko-KR" altLang="en-US" sz="1200"/>
+                      <a:endParaRPr lang="ko-KR" altLang="en-US" sz="1200" dirty="0"/>
                     </a:p>
                   </a:txBody>
                   <a:tcPr/>
@@ -6860,7 +7067,7 @@
                         <a:defRPr/>
                       </a:pPr>
                       <a:r>
-                        <a:rPr lang="ko-KR" altLang="en-US" sz="1200"/>
+                        <a:rPr lang="ko-KR" altLang="en-US" sz="1200" dirty="0"/>
                         <a:t>기본 게임구현</a:t>
                       </a:r>
                     </a:p>
@@ -6965,7 +7172,7 @@
                       <a:pPr algn="ctr" latinLnBrk="1">
                         <a:defRPr/>
                       </a:pPr>
-                      <a:endParaRPr lang="ko-KR" altLang="en-US" sz="1200"/>
+                      <a:endParaRPr lang="ko-KR" altLang="en-US" sz="1200" dirty="0"/>
                     </a:p>
                   </a:txBody>
                   <a:tcPr/>
@@ -6978,7 +7185,7 @@
                       <a:pPr algn="ctr" latinLnBrk="1">
                         <a:defRPr/>
                       </a:pPr>
-                      <a:endParaRPr lang="ko-KR" altLang="en-US" sz="1200"/>
+                      <a:endParaRPr lang="ko-KR" altLang="en-US" sz="1200" dirty="0"/>
                     </a:p>
                   </a:txBody>
                   <a:tcPr/>
@@ -7843,7 +8050,7 @@
                       <a:pPr algn="ctr" latinLnBrk="1">
                         <a:defRPr/>
                       </a:pPr>
-                      <a:endParaRPr lang="ko-KR" altLang="en-US" sz="1200"/>
+                      <a:endParaRPr lang="ko-KR" altLang="en-US" sz="1200" dirty="0"/>
                     </a:p>
                   </a:txBody>
                   <a:tcPr>
@@ -8064,7 +8271,7 @@
     <mc:Choice Requires="p14">
       <p:transition/>
     </mc:Choice>
-    <mc:Fallback xmlns:dsp="http://schemas.microsoft.com/office/drawing/2008/diagram" xmlns:dgm="http://schemas.openxmlformats.org/drawingml/2006/diagram" xmlns:c="http://schemas.openxmlformats.org/drawingml/2006/chart" xmlns="">
+    <mc:Fallback xmlns="" xmlns:c="http://schemas.openxmlformats.org/drawingml/2006/chart" xmlns:dgm="http://schemas.openxmlformats.org/drawingml/2006/diagram" xmlns:dsp="http://schemas.microsoft.com/office/drawing/2008/diagram">
       <p:transition/>
     </mc:Fallback>
   </mc:AlternateContent>
@@ -8222,7 +8429,7 @@
     <mc:Choice Requires="p14">
       <p:transition/>
     </mc:Choice>
-    <mc:Fallback xmlns="" xmlns:c="http://schemas.openxmlformats.org/drawingml/2006/chart" xmlns:dgm="http://schemas.openxmlformats.org/drawingml/2006/diagram" xmlns:dsp="http://schemas.microsoft.com/office/drawing/2008/diagram">
+    <mc:Fallback xmlns:dsp="http://schemas.microsoft.com/office/drawing/2008/diagram" xmlns:dgm="http://schemas.openxmlformats.org/drawingml/2006/diagram" xmlns:c="http://schemas.openxmlformats.org/drawingml/2006/chart" xmlns="">
       <p:transition/>
     </mc:Fallback>
   </mc:AlternateContent>
@@ -9216,7 +9423,7 @@
     <mc:Choice Requires="p14">
       <p:transition/>
     </mc:Choice>
-    <mc:Fallback xmlns:dsp="http://schemas.microsoft.com/office/drawing/2008/diagram" xmlns:dgm="http://schemas.openxmlformats.org/drawingml/2006/diagram" xmlns:c="http://schemas.openxmlformats.org/drawingml/2006/chart" xmlns="">
+    <mc:Fallback xmlns="" xmlns:c="http://schemas.openxmlformats.org/drawingml/2006/chart" xmlns:dgm="http://schemas.openxmlformats.org/drawingml/2006/diagram" xmlns:dsp="http://schemas.microsoft.com/office/drawing/2008/diagram">
       <p:transition/>
     </mc:Fallback>
   </mc:AlternateContent>
@@ -9558,7 +9765,7 @@
               <a:defRPr/>
             </a:pPr>
             <a:r>
-              <a:rPr lang="en-US" altLang="ko-KR" sz="3000">
+              <a:rPr lang="en-US" altLang="ko-KR" sz="3000" dirty="0">
                 <a:solidFill>
                   <a:schemeClr val="lt1"/>
                 </a:solidFill>
@@ -9568,7 +9775,7 @@
               <a:t>1.</a:t>
             </a:r>
             <a:r>
-              <a:rPr lang="ko-KR" altLang="en-US" sz="3000">
+              <a:rPr lang="ko-KR" altLang="en-US" sz="3000" dirty="0">
                 <a:solidFill>
                   <a:schemeClr val="lt1"/>
                 </a:solidFill>
@@ -9578,7 +9785,7 @@
               <a:t> 학과 수업 중에 배운 지식을 토대로     </a:t>
             </a:r>
             <a:r>
-              <a:rPr lang="en-US" altLang="ko-KR" sz="3000">
+              <a:rPr lang="en-US" altLang="ko-KR" sz="3000" dirty="0">
                 <a:solidFill>
                   <a:schemeClr val="lt1"/>
                 </a:solidFill>
@@ -9588,7 +9795,7 @@
               <a:t>UE5</a:t>
             </a:r>
             <a:r>
-              <a:rPr lang="ko-KR" altLang="en-US" sz="3000">
+              <a:rPr lang="ko-KR" altLang="en-US" sz="3000" dirty="0">
                 <a:solidFill>
                   <a:schemeClr val="lt1"/>
                 </a:solidFill>
@@ -9602,7 +9809,7 @@
             <a:pPr lvl="0">
               <a:defRPr/>
             </a:pPr>
-            <a:endParaRPr lang="ko-KR" altLang="en-US" sz="3000">
+            <a:endParaRPr lang="ko-KR" altLang="en-US" sz="3000" dirty="0">
               <a:solidFill>
                 <a:schemeClr val="lt1"/>
               </a:solidFill>
@@ -9615,7 +9822,7 @@
               <a:defRPr/>
             </a:pPr>
             <a:r>
-              <a:rPr lang="en-US" altLang="ko-KR" sz="3000">
+              <a:rPr lang="en-US" altLang="ko-KR" sz="3000" dirty="0">
                 <a:solidFill>
                   <a:schemeClr val="lt1"/>
                 </a:solidFill>
@@ -9625,7 +9832,7 @@
               <a:t>2.</a:t>
             </a:r>
             <a:r>
-              <a:rPr lang="ko-KR" altLang="en-US" sz="3000">
+              <a:rPr lang="ko-KR" altLang="en-US" sz="3000" dirty="0">
                 <a:solidFill>
                   <a:schemeClr val="lt1"/>
                 </a:solidFill>
@@ -9635,7 +9842,7 @@
               <a:t> </a:t>
             </a:r>
             <a:r>
-              <a:rPr lang="en-US" altLang="ko-KR" sz="3000">
+              <a:rPr lang="en-US" altLang="ko-KR" sz="3000" dirty="0">
                 <a:solidFill>
                   <a:schemeClr val="lt1"/>
                 </a:solidFill>
@@ -9645,7 +9852,7 @@
               <a:t>IOCP </a:t>
             </a:r>
             <a:r>
-              <a:rPr lang="ko-KR" altLang="en-US" sz="3000">
+              <a:rPr lang="ko-KR" altLang="en-US" sz="3000" dirty="0">
                 <a:solidFill>
                   <a:schemeClr val="lt1"/>
                 </a:solidFill>
@@ -9666,7 +9873,7 @@
     <mc:Choice Requires="p14">
       <p:transition/>
     </mc:Choice>
-    <mc:Fallback xmlns:dsp="http://schemas.microsoft.com/office/drawing/2008/diagram" xmlns:dgm="http://schemas.openxmlformats.org/drawingml/2006/diagram" xmlns:c="http://schemas.openxmlformats.org/drawingml/2006/chart" xmlns="">
+    <mc:Fallback xmlns="" xmlns:c="http://schemas.openxmlformats.org/drawingml/2006/chart" xmlns:dgm="http://schemas.openxmlformats.org/drawingml/2006/diagram" xmlns:dsp="http://schemas.microsoft.com/office/drawing/2008/diagram">
       <p:transition/>
     </mc:Fallback>
   </mc:AlternateContent>
@@ -10083,7 +10290,7 @@
     <mc:Choice Requires="p14">
       <p:transition/>
     </mc:Choice>
-    <mc:Fallback xmlns:dsp="http://schemas.microsoft.com/office/drawing/2008/diagram" xmlns:dgm="http://schemas.openxmlformats.org/drawingml/2006/diagram" xmlns:c="http://schemas.openxmlformats.org/drawingml/2006/chart" xmlns="">
+    <mc:Fallback xmlns="" xmlns:c="http://schemas.openxmlformats.org/drawingml/2006/chart" xmlns:dgm="http://schemas.openxmlformats.org/drawingml/2006/diagram" xmlns:dsp="http://schemas.microsoft.com/office/drawing/2008/diagram">
       <p:transition/>
     </mc:Fallback>
   </mc:AlternateContent>
@@ -10583,7 +10790,7 @@
     <mc:Choice Requires="p14">
       <p:transition/>
     </mc:Choice>
-    <mc:Fallback xmlns:dsp="http://schemas.microsoft.com/office/drawing/2008/diagram" xmlns:dgm="http://schemas.openxmlformats.org/drawingml/2006/diagram" xmlns:c="http://schemas.openxmlformats.org/drawingml/2006/chart" xmlns="">
+    <mc:Fallback xmlns="" xmlns:c="http://schemas.openxmlformats.org/drawingml/2006/chart" xmlns:dgm="http://schemas.openxmlformats.org/drawingml/2006/diagram" xmlns:dsp="http://schemas.microsoft.com/office/drawing/2008/diagram">
       <p:transition/>
     </mc:Fallback>
   </mc:AlternateContent>
@@ -11412,7 +11619,7 @@
     <mc:Choice Requires="p14">
       <p:transition/>
     </mc:Choice>
-    <mc:Fallback xmlns:dsp="http://schemas.microsoft.com/office/drawing/2008/diagram" xmlns:dgm="http://schemas.openxmlformats.org/drawingml/2006/diagram" xmlns:c="http://schemas.openxmlformats.org/drawingml/2006/chart" xmlns="">
+    <mc:Fallback xmlns="" xmlns:c="http://schemas.openxmlformats.org/drawingml/2006/chart" xmlns:dgm="http://schemas.openxmlformats.org/drawingml/2006/diagram" xmlns:dsp="http://schemas.microsoft.com/office/drawing/2008/diagram">
       <p:transition/>
     </mc:Fallback>
   </mc:AlternateContent>
@@ -12635,7 +12842,7 @@
     <mc:Choice Requires="p14">
       <p:transition/>
     </mc:Choice>
-    <mc:Fallback xmlns:dsp="http://schemas.microsoft.com/office/drawing/2008/diagram" xmlns:dgm="http://schemas.openxmlformats.org/drawingml/2006/diagram" xmlns:c="http://schemas.openxmlformats.org/drawingml/2006/chart" xmlns="">
+    <mc:Fallback xmlns="" xmlns:c="http://schemas.openxmlformats.org/drawingml/2006/chart" xmlns:dgm="http://schemas.openxmlformats.org/drawingml/2006/diagram" xmlns:dsp="http://schemas.microsoft.com/office/drawing/2008/diagram">
       <p:transition/>
     </mc:Fallback>
   </mc:AlternateContent>
@@ -13854,7 +14061,7 @@
     <mc:Choice Requires="p14">
       <p:transition/>
     </mc:Choice>
-    <mc:Fallback xmlns:dsp="http://schemas.microsoft.com/office/drawing/2008/diagram" xmlns:dgm="http://schemas.openxmlformats.org/drawingml/2006/diagram" xmlns:c="http://schemas.openxmlformats.org/drawingml/2006/chart" xmlns="">
+    <mc:Fallback xmlns="" xmlns:c="http://schemas.openxmlformats.org/drawingml/2006/chart" xmlns:dgm="http://schemas.openxmlformats.org/drawingml/2006/diagram" xmlns:dsp="http://schemas.microsoft.com/office/drawing/2008/diagram">
       <p:transition/>
     </mc:Fallback>
   </mc:AlternateContent>
@@ -14656,7 +14863,7 @@
     <mc:Choice Requires="p14">
       <p:transition/>
     </mc:Choice>
-    <mc:Fallback xmlns:dsp="http://schemas.microsoft.com/office/drawing/2008/diagram" xmlns:dgm="http://schemas.openxmlformats.org/drawingml/2006/diagram" xmlns:c="http://schemas.openxmlformats.org/drawingml/2006/chart" xmlns="">
+    <mc:Fallback xmlns="" xmlns:c="http://schemas.openxmlformats.org/drawingml/2006/chart" xmlns:dgm="http://schemas.openxmlformats.org/drawingml/2006/diagram" xmlns:dsp="http://schemas.microsoft.com/office/drawing/2008/diagram">
       <p:transition/>
     </mc:Fallback>
   </mc:AlternateContent>

--- a/졸업작품 제안서/졸업작품 제안서ver3.pptx
+++ b/졸업작품 제안서/졸업작품 제안서ver3.pptx
@@ -2,10 +2,10 @@
 <file path=ppt/presentation.xml><?xml version="1.0" encoding="utf-8"?>
 <p:presentation xmlns:r="http://schemas.openxmlformats.org/officeDocument/2006/relationships" xmlns:c="http://schemas.openxmlformats.org/drawingml/2006/chart" xmlns:a="http://schemas.openxmlformats.org/drawingml/2006/main" xmlns:dgm="http://schemas.openxmlformats.org/drawingml/2006/diagram" xmlns:dsp="http://schemas.microsoft.com/office/drawing/2008/diagram" xmlns:p="http://schemas.openxmlformats.org/presentationml/2006/main">
   <p:sldMasterIdLst>
-    <p:sldMasterId id="2147483668" r:id="rId1"/>
-    <p:sldMasterId id="2147483669" r:id="rId2"/>
-    <p:sldMasterId id="2147483670" r:id="rId3"/>
-    <p:sldMasterId id="2147483671" r:id="rId4"/>
+    <p:sldMasterId id="2147483740" r:id="rId1"/>
+    <p:sldMasterId id="2147483741" r:id="rId2"/>
+    <p:sldMasterId id="2147483742" r:id="rId3"/>
+    <p:sldMasterId id="2147483743" r:id="rId4"/>
   </p:sldMasterIdLst>
   <p:sldIdLst>
     <p:sldId id="257" r:id="rId5"/>
@@ -18,14 +18,13 @@
     <p:sldId id="277" r:id="rId12"/>
     <p:sldId id="264" r:id="rId13"/>
     <p:sldId id="281" r:id="rId14"/>
-    <p:sldId id="282" r:id="rId15"/>
-    <p:sldId id="280" r:id="rId16"/>
-    <p:sldId id="272" r:id="rId17"/>
-    <p:sldId id="273" r:id="rId18"/>
-    <p:sldId id="274" r:id="rId19"/>
-    <p:sldId id="275" r:id="rId20"/>
-    <p:sldId id="276" r:id="rId21"/>
-    <p:sldId id="263" r:id="rId22"/>
+    <p:sldId id="280" r:id="rId15"/>
+    <p:sldId id="272" r:id="rId16"/>
+    <p:sldId id="273" r:id="rId17"/>
+    <p:sldId id="274" r:id="rId18"/>
+    <p:sldId id="275" r:id="rId19"/>
+    <p:sldId id="276" r:id="rId20"/>
+    <p:sldId id="263" r:id="rId21"/>
   </p:sldIdLst>
   <p:sldSz cx="12192000" cy="6858000"/>
   <p:notesSz cx="6858000" cy="9144000"/>
@@ -129,7 +128,7 @@
 
 <file path=ppt/commentAuthors.xml><?xml version="1.0" encoding="utf-8"?>
 <p:cmAuthorLst xmlns:r="http://schemas.openxmlformats.org/officeDocument/2006/relationships" xmlns:c="http://schemas.openxmlformats.org/drawingml/2006/chart" xmlns:a="http://schemas.openxmlformats.org/drawingml/2006/main" xmlns:dgm="http://schemas.openxmlformats.org/drawingml/2006/diagram" xmlns:dsp="http://schemas.microsoft.com/office/drawing/2008/diagram" xmlns:p="http://schemas.openxmlformats.org/presentationml/2006/main">
-  <p:cmAuthor id="0" name="전태준" initials="전태준" lastIdx="2" clrIdx="0"/>
+  <p:cmAuthor id="0" name="전태준" initials="전태준" lastIdx="3" clrIdx="0"/>
 </p:cmAuthorLst>
 </file>
 
@@ -2301,8 +2300,8 @@
         </p:nvSpPr>
         <p:spPr>
           <a:xfrm>
-            <a:off x="441959" y="1631052"/>
-            <a:ext cx="1602106" cy="824493"/>
+            <a:off x="441960" y="1631052"/>
+            <a:ext cx="1592580" cy="824492"/>
           </a:xfrm>
           <a:prstGeom prst="rect">
             <a:avLst/>
@@ -2349,36 +2348,6 @@
                 <a:ea typeface="나눔스퀘어 Light"/>
               </a:rPr>
               <a:t>무기</a:t>
-            </a:r>
-            <a:r>
-              <a:rPr lang="en-US" altLang="ko-KR" sz="2000">
-                <a:solidFill>
-                  <a:schemeClr val="bg1"/>
-                </a:solidFill>
-                <a:latin typeface="나눔스퀘어 Light"/>
-                <a:ea typeface="나눔스퀘어 Light"/>
-              </a:rPr>
-              <a:t>(</a:t>
-            </a:r>
-            <a:r>
-              <a:rPr lang="ko-KR" altLang="en-US" sz="2000">
-                <a:solidFill>
-                  <a:schemeClr val="bg1"/>
-                </a:solidFill>
-                <a:latin typeface="나눔스퀘어 Light"/>
-                <a:ea typeface="나눔스퀘어 Light"/>
-              </a:rPr>
-              <a:t>원거리</a:t>
-            </a:r>
-            <a:r>
-              <a:rPr lang="en-US" altLang="ko-KR" sz="2000">
-                <a:solidFill>
-                  <a:schemeClr val="bg1"/>
-                </a:solidFill>
-                <a:latin typeface="나눔스퀘어 Light"/>
-                <a:ea typeface="나눔스퀘어 Light"/>
-              </a:rPr>
-              <a:t>)</a:t>
             </a:r>
             <a:endParaRPr lang="en-US" altLang="ko-KR" sz="2000">
               <a:solidFill>
@@ -2425,180 +2394,6 @@
           </a:fontRef>
         </p:style>
       </p:cxnSp>
-      <p:cxnSp>
-        <p:nvCxnSpPr>
-          <p:cNvPr id="22" name="직선 연결선 21"/>
-          <p:cNvCxnSpPr/>
-          <p:nvPr/>
-        </p:nvCxnSpPr>
-        <p:spPr>
-          <a:xfrm>
-            <a:off x="5274650" y="6680199"/>
-            <a:ext cx="360000" cy="0"/>
-          </a:xfrm>
-          <a:prstGeom prst="line">
-            <a:avLst/>
-          </a:prstGeom>
-          <a:ln w="44450" cap="rnd">
-            <a:solidFill>
-              <a:schemeClr val="accent1">
-                <a:lumMod val="50000"/>
-              </a:schemeClr>
-            </a:solidFill>
-          </a:ln>
-          <a:effectLst>
-            <a:outerShdw blurRad="50800" dist="38100" dir="5400000" algn="t" rotWithShape="0">
-              <a:prstClr val="black">
-                <a:alpha val="70000"/>
-              </a:prstClr>
-            </a:outerShdw>
-          </a:effectLst>
-        </p:spPr>
-        <p:style>
-          <a:lnRef idx="1">
-            <a:schemeClr val="accent1"/>
-          </a:lnRef>
-          <a:fillRef idx="0">
-            <a:schemeClr val="accent1"/>
-          </a:fillRef>
-          <a:effectRef idx="0">
-            <a:schemeClr val="accent1"/>
-          </a:effectRef>
-          <a:fontRef idx="minor">
-            <a:schemeClr val="tx1"/>
-          </a:fontRef>
-        </p:style>
-      </p:cxnSp>
-      <p:cxnSp>
-        <p:nvCxnSpPr>
-          <p:cNvPr id="23" name="직선 연결선 22"/>
-          <p:cNvCxnSpPr/>
-          <p:nvPr/>
-        </p:nvCxnSpPr>
-        <p:spPr>
-          <a:xfrm>
-            <a:off x="5702217" y="6680199"/>
-            <a:ext cx="360000" cy="0"/>
-          </a:xfrm>
-          <a:prstGeom prst="line">
-            <a:avLst/>
-          </a:prstGeom>
-          <a:ln w="44450" cap="rnd">
-            <a:solidFill>
-              <a:schemeClr val="accent1">
-                <a:lumMod val="50000"/>
-              </a:schemeClr>
-            </a:solidFill>
-          </a:ln>
-          <a:effectLst>
-            <a:outerShdw blurRad="50800" dist="38100" dir="5400000" algn="t" rotWithShape="0">
-              <a:prstClr val="black">
-                <a:alpha val="70000"/>
-              </a:prstClr>
-            </a:outerShdw>
-          </a:effectLst>
-        </p:spPr>
-        <p:style>
-          <a:lnRef idx="1">
-            <a:schemeClr val="accent1"/>
-          </a:lnRef>
-          <a:fillRef idx="0">
-            <a:schemeClr val="accent1"/>
-          </a:fillRef>
-          <a:effectRef idx="0">
-            <a:schemeClr val="accent1"/>
-          </a:effectRef>
-          <a:fontRef idx="minor">
-            <a:schemeClr val="tx1"/>
-          </a:fontRef>
-        </p:style>
-      </p:cxnSp>
-      <p:cxnSp>
-        <p:nvCxnSpPr>
-          <p:cNvPr id="24" name="직선 연결선 23"/>
-          <p:cNvCxnSpPr/>
-          <p:nvPr/>
-        </p:nvCxnSpPr>
-        <p:spPr>
-          <a:xfrm>
-            <a:off x="6129784" y="6680199"/>
-            <a:ext cx="360000" cy="0"/>
-          </a:xfrm>
-          <a:prstGeom prst="line">
-            <a:avLst/>
-          </a:prstGeom>
-          <a:ln w="44450" cap="rnd">
-            <a:solidFill>
-              <a:schemeClr val="accent1">
-                <a:lumMod val="50000"/>
-              </a:schemeClr>
-            </a:solidFill>
-          </a:ln>
-          <a:effectLst>
-            <a:outerShdw blurRad="50800" dist="38100" dir="5400000" algn="t" rotWithShape="0">
-              <a:prstClr val="black">
-                <a:alpha val="70000"/>
-              </a:prstClr>
-            </a:outerShdw>
-          </a:effectLst>
-        </p:spPr>
-        <p:style>
-          <a:lnRef idx="1">
-            <a:schemeClr val="accent1"/>
-          </a:lnRef>
-          <a:fillRef idx="0">
-            <a:schemeClr val="accent1"/>
-          </a:fillRef>
-          <a:effectRef idx="0">
-            <a:schemeClr val="accent1"/>
-          </a:effectRef>
-          <a:fontRef idx="minor">
-            <a:schemeClr val="tx1"/>
-          </a:fontRef>
-        </p:style>
-      </p:cxnSp>
-      <p:cxnSp>
-        <p:nvCxnSpPr>
-          <p:cNvPr id="25" name="직선 연결선 24"/>
-          <p:cNvCxnSpPr/>
-          <p:nvPr/>
-        </p:nvCxnSpPr>
-        <p:spPr>
-          <a:xfrm>
-            <a:off x="6557350" y="6680199"/>
-            <a:ext cx="360000" cy="0"/>
-          </a:xfrm>
-          <a:prstGeom prst="line">
-            <a:avLst/>
-          </a:prstGeom>
-          <a:ln w="44450" cap="rnd">
-            <a:solidFill>
-              <a:schemeClr val="accent1"/>
-            </a:solidFill>
-          </a:ln>
-          <a:effectLst>
-            <a:outerShdw blurRad="50800" dist="38100" dir="5400000" algn="t" rotWithShape="0">
-              <a:prstClr val="black">
-                <a:alpha val="70000"/>
-              </a:prstClr>
-            </a:outerShdw>
-          </a:effectLst>
-        </p:spPr>
-        <p:style>
-          <a:lnRef idx="1">
-            <a:schemeClr val="accent1"/>
-          </a:lnRef>
-          <a:fillRef idx="0">
-            <a:schemeClr val="accent1"/>
-          </a:fillRef>
-          <a:effectRef idx="0">
-            <a:schemeClr val="accent1"/>
-          </a:effectRef>
-          <a:fontRef idx="minor">
-            <a:schemeClr val="tx1"/>
-          </a:fontRef>
-        </p:style>
-      </p:cxnSp>
       <p:pic>
         <p:nvPicPr>
           <p:cNvPr id="1026" name="Picture 2" descr="sf gun"/>
@@ -2616,7 +2411,7 @@
         </p:blipFill>
         <p:spPr>
           <a:xfrm>
-            <a:off x="2881277" y="1120615"/>
+            <a:off x="3006353" y="572205"/>
             <a:ext cx="2160270" cy="1800225"/>
           </a:xfrm>
           <a:prstGeom prst="rect">
@@ -2642,7 +2437,7 @@
         </p:blipFill>
         <p:spPr>
           <a:xfrm>
-            <a:off x="2714553" y="2637504"/>
+            <a:off x="2887735" y="2483564"/>
             <a:ext cx="2160270" cy="1440180"/>
           </a:xfrm>
           <a:prstGeom prst="rect">
@@ -2668,7 +2463,7 @@
         </p:blipFill>
         <p:spPr>
           <a:xfrm>
-            <a:off x="2823566" y="4206823"/>
+            <a:off x="2871671" y="4380005"/>
             <a:ext cx="2160270" cy="1440180"/>
           </a:xfrm>
           <a:prstGeom prst="rect">
@@ -2685,8 +2480,8 @@
         </p:nvSpPr>
         <p:spPr>
           <a:xfrm>
-            <a:off x="6904182" y="1629833"/>
-            <a:ext cx="2463031" cy="358987"/>
+            <a:off x="7115847" y="590741"/>
+            <a:ext cx="3646442" cy="1455998"/>
           </a:xfrm>
           <a:prstGeom prst="rect">
             <a:avLst/>
@@ -2720,6 +2515,142 @@
               </a:solidFill>
             </a:endParaRPr>
           </a:p>
+          <a:p>
+            <a:pPr>
+              <a:defRPr/>
+            </a:pPr>
+            <a:r>
+              <a:rPr lang="ko-KR" altLang="en-US">
+                <a:solidFill>
+                  <a:schemeClr val="lt1"/>
+                </a:solidFill>
+              </a:rPr>
+              <a:t>타입</a:t>
+            </a:r>
+            <a:r>
+              <a:rPr lang="en-US" altLang="ko-KR">
+                <a:solidFill>
+                  <a:schemeClr val="lt1"/>
+                </a:solidFill>
+              </a:rPr>
+              <a:t>:</a:t>
+            </a:r>
+            <a:r>
+              <a:rPr lang="ko-KR" altLang="en-US">
+                <a:solidFill>
+                  <a:schemeClr val="lt1"/>
+                </a:solidFill>
+              </a:rPr>
+              <a:t> 자동소총</a:t>
+            </a:r>
+            <a:endParaRPr lang="ko-KR" altLang="en-US">
+              <a:solidFill>
+                <a:schemeClr val="lt1"/>
+              </a:solidFill>
+            </a:endParaRPr>
+          </a:p>
+          <a:p>
+            <a:pPr>
+              <a:defRPr/>
+            </a:pPr>
+            <a:r>
+              <a:rPr lang="ko-KR" altLang="en-US">
+                <a:solidFill>
+                  <a:schemeClr val="lt1"/>
+                </a:solidFill>
+              </a:rPr>
+              <a:t>데미지</a:t>
+            </a:r>
+            <a:r>
+              <a:rPr lang="en-US" altLang="ko-KR">
+                <a:solidFill>
+                  <a:schemeClr val="lt1"/>
+                </a:solidFill>
+              </a:rPr>
+              <a:t>:</a:t>
+            </a:r>
+            <a:r>
+              <a:rPr lang="ko-KR" altLang="en-US">
+                <a:solidFill>
+                  <a:schemeClr val="lt1"/>
+                </a:solidFill>
+              </a:rPr>
+              <a:t>★★☆☆☆</a:t>
+            </a:r>
+            <a:endParaRPr lang="ko-KR" altLang="en-US">
+              <a:solidFill>
+                <a:schemeClr val="lt1"/>
+              </a:solidFill>
+            </a:endParaRPr>
+          </a:p>
+          <a:p>
+            <a:pPr>
+              <a:defRPr/>
+            </a:pPr>
+            <a:r>
+              <a:rPr lang="ko-KR" altLang="en-US">
+                <a:solidFill>
+                  <a:schemeClr val="lt1"/>
+                </a:solidFill>
+              </a:rPr>
+              <a:t>사거리</a:t>
+            </a:r>
+            <a:r>
+              <a:rPr lang="en-US" altLang="ko-KR">
+                <a:solidFill>
+                  <a:schemeClr val="lt1"/>
+                </a:solidFill>
+              </a:rPr>
+              <a:t>:</a:t>
+            </a:r>
+            <a:r>
+              <a:rPr lang="ko-KR" altLang="en-US">
+                <a:solidFill>
+                  <a:schemeClr val="lt1"/>
+                </a:solidFill>
+              </a:rPr>
+              <a:t>★★★★☆</a:t>
+            </a:r>
+            <a:endParaRPr lang="ko-KR" altLang="en-US">
+              <a:solidFill>
+                <a:schemeClr val="lt1"/>
+              </a:solidFill>
+            </a:endParaRPr>
+          </a:p>
+          <a:p>
+            <a:pPr>
+              <a:defRPr/>
+            </a:pPr>
+            <a:r>
+              <a:rPr lang="ko-KR" altLang="en-US">
+                <a:solidFill>
+                  <a:schemeClr val="lt1"/>
+                </a:solidFill>
+              </a:rPr>
+              <a:t>연사속도</a:t>
+            </a:r>
+            <a:r>
+              <a:rPr lang="en-US" altLang="ko-KR">
+                <a:solidFill>
+                  <a:schemeClr val="lt1"/>
+                </a:solidFill>
+              </a:rPr>
+              <a:t>:</a:t>
+            </a:r>
+            <a:r>
+              <a:rPr lang="ko-KR" altLang="en-US">
+                <a:solidFill>
+                  <a:schemeClr val="lt1"/>
+                </a:solidFill>
+              </a:rPr>
+              <a:t>★★★☆</a:t>
+            </a:r>
+            <a:endParaRPr lang="ko-KR" altLang="en-US">
+              <a:solidFill>
+                <a:schemeClr val="lt1"/>
+              </a:solidFill>
+            </a:endParaRPr>
+          </a:p>
         </p:txBody>
       </p:sp>
       <p:sp>
@@ -2730,8 +2661,8 @@
         </p:nvSpPr>
         <p:spPr>
           <a:xfrm>
-            <a:off x="7162414" y="3070013"/>
-            <a:ext cx="2463032" cy="366607"/>
+            <a:off x="7104685" y="2274772"/>
+            <a:ext cx="3636820" cy="1733348"/>
           </a:xfrm>
           <a:prstGeom prst="rect">
             <a:avLst/>
@@ -2765,6 +2696,176 @@
               </a:solidFill>
             </a:endParaRPr>
           </a:p>
+          <a:p>
+            <a:pPr>
+              <a:defRPr/>
+            </a:pPr>
+            <a:r>
+              <a:rPr lang="ko-KR" altLang="en-US">
+                <a:solidFill>
+                  <a:schemeClr val="lt1"/>
+                </a:solidFill>
+              </a:rPr>
+              <a:t>타입</a:t>
+            </a:r>
+            <a:r>
+              <a:rPr lang="en-US" altLang="ko-KR">
+                <a:solidFill>
+                  <a:schemeClr val="lt1"/>
+                </a:solidFill>
+              </a:rPr>
+              <a:t>:</a:t>
+            </a:r>
+            <a:r>
+              <a:rPr lang="ko-KR" altLang="en-US">
+                <a:solidFill>
+                  <a:schemeClr val="lt1"/>
+                </a:solidFill>
+              </a:rPr>
+              <a:t> 자동소총</a:t>
+            </a:r>
+            <a:endParaRPr lang="ko-KR" altLang="en-US">
+              <a:solidFill>
+                <a:schemeClr val="lt1"/>
+              </a:solidFill>
+            </a:endParaRPr>
+          </a:p>
+          <a:p>
+            <a:pPr>
+              <a:defRPr/>
+            </a:pPr>
+            <a:r>
+              <a:rPr lang="ko-KR" altLang="en-US">
+                <a:solidFill>
+                  <a:schemeClr val="lt1"/>
+                </a:solidFill>
+              </a:rPr>
+              <a:t>데미지</a:t>
+            </a:r>
+            <a:r>
+              <a:rPr lang="en-US" altLang="ko-KR">
+                <a:solidFill>
+                  <a:schemeClr val="lt1"/>
+                </a:solidFill>
+              </a:rPr>
+              <a:t>:</a:t>
+            </a:r>
+            <a:r>
+              <a:rPr lang="ko-KR" altLang="en-US">
+                <a:solidFill>
+                  <a:schemeClr val="lt1"/>
+                </a:solidFill>
+              </a:rPr>
+              <a:t>★★★★☆ </a:t>
+            </a:r>
+            <a:endParaRPr lang="ko-KR" altLang="en-US">
+              <a:solidFill>
+                <a:schemeClr val="lt1"/>
+              </a:solidFill>
+            </a:endParaRPr>
+          </a:p>
+          <a:p>
+            <a:pPr>
+              <a:defRPr/>
+            </a:pPr>
+            <a:r>
+              <a:rPr lang="en-US" altLang="ko-KR">
+                <a:solidFill>
+                  <a:schemeClr val="lt1"/>
+                </a:solidFill>
+              </a:rPr>
+              <a:t>(</a:t>
+            </a:r>
+            <a:r>
+              <a:rPr lang="ko-KR" altLang="en-US">
+                <a:solidFill>
+                  <a:schemeClr val="lt1"/>
+                </a:solidFill>
+              </a:rPr>
+              <a:t>멀어진 거리에따라 대미지 감소</a:t>
+            </a:r>
+            <a:r>
+              <a:rPr lang="en-US" altLang="ko-KR">
+                <a:solidFill>
+                  <a:schemeClr val="lt1"/>
+                </a:solidFill>
+              </a:rPr>
+              <a:t>)</a:t>
+            </a:r>
+            <a:endParaRPr lang="en-US" altLang="ko-KR">
+              <a:solidFill>
+                <a:schemeClr val="lt1"/>
+              </a:solidFill>
+            </a:endParaRPr>
+          </a:p>
+          <a:p>
+            <a:pPr>
+              <a:defRPr/>
+            </a:pPr>
+            <a:r>
+              <a:rPr lang="ko-KR" altLang="en-US">
+                <a:solidFill>
+                  <a:schemeClr val="lt1"/>
+                </a:solidFill>
+              </a:rPr>
+              <a:t>사거리</a:t>
+            </a:r>
+            <a:r>
+              <a:rPr lang="en-US" altLang="ko-KR">
+                <a:solidFill>
+                  <a:schemeClr val="lt1"/>
+                </a:solidFill>
+              </a:rPr>
+              <a:t>:</a:t>
+            </a:r>
+            <a:r>
+              <a:rPr lang="ko-KR" altLang="en-US">
+                <a:solidFill>
+                  <a:schemeClr val="lt1"/>
+                </a:solidFill>
+              </a:rPr>
+              <a:t>★★★★☆</a:t>
+            </a:r>
+            <a:endParaRPr lang="ko-KR" altLang="en-US">
+              <a:solidFill>
+                <a:schemeClr val="lt1"/>
+              </a:solidFill>
+            </a:endParaRPr>
+          </a:p>
+          <a:p>
+            <a:pPr>
+              <a:defRPr/>
+            </a:pPr>
+            <a:r>
+              <a:rPr lang="ko-KR" altLang="en-US">
+                <a:solidFill>
+                  <a:schemeClr val="lt1"/>
+                </a:solidFill>
+              </a:rPr>
+              <a:t>연사속도</a:t>
+            </a:r>
+            <a:r>
+              <a:rPr lang="en-US" altLang="ko-KR">
+                <a:solidFill>
+                  <a:schemeClr val="lt1"/>
+                </a:solidFill>
+              </a:rPr>
+              <a:t>:</a:t>
+            </a:r>
+            <a:r>
+              <a:rPr lang="ko-KR" altLang="en-US">
+                <a:solidFill>
+                  <a:schemeClr val="lt1"/>
+                </a:solidFill>
+              </a:rPr>
+              <a:t>★★☆☆☆</a:t>
+            </a:r>
+            <a:endParaRPr lang="ko-KR" altLang="en-US">
+              <a:solidFill>
+                <a:schemeClr val="lt1"/>
+              </a:solidFill>
+            </a:endParaRPr>
+          </a:p>
         </p:txBody>
       </p:sp>
       <p:sp>
@@ -2775,8 +2876,8 @@
         </p:nvSpPr>
         <p:spPr>
           <a:xfrm>
-            <a:off x="7189738" y="4569383"/>
-            <a:ext cx="2463032" cy="366607"/>
+            <a:off x="7064660" y="4223019"/>
+            <a:ext cx="3742654" cy="2013951"/>
           </a:xfrm>
           <a:prstGeom prst="rect">
             <a:avLst/>
@@ -2803,6 +2904,197 @@
                 </a:solidFill>
               </a:rPr>
               <a:t>로켓 런처</a:t>
+            </a:r>
+            <a:endParaRPr lang="ko-KR" altLang="en-US">
+              <a:solidFill>
+                <a:schemeClr val="lt1"/>
+              </a:solidFill>
+            </a:endParaRPr>
+          </a:p>
+          <a:p>
+            <a:pPr>
+              <a:defRPr/>
+            </a:pPr>
+            <a:r>
+              <a:rPr lang="ko-KR" altLang="en-US">
+                <a:solidFill>
+                  <a:schemeClr val="lt1"/>
+                </a:solidFill>
+              </a:rPr>
+              <a:t>타입</a:t>
+            </a:r>
+            <a:r>
+              <a:rPr lang="en-US" altLang="ko-KR">
+                <a:solidFill>
+                  <a:schemeClr val="lt1"/>
+                </a:solidFill>
+              </a:rPr>
+              <a:t>:</a:t>
+            </a:r>
+            <a:r>
+              <a:rPr lang="ko-KR" altLang="en-US">
+                <a:solidFill>
+                  <a:schemeClr val="lt1"/>
+                </a:solidFill>
+              </a:rPr>
+              <a:t> 수동소총</a:t>
+            </a:r>
+            <a:endParaRPr lang="ko-KR" altLang="en-US">
+              <a:solidFill>
+                <a:schemeClr val="lt1"/>
+              </a:solidFill>
+            </a:endParaRPr>
+          </a:p>
+          <a:p>
+            <a:pPr>
+              <a:defRPr/>
+            </a:pPr>
+            <a:r>
+              <a:rPr lang="ko-KR" altLang="en-US">
+                <a:solidFill>
+                  <a:schemeClr val="lt1"/>
+                </a:solidFill>
+              </a:rPr>
+              <a:t>데미지</a:t>
+            </a:r>
+            <a:r>
+              <a:rPr lang="en-US" altLang="ko-KR">
+                <a:solidFill>
+                  <a:schemeClr val="lt1"/>
+                </a:solidFill>
+              </a:rPr>
+              <a:t>:</a:t>
+            </a:r>
+            <a:r>
+              <a:rPr lang="ko-KR" altLang="en-US">
+                <a:solidFill>
+                  <a:schemeClr val="lt1"/>
+                </a:solidFill>
+              </a:rPr>
+              <a:t>★★★★★ </a:t>
+            </a:r>
+            <a:endParaRPr lang="ko-KR" altLang="en-US">
+              <a:solidFill>
+                <a:schemeClr val="lt1"/>
+              </a:solidFill>
+            </a:endParaRPr>
+          </a:p>
+          <a:p>
+            <a:pPr>
+              <a:defRPr/>
+            </a:pPr>
+            <a:r>
+              <a:rPr lang="en-US" altLang="ko-KR">
+                <a:solidFill>
+                  <a:schemeClr val="lt1"/>
+                </a:solidFill>
+              </a:rPr>
+              <a:t>(</a:t>
+            </a:r>
+            <a:r>
+              <a:rPr lang="ko-KR" altLang="en-US">
+                <a:solidFill>
+                  <a:schemeClr val="lt1"/>
+                </a:solidFill>
+              </a:rPr>
+              <a:t>방사형 데미지로 타격 임팩트 중심점을 기준으로 점점 데미지 감소</a:t>
+            </a:r>
+            <a:r>
+              <a:rPr lang="en-US" altLang="ko-KR">
+                <a:solidFill>
+                  <a:schemeClr val="lt1"/>
+                </a:solidFill>
+              </a:rPr>
+              <a:t>)</a:t>
+            </a:r>
+            <a:br>
+              <a:rPr lang="ko-KR" altLang="en-US">
+                <a:solidFill>
+                  <a:schemeClr val="lt1"/>
+                </a:solidFill>
+              </a:rPr>
+            </a:br>
+            <a:r>
+              <a:rPr lang="ko-KR" altLang="en-US">
+                <a:solidFill>
+                  <a:schemeClr val="lt1"/>
+                </a:solidFill>
+              </a:rPr>
+              <a:t>사거리</a:t>
+            </a:r>
+            <a:r>
+              <a:rPr lang="en-US" altLang="ko-KR">
+                <a:solidFill>
+                  <a:schemeClr val="lt1"/>
+                </a:solidFill>
+              </a:rPr>
+              <a:t>:</a:t>
+            </a:r>
+            <a:r>
+              <a:rPr lang="ko-KR" altLang="en-US">
+                <a:solidFill>
+                  <a:schemeClr val="lt1"/>
+                </a:solidFill>
+              </a:rPr>
+              <a:t>★★★★★</a:t>
+            </a:r>
+            <a:r>
+              <a:rPr lang="en-US" altLang="ko-KR">
+                <a:solidFill>
+                  <a:schemeClr val="lt1"/>
+                </a:solidFill>
+              </a:rPr>
+              <a:t>(</a:t>
+            </a:r>
+            <a:r>
+              <a:rPr lang="ko-KR" altLang="en-US">
+                <a:solidFill>
+                  <a:schemeClr val="lt1"/>
+                </a:solidFill>
+              </a:rPr>
+              <a:t>포물선</a:t>
+            </a:r>
+            <a:r>
+              <a:rPr lang="en-US" altLang="ko-KR">
+                <a:solidFill>
+                  <a:schemeClr val="lt1"/>
+                </a:solidFill>
+              </a:rPr>
+              <a:t>)</a:t>
+            </a:r>
+            <a:endParaRPr lang="en-US" altLang="ko-KR">
+              <a:solidFill>
+                <a:schemeClr val="lt1"/>
+              </a:solidFill>
+            </a:endParaRPr>
+          </a:p>
+          <a:p>
+            <a:pPr>
+              <a:defRPr/>
+            </a:pPr>
+            <a:r>
+              <a:rPr lang="ko-KR" altLang="en-US">
+                <a:solidFill>
+                  <a:schemeClr val="lt1"/>
+                </a:solidFill>
+              </a:rPr>
+              <a:t>연사속도</a:t>
+            </a:r>
+            <a:r>
+              <a:rPr lang="en-US" altLang="ko-KR">
+                <a:solidFill>
+                  <a:schemeClr val="lt1"/>
+                </a:solidFill>
+              </a:rPr>
+              <a:t>:</a:t>
+            </a:r>
+            <a:r>
+              <a:rPr lang="ko-KR" altLang="en-US">
+                <a:solidFill>
+                  <a:schemeClr val="lt1"/>
+                </a:solidFill>
+              </a:rPr>
+              <a:t>★☆☆☆☆</a:t>
             </a:r>
             <a:endParaRPr lang="ko-KR" altLang="en-US">
               <a:solidFill>
@@ -2829,497 +3121,6 @@
 </file>
 
 <file path=ppt/slides/slide11.xml><?xml version="1.0" encoding="utf-8"?>
-<p:sld xmlns:r="http://schemas.openxmlformats.org/officeDocument/2006/relationships" xmlns:c="http://schemas.openxmlformats.org/drawingml/2006/chart" xmlns:a="http://schemas.openxmlformats.org/drawingml/2006/main" xmlns:dgm="http://schemas.openxmlformats.org/drawingml/2006/diagram" xmlns:dsp="http://schemas.microsoft.com/office/drawing/2008/diagram" xmlns:p="http://schemas.openxmlformats.org/presentationml/2006/main">
-  <p:cSld>
-    <p:spTree>
-      <p:nvGrpSpPr>
-        <p:cNvPr id="1" name=""/>
-        <p:cNvGrpSpPr/>
-        <p:nvPr/>
-      </p:nvGrpSpPr>
-      <p:grpSpPr>
-        <a:xfrm>
-          <a:off x="0" y="0"/>
-          <a:ext cx="0" cy="0"/>
-          <a:chOff x="0" y="0"/>
-          <a:chExt cx="0" cy="0"/>
-        </a:xfrm>
-      </p:grpSpPr>
-      <p:sp>
-        <p:nvSpPr>
-          <p:cNvPr id="4" name="TextBox 3"/>
-          <p:cNvSpPr txBox="1"/>
-          <p:nvPr/>
-        </p:nvSpPr>
-        <p:spPr>
-          <a:xfrm>
-            <a:off x="829565" y="816039"/>
-            <a:ext cx="1062100" cy="1001331"/>
-          </a:xfrm>
-          <a:prstGeom prst="rect">
-            <a:avLst/>
-          </a:prstGeom>
-          <a:noFill/>
-        </p:spPr>
-        <p:txBody>
-          <a:bodyPr wrap="none">
-            <a:spAutoFit/>
-          </a:bodyPr>
-          <a:lstStyle/>
-          <a:p>
-            <a:pPr lvl="0">
-              <a:defRPr/>
-            </a:pPr>
-            <a:r>
-              <a:rPr lang="en-US" altLang="ko-KR" sz="6000">
-                <a:solidFill>
-                  <a:schemeClr val="bg1"/>
-                </a:solidFill>
-                <a:latin typeface="나눔스퀘어 Light"/>
-                <a:ea typeface="나눔스퀘어 Light"/>
-              </a:rPr>
-              <a:t>03</a:t>
-            </a:r>
-            <a:endParaRPr lang="en-US" altLang="ko-KR" sz="6000">
-              <a:solidFill>
-                <a:schemeClr val="bg1"/>
-              </a:solidFill>
-              <a:latin typeface="나눔스퀘어 Light"/>
-              <a:ea typeface="나눔스퀘어 Light"/>
-            </a:endParaRPr>
-          </a:p>
-        </p:txBody>
-      </p:sp>
-      <p:sp>
-        <p:nvSpPr>
-          <p:cNvPr id="5" name="TextBox 4"/>
-          <p:cNvSpPr txBox="1"/>
-          <p:nvPr/>
-        </p:nvSpPr>
-        <p:spPr>
-          <a:xfrm>
-            <a:off x="451485" y="1631052"/>
-            <a:ext cx="1592580" cy="824493"/>
-          </a:xfrm>
-          <a:prstGeom prst="rect">
-            <a:avLst/>
-          </a:prstGeom>
-          <a:noFill/>
-        </p:spPr>
-        <p:txBody>
-          <a:bodyPr wrap="none">
-            <a:spAutoFit/>
-          </a:bodyPr>
-          <a:lstStyle/>
-          <a:p>
-            <a:pPr algn="ctr">
-              <a:defRPr/>
-            </a:pPr>
-            <a:r>
-              <a:rPr lang="ko-KR" altLang="en-US" sz="2800">
-                <a:solidFill>
-                  <a:schemeClr val="bg1"/>
-                </a:solidFill>
-                <a:latin typeface="나눔스퀘어 Light"/>
-                <a:ea typeface="나눔스퀘어 Light"/>
-              </a:rPr>
-              <a:t>게임소개</a:t>
-            </a:r>
-            <a:endParaRPr lang="ko-KR" altLang="en-US" sz="2800">
-              <a:solidFill>
-                <a:schemeClr val="bg1"/>
-              </a:solidFill>
-              <a:latin typeface="나눔스퀘어 Light"/>
-              <a:ea typeface="나눔스퀘어 Light"/>
-            </a:endParaRPr>
-          </a:p>
-          <a:p>
-            <a:pPr algn="ctr">
-              <a:defRPr/>
-            </a:pPr>
-            <a:r>
-              <a:rPr lang="ko-KR" altLang="en-US" sz="2000">
-                <a:solidFill>
-                  <a:schemeClr val="bg1"/>
-                </a:solidFill>
-                <a:latin typeface="나눔스퀘어 Light"/>
-                <a:ea typeface="나눔스퀘어 Light"/>
-              </a:rPr>
-              <a:t>무기</a:t>
-            </a:r>
-            <a:endParaRPr lang="ko-KR" altLang="en-US" sz="2000">
-              <a:solidFill>
-                <a:schemeClr val="bg1"/>
-              </a:solidFill>
-              <a:latin typeface="나눔스퀘어 Light"/>
-              <a:ea typeface="나눔스퀘어 Light"/>
-            </a:endParaRPr>
-          </a:p>
-        </p:txBody>
-      </p:sp>
-      <p:cxnSp>
-        <p:nvCxnSpPr>
-          <p:cNvPr id="13" name="직선 연결선 12"/>
-          <p:cNvCxnSpPr/>
-          <p:nvPr/>
-        </p:nvCxnSpPr>
-        <p:spPr>
-          <a:xfrm>
-            <a:off x="1190739" y="780737"/>
-            <a:ext cx="360000" cy="0"/>
-          </a:xfrm>
-          <a:prstGeom prst="line">
-            <a:avLst/>
-          </a:prstGeom>
-          <a:ln w="19050">
-            <a:solidFill>
-              <a:schemeClr val="bg1"/>
-            </a:solidFill>
-          </a:ln>
-        </p:spPr>
-        <p:style>
-          <a:lnRef idx="1">
-            <a:schemeClr val="accent1"/>
-          </a:lnRef>
-          <a:fillRef idx="0">
-            <a:schemeClr val="accent1"/>
-          </a:fillRef>
-          <a:effectRef idx="0">
-            <a:schemeClr val="accent1"/>
-          </a:effectRef>
-          <a:fontRef idx="minor">
-            <a:schemeClr val="tx1"/>
-          </a:fontRef>
-        </p:style>
-      </p:cxnSp>
-      <p:cxnSp>
-        <p:nvCxnSpPr>
-          <p:cNvPr id="22" name="직선 연결선 21"/>
-          <p:cNvCxnSpPr/>
-          <p:nvPr/>
-        </p:nvCxnSpPr>
-        <p:spPr>
-          <a:xfrm>
-            <a:off x="5274650" y="6680199"/>
-            <a:ext cx="360000" cy="0"/>
-          </a:xfrm>
-          <a:prstGeom prst="line">
-            <a:avLst/>
-          </a:prstGeom>
-          <a:ln w="44450" cap="rnd">
-            <a:solidFill>
-              <a:schemeClr val="accent1">
-                <a:lumMod val="50000"/>
-              </a:schemeClr>
-            </a:solidFill>
-          </a:ln>
-          <a:effectLst>
-            <a:outerShdw blurRad="50800" dist="38100" dir="5400000" algn="t" rotWithShape="0">
-              <a:prstClr val="black">
-                <a:alpha val="70000"/>
-              </a:prstClr>
-            </a:outerShdw>
-          </a:effectLst>
-        </p:spPr>
-        <p:style>
-          <a:lnRef idx="1">
-            <a:schemeClr val="accent1"/>
-          </a:lnRef>
-          <a:fillRef idx="0">
-            <a:schemeClr val="accent1"/>
-          </a:fillRef>
-          <a:effectRef idx="0">
-            <a:schemeClr val="accent1"/>
-          </a:effectRef>
-          <a:fontRef idx="minor">
-            <a:schemeClr val="tx1"/>
-          </a:fontRef>
-        </p:style>
-      </p:cxnSp>
-      <p:cxnSp>
-        <p:nvCxnSpPr>
-          <p:cNvPr id="23" name="직선 연결선 22"/>
-          <p:cNvCxnSpPr/>
-          <p:nvPr/>
-        </p:nvCxnSpPr>
-        <p:spPr>
-          <a:xfrm>
-            <a:off x="5702217" y="6680199"/>
-            <a:ext cx="360000" cy="0"/>
-          </a:xfrm>
-          <a:prstGeom prst="line">
-            <a:avLst/>
-          </a:prstGeom>
-          <a:ln w="44450" cap="rnd">
-            <a:solidFill>
-              <a:schemeClr val="accent1">
-                <a:lumMod val="50000"/>
-              </a:schemeClr>
-            </a:solidFill>
-          </a:ln>
-          <a:effectLst>
-            <a:outerShdw blurRad="50800" dist="38100" dir="5400000" algn="t" rotWithShape="0">
-              <a:prstClr val="black">
-                <a:alpha val="70000"/>
-              </a:prstClr>
-            </a:outerShdw>
-          </a:effectLst>
-        </p:spPr>
-        <p:style>
-          <a:lnRef idx="1">
-            <a:schemeClr val="accent1"/>
-          </a:lnRef>
-          <a:fillRef idx="0">
-            <a:schemeClr val="accent1"/>
-          </a:fillRef>
-          <a:effectRef idx="0">
-            <a:schemeClr val="accent1"/>
-          </a:effectRef>
-          <a:fontRef idx="minor">
-            <a:schemeClr val="tx1"/>
-          </a:fontRef>
-        </p:style>
-      </p:cxnSp>
-      <p:cxnSp>
-        <p:nvCxnSpPr>
-          <p:cNvPr id="24" name="직선 연결선 23"/>
-          <p:cNvCxnSpPr/>
-          <p:nvPr/>
-        </p:nvCxnSpPr>
-        <p:spPr>
-          <a:xfrm>
-            <a:off x="6129784" y="6680199"/>
-            <a:ext cx="360000" cy="0"/>
-          </a:xfrm>
-          <a:prstGeom prst="line">
-            <a:avLst/>
-          </a:prstGeom>
-          <a:ln w="44450" cap="rnd">
-            <a:solidFill>
-              <a:schemeClr val="accent1">
-                <a:lumMod val="50000"/>
-              </a:schemeClr>
-            </a:solidFill>
-          </a:ln>
-          <a:effectLst>
-            <a:outerShdw blurRad="50800" dist="38100" dir="5400000" algn="t" rotWithShape="0">
-              <a:prstClr val="black">
-                <a:alpha val="70000"/>
-              </a:prstClr>
-            </a:outerShdw>
-          </a:effectLst>
-        </p:spPr>
-        <p:style>
-          <a:lnRef idx="1">
-            <a:schemeClr val="accent1"/>
-          </a:lnRef>
-          <a:fillRef idx="0">
-            <a:schemeClr val="accent1"/>
-          </a:fillRef>
-          <a:effectRef idx="0">
-            <a:schemeClr val="accent1"/>
-          </a:effectRef>
-          <a:fontRef idx="minor">
-            <a:schemeClr val="tx1"/>
-          </a:fontRef>
-        </p:style>
-      </p:cxnSp>
-      <p:cxnSp>
-        <p:nvCxnSpPr>
-          <p:cNvPr id="25" name="직선 연결선 24"/>
-          <p:cNvCxnSpPr/>
-          <p:nvPr/>
-        </p:nvCxnSpPr>
-        <p:spPr>
-          <a:xfrm>
-            <a:off x="6557350" y="6680199"/>
-            <a:ext cx="360000" cy="0"/>
-          </a:xfrm>
-          <a:prstGeom prst="line">
-            <a:avLst/>
-          </a:prstGeom>
-          <a:ln w="44450" cap="rnd">
-            <a:solidFill>
-              <a:schemeClr val="accent1"/>
-            </a:solidFill>
-          </a:ln>
-          <a:effectLst>
-            <a:outerShdw blurRad="50800" dist="38100" dir="5400000" algn="t" rotWithShape="0">
-              <a:prstClr val="black">
-                <a:alpha val="70000"/>
-              </a:prstClr>
-            </a:outerShdw>
-          </a:effectLst>
-        </p:spPr>
-        <p:style>
-          <a:lnRef idx="1">
-            <a:schemeClr val="accent1"/>
-          </a:lnRef>
-          <a:fillRef idx="0">
-            <a:schemeClr val="accent1"/>
-          </a:fillRef>
-          <a:effectRef idx="0">
-            <a:schemeClr val="accent1"/>
-          </a:effectRef>
-          <a:fontRef idx="minor">
-            <a:schemeClr val="tx1"/>
-          </a:fontRef>
-        </p:style>
-      </p:cxnSp>
-      <p:pic>
-        <p:nvPicPr>
-          <p:cNvPr id="2053" name=""/>
-          <p:cNvPicPr/>
-          <p:nvPr/>
-        </p:nvPicPr>
-        <p:blipFill rotWithShape="1">
-          <a:blip r:embed="rId2"/>
-          <a:stretch>
-            <a:fillRect/>
-          </a:stretch>
-        </p:blipFill>
-        <p:spPr>
-          <a:xfrm>
-            <a:off x="2945936" y="1766807"/>
-            <a:ext cx="2160270" cy="1440180"/>
-          </a:xfrm>
-          <a:prstGeom prst="rect">
-            <a:avLst/>
-          </a:prstGeom>
-        </p:spPr>
-      </p:pic>
-      <p:pic>
-        <p:nvPicPr>
-          <p:cNvPr id="2054" name=""/>
-          <p:cNvPicPr/>
-          <p:nvPr/>
-        </p:nvPicPr>
-        <p:blipFill rotWithShape="1">
-          <a:blip r:embed="rId3"/>
-          <a:srcRect l="19450" b="61430"/>
-          <a:stretch>
-            <a:fillRect/>
-          </a:stretch>
-        </p:blipFill>
-        <p:spPr>
-          <a:xfrm>
-            <a:off x="2920577" y="3866303"/>
-            <a:ext cx="2160270" cy="1440180"/>
-          </a:xfrm>
-          <a:prstGeom prst="rect">
-            <a:avLst/>
-          </a:prstGeom>
-        </p:spPr>
-      </p:pic>
-      <p:sp>
-        <p:nvSpPr>
-          <p:cNvPr id="2055" name=""/>
-          <p:cNvSpPr txBox="1"/>
-          <p:nvPr/>
-        </p:nvSpPr>
-        <p:spPr>
-          <a:xfrm>
-            <a:off x="6904182" y="1629833"/>
-            <a:ext cx="2463031" cy="358987"/>
-          </a:xfrm>
-          <a:prstGeom prst="rect">
-            <a:avLst/>
-          </a:prstGeom>
-          <a:noFill/>
-          <a:ln w="25400">
-            <a:solidFill>
-              <a:schemeClr val="lt1"/>
-            </a:solidFill>
-          </a:ln>
-        </p:spPr>
-        <p:txBody>
-          <a:bodyPr wrap="square">
-            <a:spAutoFit/>
-          </a:bodyPr>
-          <a:lstStyle/>
-          <a:p>
-            <a:pPr algn="ctr">
-              <a:defRPr/>
-            </a:pPr>
-            <a:r>
-              <a:rPr lang="ko-KR" altLang="en-US">
-                <a:solidFill>
-                  <a:schemeClr val="lt1"/>
-                </a:solidFill>
-              </a:rPr>
-              <a:t>망치</a:t>
-            </a:r>
-            <a:endParaRPr lang="ko-KR" altLang="en-US">
-              <a:solidFill>
-                <a:schemeClr val="lt1"/>
-              </a:solidFill>
-            </a:endParaRPr>
-          </a:p>
-        </p:txBody>
-      </p:sp>
-      <p:sp>
-        <p:nvSpPr>
-          <p:cNvPr id="2056" name=""/>
-          <p:cNvSpPr txBox="1"/>
-          <p:nvPr/>
-        </p:nvSpPr>
-        <p:spPr>
-          <a:xfrm>
-            <a:off x="6707331" y="4004733"/>
-            <a:ext cx="2463031" cy="365337"/>
-          </a:xfrm>
-          <a:prstGeom prst="rect">
-            <a:avLst/>
-          </a:prstGeom>
-          <a:noFill/>
-          <a:ln w="25400">
-            <a:solidFill>
-              <a:schemeClr val="lt1"/>
-            </a:solidFill>
-          </a:ln>
-        </p:spPr>
-        <p:txBody>
-          <a:bodyPr wrap="square">
-            <a:spAutoFit/>
-          </a:bodyPr>
-          <a:lstStyle/>
-          <a:p>
-            <a:pPr algn="ctr">
-              <a:defRPr/>
-            </a:pPr>
-            <a:r>
-              <a:rPr lang="ko-KR" altLang="en-US">
-                <a:solidFill>
-                  <a:schemeClr val="lt1"/>
-                </a:solidFill>
-              </a:rPr>
-              <a:t>칼</a:t>
-            </a:r>
-            <a:endParaRPr lang="ko-KR" altLang="en-US">
-              <a:solidFill>
-                <a:schemeClr val="lt1"/>
-              </a:solidFill>
-            </a:endParaRPr>
-          </a:p>
-        </p:txBody>
-      </p:sp>
-    </p:spTree>
-  </p:cSld>
-  <p:clrMapOvr>
-    <a:masterClrMapping/>
-  </p:clrMapOvr>
-  <mc:AlternateContent xmlns:mc="http://schemas.openxmlformats.org/markup-compatibility/2006">
-    <mc:Choice xmlns:p14="http://schemas.microsoft.com/office/powerpoint/2010/main" Requires="p14">
-      <p:transition xmlns:mc="http://schemas.openxmlformats.org/markup-compatibility/2006" xmlns:p14="http://schemas.microsoft.com/office/powerpoint/2010/main" mc:Ignorable="p14" p14:dur="500"/>
-    </mc:Choice>
-    <mc:Fallback>
-      <p:transition/>
-    </mc:Fallback>
-  </mc:AlternateContent>
-</p:sld>
-</file>
-
-<file path=ppt/slides/slide12.xml><?xml version="1.0" encoding="utf-8"?>
 <p:sld xmlns:r="http://schemas.openxmlformats.org/officeDocument/2006/relationships" xmlns:c="http://schemas.openxmlformats.org/drawingml/2006/chart" xmlns:a="http://schemas.openxmlformats.org/drawingml/2006/main" xmlns:dgm="http://schemas.openxmlformats.org/drawingml/2006/diagram" xmlns:dsp="http://schemas.microsoft.com/office/drawing/2008/diagram" xmlns:p="http://schemas.openxmlformats.org/presentationml/2006/main">
   <p:cSld>
     <p:spTree>
@@ -4344,7 +4145,7 @@
 </p:sld>
 </file>
 
-<file path=ppt/slides/slide13.xml><?xml version="1.0" encoding="utf-8"?>
+<file path=ppt/slides/slide12.xml><?xml version="1.0" encoding="utf-8"?>
 <p:sld xmlns:r="http://schemas.openxmlformats.org/officeDocument/2006/relationships" xmlns:c="http://schemas.openxmlformats.org/drawingml/2006/chart" xmlns:a="http://schemas.openxmlformats.org/drawingml/2006/main" xmlns:dgm="http://schemas.openxmlformats.org/drawingml/2006/diagram" xmlns:dsp="http://schemas.microsoft.com/office/drawing/2008/diagram" xmlns:p="http://schemas.openxmlformats.org/presentationml/2006/main">
   <p:cSld>
     <p:spTree>
@@ -4494,7 +4295,7 @@
         </p:nvSpPr>
         <p:spPr>
           <a:xfrm>
-            <a:off x="3638262" y="1802321"/>
+            <a:off x="2368259" y="1558596"/>
             <a:ext cx="5223354" cy="1615249"/>
           </a:xfrm>
           <a:prstGeom prst="rect">
@@ -4511,20 +4312,12 @@
               <a:defRPr/>
             </a:pPr>
             <a:r>
-              <a:rPr lang="en-US" altLang="ko-KR" sz="3200" b="1" u="sng">
+              <a:rPr lang="ko-KR" altLang="en-US" sz="3200" b="1" u="sng">
                 <a:solidFill>
                   <a:schemeClr val="lt1"/>
                 </a:solidFill>
               </a:rPr>
-              <a:t>SkeletalMesh </a:t>
-            </a:r>
-            <a:r>
-              <a:rPr lang="ko-KR" altLang="en-US" sz="3200" b="1" u="sng">
-                <a:solidFill>
-                  <a:schemeClr val="lt1"/>
-                </a:solidFill>
-              </a:rPr>
-              <a:t>절단 연출</a:t>
+              <a:t>총알 구멍 연출</a:t>
             </a:r>
             <a:endParaRPr lang="ko-KR" altLang="en-US" sz="3200" b="1" u="sng">
               <a:solidFill>
@@ -4553,38 +4346,12 @@
               <a:t> </a:t>
             </a:r>
             <a:r>
-              <a:rPr lang="en-US" altLang="ko-KR" sz="2000">
+              <a:rPr lang="ko-KR" altLang="en-US" sz="2000">
                 <a:solidFill>
                   <a:schemeClr val="lt1"/>
                 </a:solidFill>
               </a:rPr>
-              <a:t>ProcedualMesh</a:t>
-            </a:r>
-            <a:r>
-              <a:rPr lang="ko-KR" altLang="en-US" sz="2000">
-                <a:solidFill>
-                  <a:schemeClr val="lt1"/>
-                </a:solidFill>
-              </a:rPr>
-              <a:t>를 이용하여</a:t>
-            </a:r>
-            <a:endParaRPr lang="ko-KR" altLang="en-US" sz="2000">
-              <a:solidFill>
-                <a:schemeClr val="lt1"/>
-              </a:solidFill>
-            </a:endParaRPr>
-          </a:p>
-          <a:p>
-            <a:pPr lvl="0">
-              <a:defRPr/>
-            </a:pPr>
-            <a:r>
-              <a:rPr lang="ko-KR" altLang="en-US" sz="2000">
-                <a:solidFill>
-                  <a:schemeClr val="lt1"/>
-                </a:solidFill>
-              </a:rPr>
-              <a:t>타격 받은 부위를 절단효과를 연출</a:t>
+              <a:t>절차 매쉬를이용하여 총알 자국을 실제로 메쉬를 변형시켜서 구현한다</a:t>
             </a:r>
             <a:endParaRPr lang="ko-KR" altLang="en-US" sz="2000">
               <a:solidFill>
@@ -4612,7 +4379,7 @@
         </p:nvSpPr>
         <p:spPr>
           <a:xfrm>
-            <a:off x="3638261" y="3781425"/>
+            <a:off x="2223941" y="3896878"/>
             <a:ext cx="5415779" cy="1303020"/>
           </a:xfrm>
           <a:prstGeom prst="rect">
@@ -4712,6 +4479,30 @@
           </a:p>
         </p:txBody>
       </p:sp>
+      <p:pic>
+        <p:nvPicPr>
+          <p:cNvPr id="30" name=""/>
+          <p:cNvPicPr>
+            <a:picLocks noChangeAspect="1"/>
+          </p:cNvPicPr>
+          <p:nvPr/>
+        </p:nvPicPr>
+        <p:blipFill rotWithShape="1">
+          <a:blip r:embed="rId2"/>
+          <a:stretch>
+            <a:fillRect/>
+          </a:stretch>
+        </p:blipFill>
+        <p:spPr>
+          <a:xfrm>
+            <a:off x="8466665" y="1533006"/>
+            <a:ext cx="1915926" cy="1530386"/>
+          </a:xfrm>
+          <a:prstGeom prst="rect">
+            <a:avLst/>
+          </a:prstGeom>
+        </p:spPr>
+      </p:pic>
     </p:spTree>
   </p:cSld>
   <p:clrMapOvr>
@@ -4728,7 +4519,7 @@
 </p:sld>
 </file>
 
-<file path=ppt/slides/slide14.xml><?xml version="1.0" encoding="utf-8"?>
+<file path=ppt/slides/slide13.xml><?xml version="1.0" encoding="utf-8"?>
 <p:sld xmlns:r="http://schemas.openxmlformats.org/officeDocument/2006/relationships" xmlns:c="http://schemas.openxmlformats.org/drawingml/2006/chart" xmlns:a="http://schemas.openxmlformats.org/drawingml/2006/main" xmlns:dgm="http://schemas.openxmlformats.org/drawingml/2006/diagram" xmlns:dsp="http://schemas.microsoft.com/office/drawing/2008/diagram" xmlns:p="http://schemas.openxmlformats.org/presentationml/2006/main">
   <p:cSld>
     <p:spTree>
@@ -5084,7 +4875,7 @@
 </p:sld>
 </file>
 
-<file path=ppt/slides/slide15.xml><?xml version="1.0" encoding="utf-8"?>
+<file path=ppt/slides/slide14.xml><?xml version="1.0" encoding="utf-8"?>
 <p:sld xmlns:r="http://schemas.openxmlformats.org/officeDocument/2006/relationships" xmlns:c="http://schemas.openxmlformats.org/drawingml/2006/chart" xmlns:a="http://schemas.openxmlformats.org/drawingml/2006/main" xmlns:dgm="http://schemas.openxmlformats.org/drawingml/2006/diagram" xmlns:dsp="http://schemas.microsoft.com/office/drawing/2008/diagram" xmlns:p="http://schemas.openxmlformats.org/presentationml/2006/main">
   <p:cSld>
     <p:spTree>
@@ -5639,7 +5430,7 @@
 </p:sld>
 </file>
 
-<file path=ppt/slides/slide16.xml><?xml version="1.0" encoding="utf-8"?>
+<file path=ppt/slides/slide15.xml><?xml version="1.0" encoding="utf-8"?>
 <p:sld xmlns:r="http://schemas.openxmlformats.org/officeDocument/2006/relationships" xmlns:c="http://schemas.openxmlformats.org/drawingml/2006/chart" xmlns:a="http://schemas.openxmlformats.org/drawingml/2006/main" xmlns:dgm="http://schemas.openxmlformats.org/drawingml/2006/diagram" xmlns:dsp="http://schemas.microsoft.com/office/drawing/2008/diagram" xmlns:p="http://schemas.openxmlformats.org/presentationml/2006/main">
   <p:cSld>
     <p:spTree>
@@ -6301,7 +6092,7 @@
 </p:sld>
 </file>
 
-<file path=ppt/slides/slide17.xml><?xml version="1.0" encoding="utf-8"?>
+<file path=ppt/slides/slide16.xml><?xml version="1.0" encoding="utf-8"?>
 <p:sld xmlns:r="http://schemas.openxmlformats.org/officeDocument/2006/relationships" xmlns:c="http://schemas.openxmlformats.org/drawingml/2006/chart" xmlns:a="http://schemas.openxmlformats.org/drawingml/2006/main" xmlns:dgm="http://schemas.openxmlformats.org/drawingml/2006/diagram" xmlns:dsp="http://schemas.microsoft.com/office/drawing/2008/diagram" xmlns:p="http://schemas.openxmlformats.org/presentationml/2006/main">
   <p:cSld>
     <p:spTree>
@@ -6453,7 +6244,7 @@
         </p:nvGraphicFramePr>
         <p:xfrm>
           <a:off x="1972331" y="779615"/>
-          <a:ext cx="10094593" cy="5456703"/>
+          <a:ext cx="10094593" cy="5524012"/>
         </p:xfrm>
         <a:graphic>
           <a:graphicData uri="http://schemas.openxmlformats.org/drawingml/2006/table">
@@ -10135,12 +9926,30 @@
                         <a:defRPr/>
                       </a:pPr>
                       <a:r>
+                        <a:rPr lang="ko-KR" altLang="en-US" sz="1000">
+                          <a:solidFill>
+                            <a:schemeClr val="lt1"/>
+                          </a:solidFill>
+                        </a:rPr>
+                        <a:t>총알 구멍 연출</a:t>
+                      </a:r>
+                      <a:endParaRPr lang="ko-KR" altLang="en-US" sz="1000">
+                        <a:solidFill>
+                          <a:schemeClr val="lt1"/>
+                        </a:solidFill>
+                      </a:endParaRPr>
+                    </a:p>
+                    <a:p>
+                      <a:pPr algn="ctr" latinLnBrk="1">
+                        <a:defRPr/>
+                      </a:pPr>
+                      <a:r>
                         <a:rPr lang="en-US" altLang="ko-KR" sz="1000">
                           <a:solidFill>
                             <a:schemeClr val="lt1"/>
                           </a:solidFill>
                         </a:rPr>
-                        <a:t>SK</a:t>
+                        <a:t>/</a:t>
                       </a:r>
                       <a:r>
                         <a:rPr lang="ko-KR" altLang="en-US" sz="1000">
@@ -10148,23 +9957,7 @@
                             <a:schemeClr val="lt1"/>
                           </a:solidFill>
                         </a:rPr>
-                        <a:t>매쉬</a:t>
-                      </a:r>
-                      <a:r>
-                        <a:rPr lang="en-US" altLang="ko-KR" sz="1000">
-                          <a:solidFill>
-                            <a:schemeClr val="lt1"/>
-                          </a:solidFill>
-                        </a:rPr>
-                        <a:t> </a:t>
-                      </a:r>
-                      <a:r>
-                        <a:rPr lang="ko-KR" altLang="en-US" sz="1000">
-                          <a:solidFill>
-                            <a:schemeClr val="lt1"/>
-                          </a:solidFill>
-                        </a:rPr>
-                        <a:t>절단 연출 </a:t>
+                        <a:t>절차적 애니메이션 </a:t>
                       </a:r>
                       <a:endParaRPr lang="ko-KR" altLang="en-US" sz="1000">
                         <a:solidFill>
@@ -12884,7 +12677,7 @@
 </p:sld>
 </file>
 
-<file path=ppt/slides/slide18.xml><?xml version="1.0" encoding="utf-8"?>
+<file path=ppt/slides/slide17.xml><?xml version="1.0" encoding="utf-8"?>
 <p:sld xmlns:a="http://schemas.openxmlformats.org/drawingml/2006/main" xmlns:r="http://schemas.openxmlformats.org/officeDocument/2006/relationships" xmlns:p="http://schemas.openxmlformats.org/presentationml/2006/main">
   <p:cSld>
     <p:spTree>
@@ -15515,7 +15308,7 @@
         </p:nvSpPr>
         <p:spPr>
           <a:xfrm>
-            <a:off x="7913426" y="3080808"/>
+            <a:off x="7759487" y="3080808"/>
             <a:ext cx="4140932" cy="696384"/>
           </a:xfrm>
           <a:prstGeom prst="rect">
@@ -15565,7 +15358,7 @@
         </p:nvCxnSpPr>
         <p:spPr>
           <a:xfrm>
-            <a:off x="6230696" y="2480486"/>
+            <a:off x="6096000" y="2480487"/>
             <a:ext cx="1437388" cy="948513"/>
           </a:xfrm>
           <a:prstGeom prst="straightConnector1">
@@ -15637,8 +15430,8 @@
         </p:nvSpPr>
         <p:spPr>
           <a:xfrm>
-            <a:off x="7567063" y="803678"/>
-            <a:ext cx="4140932" cy="1002146"/>
+            <a:off x="7528578" y="1024966"/>
+            <a:ext cx="4140932" cy="699367"/>
           </a:xfrm>
           <a:prstGeom prst="rect">
             <a:avLst/>
@@ -15689,29 +15482,7 @@
                 <a:latin typeface="HY태백B"/>
                 <a:ea typeface="HY태백B"/>
               </a:rPr>
-              <a:t> 부활하고 탈출도구가 사라짐</a:t>
-            </a:r>
-            <a:endParaRPr lang="ko-KR" altLang="en-US" sz="2000">
-              <a:solidFill>
-                <a:schemeClr val="lt1"/>
-              </a:solidFill>
-              <a:latin typeface="HY태백B"/>
-              <a:ea typeface="HY태백B"/>
-            </a:endParaRPr>
-          </a:p>
-          <a:p>
-            <a:pPr lvl="0" algn="ctr">
-              <a:defRPr/>
-            </a:pPr>
-            <a:r>
-              <a:rPr lang="ko-KR" altLang="en-US" sz="2000">
-                <a:solidFill>
-                  <a:schemeClr val="lt1"/>
-                </a:solidFill>
-                <a:latin typeface="HY태백B"/>
-                <a:ea typeface="HY태백B"/>
-              </a:rPr>
-              <a:t>무기 교체 가능</a:t>
+              <a:t> 부활하고 무기 교체 가능</a:t>
             </a:r>
             <a:endParaRPr lang="ko-KR" altLang="en-US" sz="2000">
               <a:solidFill>
@@ -15768,7 +15539,7 @@
         <p:spPr>
           <a:xfrm>
             <a:off x="7568044" y="5062028"/>
-            <a:ext cx="4285250" cy="698404"/>
+            <a:ext cx="4285250" cy="698692"/>
           </a:xfrm>
           <a:prstGeom prst="rect">
             <a:avLst/>
@@ -15807,7 +15578,7 @@
                 <a:latin typeface="HY태백B"/>
                 <a:ea typeface="HY태백B"/>
               </a:rPr>
-              <a:t>3</a:t>
+              <a:t>10</a:t>
             </a:r>
             <a:r>
               <a:rPr lang="ko-KR" altLang="en-US" sz="2000">

--- a/졸업작품 제안서/졸업작품 제안서ver3.pptx
+++ b/졸업작품 제안서/졸업작품 제안서ver3.pptx
@@ -2,10 +2,10 @@
 <file path=ppt/presentation.xml><?xml version="1.0" encoding="utf-8"?>
 <p:presentation xmlns:r="http://schemas.openxmlformats.org/officeDocument/2006/relationships" xmlns:c="http://schemas.openxmlformats.org/drawingml/2006/chart" xmlns:a="http://schemas.openxmlformats.org/drawingml/2006/main" xmlns:dgm="http://schemas.openxmlformats.org/drawingml/2006/diagram" xmlns:dsp="http://schemas.microsoft.com/office/drawing/2008/diagram" xmlns:p="http://schemas.openxmlformats.org/presentationml/2006/main">
   <p:sldMasterIdLst>
-    <p:sldMasterId id="2147483740" r:id="rId1"/>
-    <p:sldMasterId id="2147483741" r:id="rId2"/>
-    <p:sldMasterId id="2147483742" r:id="rId3"/>
-    <p:sldMasterId id="2147483743" r:id="rId4"/>
+    <p:sldMasterId id="2147483692" r:id="rId1"/>
+    <p:sldMasterId id="2147483693" r:id="rId2"/>
+    <p:sldMasterId id="2147483694" r:id="rId3"/>
+    <p:sldMasterId id="2147483695" r:id="rId4"/>
   </p:sldMasterIdLst>
   <p:sldIdLst>
     <p:sldId id="257" r:id="rId5"/>
@@ -18,13 +18,14 @@
     <p:sldId id="277" r:id="rId12"/>
     <p:sldId id="264" r:id="rId13"/>
     <p:sldId id="281" r:id="rId14"/>
-    <p:sldId id="280" r:id="rId15"/>
-    <p:sldId id="272" r:id="rId16"/>
-    <p:sldId id="273" r:id="rId17"/>
-    <p:sldId id="274" r:id="rId18"/>
-    <p:sldId id="275" r:id="rId19"/>
-    <p:sldId id="276" r:id="rId20"/>
-    <p:sldId id="263" r:id="rId21"/>
+    <p:sldId id="282" r:id="rId15"/>
+    <p:sldId id="280" r:id="rId16"/>
+    <p:sldId id="272" r:id="rId17"/>
+    <p:sldId id="273" r:id="rId18"/>
+    <p:sldId id="274" r:id="rId19"/>
+    <p:sldId id="275" r:id="rId20"/>
+    <p:sldId id="276" r:id="rId21"/>
+    <p:sldId id="263" r:id="rId22"/>
   </p:sldIdLst>
   <p:sldSz cx="12192000" cy="6858000"/>
   <p:notesSz cx="6858000" cy="9144000"/>
@@ -3190,6 +3191,421 @@
         </p:nvSpPr>
         <p:spPr>
           <a:xfrm>
+            <a:off x="441960" y="1631052"/>
+            <a:ext cx="1592580" cy="824492"/>
+          </a:xfrm>
+          <a:prstGeom prst="rect">
+            <a:avLst/>
+          </a:prstGeom>
+          <a:noFill/>
+        </p:spPr>
+        <p:txBody>
+          <a:bodyPr wrap="none">
+            <a:spAutoFit/>
+          </a:bodyPr>
+          <a:lstStyle/>
+          <a:p>
+            <a:pPr algn="ctr">
+              <a:defRPr/>
+            </a:pPr>
+            <a:r>
+              <a:rPr lang="ko-KR" altLang="en-US" sz="2800">
+                <a:solidFill>
+                  <a:schemeClr val="bg1"/>
+                </a:solidFill>
+                <a:latin typeface="나눔스퀘어 Light"/>
+                <a:ea typeface="나눔스퀘어 Light"/>
+              </a:rPr>
+              <a:t>게임소개</a:t>
+            </a:r>
+            <a:endParaRPr lang="ko-KR" altLang="en-US" sz="2800">
+              <a:solidFill>
+                <a:schemeClr val="bg1"/>
+              </a:solidFill>
+              <a:latin typeface="나눔스퀘어 Light"/>
+              <a:ea typeface="나눔스퀘어 Light"/>
+            </a:endParaRPr>
+          </a:p>
+          <a:p>
+            <a:pPr algn="ctr">
+              <a:defRPr/>
+            </a:pPr>
+            <a:r>
+              <a:rPr lang="ko-KR" altLang="en-US" sz="2000">
+                <a:solidFill>
+                  <a:schemeClr val="bg1"/>
+                </a:solidFill>
+                <a:latin typeface="나눔스퀘어 Light"/>
+                <a:ea typeface="나눔스퀘어 Light"/>
+              </a:rPr>
+              <a:t>무기</a:t>
+            </a:r>
+            <a:endParaRPr lang="en-US" altLang="ko-KR" sz="2000">
+              <a:solidFill>
+                <a:schemeClr val="bg1"/>
+              </a:solidFill>
+              <a:latin typeface="나눔스퀘어 Light"/>
+              <a:ea typeface="나눔스퀘어 Light"/>
+            </a:endParaRPr>
+          </a:p>
+        </p:txBody>
+      </p:sp>
+      <p:cxnSp>
+        <p:nvCxnSpPr>
+          <p:cNvPr id="13" name="직선 연결선 12"/>
+          <p:cNvCxnSpPr/>
+          <p:nvPr/>
+        </p:nvCxnSpPr>
+        <p:spPr>
+          <a:xfrm>
+            <a:off x="1190739" y="780737"/>
+            <a:ext cx="360000" cy="0"/>
+          </a:xfrm>
+          <a:prstGeom prst="line">
+            <a:avLst/>
+          </a:prstGeom>
+          <a:ln w="19050">
+            <a:solidFill>
+              <a:schemeClr val="bg1"/>
+            </a:solidFill>
+          </a:ln>
+        </p:spPr>
+        <p:style>
+          <a:lnRef idx="1">
+            <a:schemeClr val="accent1"/>
+          </a:lnRef>
+          <a:fillRef idx="0">
+            <a:schemeClr val="accent1"/>
+          </a:fillRef>
+          <a:effectRef idx="0">
+            <a:schemeClr val="accent1"/>
+          </a:effectRef>
+          <a:fontRef idx="minor">
+            <a:schemeClr val="tx1"/>
+          </a:fontRef>
+        </p:style>
+      </p:cxnSp>
+      <p:sp>
+        <p:nvSpPr>
+          <p:cNvPr id="1029" name=""/>
+          <p:cNvSpPr txBox="1"/>
+          <p:nvPr/>
+        </p:nvSpPr>
+        <p:spPr>
+          <a:xfrm>
+            <a:off x="7115847" y="590741"/>
+            <a:ext cx="3646442" cy="1179004"/>
+          </a:xfrm>
+          <a:prstGeom prst="rect">
+            <a:avLst/>
+          </a:prstGeom>
+          <a:noFill/>
+          <a:ln w="25400">
+            <a:solidFill>
+              <a:schemeClr val="lt1"/>
+            </a:solidFill>
+          </a:ln>
+        </p:spPr>
+        <p:txBody>
+          <a:bodyPr wrap="square">
+            <a:spAutoFit/>
+          </a:bodyPr>
+          <a:p>
+            <a:pPr algn="ctr">
+              <a:defRPr/>
+            </a:pPr>
+            <a:r>
+              <a:rPr lang="ko-KR" altLang="en-US">
+                <a:solidFill>
+                  <a:schemeClr val="lt1"/>
+                </a:solidFill>
+              </a:rPr>
+              <a:t>일반 수류탄</a:t>
+            </a:r>
+            <a:endParaRPr lang="ko-KR" altLang="en-US">
+              <a:solidFill>
+                <a:schemeClr val="lt1"/>
+              </a:solidFill>
+            </a:endParaRPr>
+          </a:p>
+          <a:p>
+            <a:pPr>
+              <a:defRPr/>
+            </a:pPr>
+            <a:endParaRPr lang="ko-KR" altLang="en-US">
+              <a:solidFill>
+                <a:schemeClr val="lt1"/>
+              </a:solidFill>
+            </a:endParaRPr>
+          </a:p>
+          <a:p>
+            <a:pPr>
+              <a:defRPr/>
+            </a:pPr>
+            <a:r>
+              <a:rPr lang="ko-KR" altLang="en-US">
+                <a:solidFill>
+                  <a:schemeClr val="lt1"/>
+                </a:solidFill>
+              </a:rPr>
+              <a:t>수류탄이 터진 지점에 강력한 데미지를 준다</a:t>
+            </a:r>
+            <a:endParaRPr lang="ko-KR" altLang="en-US">
+              <a:solidFill>
+                <a:schemeClr val="lt1"/>
+              </a:solidFill>
+            </a:endParaRPr>
+          </a:p>
+        </p:txBody>
+      </p:sp>
+      <p:sp>
+        <p:nvSpPr>
+          <p:cNvPr id="1030" name=""/>
+          <p:cNvSpPr txBox="1"/>
+          <p:nvPr/>
+        </p:nvSpPr>
+        <p:spPr>
+          <a:xfrm>
+            <a:off x="7104685" y="2274772"/>
+            <a:ext cx="3636820" cy="1180898"/>
+          </a:xfrm>
+          <a:prstGeom prst="rect">
+            <a:avLst/>
+          </a:prstGeom>
+          <a:ln w="25400">
+            <a:solidFill>
+              <a:schemeClr val="lt1"/>
+            </a:solidFill>
+          </a:ln>
+        </p:spPr>
+        <p:txBody>
+          <a:bodyPr wrap="square">
+            <a:spAutoFit/>
+          </a:bodyPr>
+          <a:lstStyle/>
+          <a:p>
+            <a:pPr algn="ctr">
+              <a:defRPr/>
+            </a:pPr>
+            <a:r>
+              <a:rPr lang="ko-KR" altLang="en-US">
+                <a:solidFill>
+                  <a:schemeClr val="lt1"/>
+                </a:solidFill>
+              </a:rPr>
+              <a:t>고체 수류탄</a:t>
+            </a:r>
+            <a:endParaRPr lang="ko-KR" altLang="en-US">
+              <a:solidFill>
+                <a:schemeClr val="lt1"/>
+              </a:solidFill>
+            </a:endParaRPr>
+          </a:p>
+          <a:p>
+            <a:pPr>
+              <a:defRPr/>
+            </a:pPr>
+            <a:endParaRPr lang="ko-KR" altLang="en-US">
+              <a:solidFill>
+                <a:schemeClr val="lt1"/>
+              </a:solidFill>
+            </a:endParaRPr>
+          </a:p>
+          <a:p>
+            <a:pPr>
+              <a:defRPr/>
+            </a:pPr>
+            <a:r>
+              <a:rPr lang="ko-KR" altLang="en-US">
+                <a:solidFill>
+                  <a:schemeClr val="lt1"/>
+                </a:solidFill>
+              </a:rPr>
+              <a:t>수류탄이 충돌된 지점에 벽을 생성한다</a:t>
+            </a:r>
+            <a:r>
+              <a:rPr lang="en-US" altLang="ko-KR">
+                <a:solidFill>
+                  <a:schemeClr val="lt1"/>
+                </a:solidFill>
+              </a:rPr>
+              <a:t>.</a:t>
+            </a:r>
+            <a:r>
+              <a:rPr lang="ko-KR" altLang="en-US">
+                <a:solidFill>
+                  <a:schemeClr val="lt1"/>
+                </a:solidFill>
+              </a:rPr>
+              <a:t> </a:t>
+            </a:r>
+            <a:endParaRPr lang="ko-KR" altLang="en-US">
+              <a:solidFill>
+                <a:schemeClr val="lt1"/>
+              </a:solidFill>
+            </a:endParaRPr>
+          </a:p>
+        </p:txBody>
+      </p:sp>
+      <p:sp>
+        <p:nvSpPr>
+          <p:cNvPr id="1031" name=""/>
+          <p:cNvSpPr txBox="1"/>
+          <p:nvPr/>
+        </p:nvSpPr>
+        <p:spPr>
+          <a:xfrm>
+            <a:off x="7064660" y="4223019"/>
+            <a:ext cx="3742654" cy="1185276"/>
+          </a:xfrm>
+          <a:prstGeom prst="rect">
+            <a:avLst/>
+          </a:prstGeom>
+          <a:ln w="25400">
+            <a:solidFill>
+              <a:schemeClr val="lt1"/>
+            </a:solidFill>
+          </a:ln>
+        </p:spPr>
+        <p:txBody>
+          <a:bodyPr wrap="square">
+            <a:spAutoFit/>
+          </a:bodyPr>
+          <a:lstStyle/>
+          <a:p>
+            <a:pPr algn="ctr">
+              <a:defRPr/>
+            </a:pPr>
+            <a:r>
+              <a:rPr lang="ko-KR" altLang="en-US">
+                <a:solidFill>
+                  <a:schemeClr val="lt1"/>
+                </a:solidFill>
+              </a:rPr>
+              <a:t>부비 트랩</a:t>
+            </a:r>
+            <a:endParaRPr lang="ko-KR" altLang="en-US">
+              <a:solidFill>
+                <a:schemeClr val="lt1"/>
+              </a:solidFill>
+            </a:endParaRPr>
+          </a:p>
+          <a:p>
+            <a:pPr>
+              <a:defRPr/>
+            </a:pPr>
+            <a:endParaRPr lang="ko-KR" altLang="en-US">
+              <a:solidFill>
+                <a:schemeClr val="lt1"/>
+              </a:solidFill>
+            </a:endParaRPr>
+          </a:p>
+          <a:p>
+            <a:pPr>
+              <a:defRPr/>
+            </a:pPr>
+            <a:r>
+              <a:rPr lang="ko-KR" altLang="en-US">
+                <a:solidFill>
+                  <a:schemeClr val="lt1"/>
+                </a:solidFill>
+              </a:rPr>
+              <a:t>사용자가 부비 트랩을 설치하여 지나가는 적에게 데미지를 준다</a:t>
+            </a:r>
+            <a:endParaRPr lang="ko-KR" altLang="en-US">
+              <a:solidFill>
+                <a:schemeClr val="lt1"/>
+              </a:solidFill>
+            </a:endParaRPr>
+          </a:p>
+        </p:txBody>
+      </p:sp>
+    </p:spTree>
+  </p:cSld>
+  <p:clrMapOvr>
+    <a:masterClrMapping/>
+  </p:clrMapOvr>
+  <mc:AlternateContent xmlns:mc="http://schemas.openxmlformats.org/markup-compatibility/2006">
+    <mc:Choice xmlns:p14="http://schemas.microsoft.com/office/powerpoint/2010/main" Requires="p14">
+      <p:transition xmlns:mc="http://schemas.openxmlformats.org/markup-compatibility/2006" xmlns:p14="http://schemas.microsoft.com/office/powerpoint/2010/main" mc:Ignorable="p14" p14:dur="500"/>
+    </mc:Choice>
+    <mc:Fallback>
+      <p:transition/>
+    </mc:Fallback>
+  </mc:AlternateContent>
+</p:sld>
+</file>
+
+<file path=ppt/slides/slide12.xml><?xml version="1.0" encoding="utf-8"?>
+<p:sld xmlns:r="http://schemas.openxmlformats.org/officeDocument/2006/relationships" xmlns:c="http://schemas.openxmlformats.org/drawingml/2006/chart" xmlns:a="http://schemas.openxmlformats.org/drawingml/2006/main" xmlns:dgm="http://schemas.openxmlformats.org/drawingml/2006/diagram" xmlns:dsp="http://schemas.microsoft.com/office/drawing/2008/diagram" xmlns:p="http://schemas.openxmlformats.org/presentationml/2006/main">
+  <p:cSld>
+    <p:spTree>
+      <p:nvGrpSpPr>
+        <p:cNvPr id="1" name=""/>
+        <p:cNvGrpSpPr/>
+        <p:nvPr/>
+      </p:nvGrpSpPr>
+      <p:grpSpPr>
+        <a:xfrm>
+          <a:off x="0" y="0"/>
+          <a:ext cx="0" cy="0"/>
+          <a:chOff x="0" y="0"/>
+          <a:chExt cx="0" cy="0"/>
+        </a:xfrm>
+      </p:grpSpPr>
+      <p:sp>
+        <p:nvSpPr>
+          <p:cNvPr id="4" name="TextBox 3"/>
+          <p:cNvSpPr txBox="1"/>
+          <p:nvPr/>
+        </p:nvSpPr>
+        <p:spPr>
+          <a:xfrm>
+            <a:off x="829565" y="816039"/>
+            <a:ext cx="1062100" cy="1001331"/>
+          </a:xfrm>
+          <a:prstGeom prst="rect">
+            <a:avLst/>
+          </a:prstGeom>
+          <a:noFill/>
+        </p:spPr>
+        <p:txBody>
+          <a:bodyPr wrap="none">
+            <a:spAutoFit/>
+          </a:bodyPr>
+          <a:lstStyle/>
+          <a:p>
+            <a:pPr lvl="0">
+              <a:defRPr/>
+            </a:pPr>
+            <a:r>
+              <a:rPr lang="en-US" altLang="ko-KR" sz="6000">
+                <a:solidFill>
+                  <a:schemeClr val="bg1"/>
+                </a:solidFill>
+                <a:latin typeface="나눔스퀘어 Light"/>
+                <a:ea typeface="나눔스퀘어 Light"/>
+              </a:rPr>
+              <a:t>03</a:t>
+            </a:r>
+            <a:endParaRPr lang="en-US" altLang="ko-KR" sz="6000">
+              <a:solidFill>
+                <a:schemeClr val="bg1"/>
+              </a:solidFill>
+              <a:latin typeface="나눔스퀘어 Light"/>
+              <a:ea typeface="나눔스퀘어 Light"/>
+            </a:endParaRPr>
+          </a:p>
+        </p:txBody>
+      </p:sp>
+      <p:sp>
+        <p:nvSpPr>
+          <p:cNvPr id="5" name="TextBox 4"/>
+          <p:cNvSpPr txBox="1"/>
+          <p:nvPr/>
+        </p:nvSpPr>
+        <p:spPr>
+          <a:xfrm>
             <a:off x="451485" y="1631052"/>
             <a:ext cx="1592580" cy="824493"/>
           </a:xfrm>
@@ -4145,7 +4561,7 @@
 </p:sld>
 </file>
 
-<file path=ppt/slides/slide12.xml><?xml version="1.0" encoding="utf-8"?>
+<file path=ppt/slides/slide13.xml><?xml version="1.0" encoding="utf-8"?>
 <p:sld xmlns:r="http://schemas.openxmlformats.org/officeDocument/2006/relationships" xmlns:c="http://schemas.openxmlformats.org/drawingml/2006/chart" xmlns:a="http://schemas.openxmlformats.org/drawingml/2006/main" xmlns:dgm="http://schemas.openxmlformats.org/drawingml/2006/diagram" xmlns:dsp="http://schemas.microsoft.com/office/drawing/2008/diagram" xmlns:p="http://schemas.openxmlformats.org/presentationml/2006/main">
   <p:cSld>
     <p:spTree>
@@ -4295,7 +4711,7 @@
         </p:nvSpPr>
         <p:spPr>
           <a:xfrm>
-            <a:off x="2368259" y="1558596"/>
+            <a:off x="2743487" y="894732"/>
             <a:ext cx="5223354" cy="1615249"/>
           </a:xfrm>
           <a:prstGeom prst="rect">
@@ -4317,7 +4733,7 @@
                   <a:schemeClr val="lt1"/>
                 </a:solidFill>
               </a:rPr>
-              <a:t>총알 구멍 연출</a:t>
+              <a:t>총알 자국 연출</a:t>
             </a:r>
             <a:endParaRPr lang="ko-KR" altLang="en-US" sz="3200" b="1" u="sng">
               <a:solidFill>
@@ -4379,7 +4795,7 @@
         </p:nvSpPr>
         <p:spPr>
           <a:xfrm>
-            <a:off x="2223941" y="3896878"/>
+            <a:off x="963561" y="4839756"/>
             <a:ext cx="5415779" cy="1303020"/>
           </a:xfrm>
           <a:prstGeom prst="rect">
@@ -4495,8 +4911,124 @@
         </p:blipFill>
         <p:spPr>
           <a:xfrm>
-            <a:off x="8466665" y="1533006"/>
+            <a:off x="8226134" y="618991"/>
             <a:ext cx="1915926" cy="1530386"/>
+          </a:xfrm>
+          <a:prstGeom prst="rect">
+            <a:avLst/>
+          </a:prstGeom>
+        </p:spPr>
+      </p:pic>
+      <p:sp>
+        <p:nvSpPr>
+          <p:cNvPr id="31" name="TextBox 26"/>
+          <p:cNvSpPr txBox="1"/>
+          <p:nvPr/>
+        </p:nvSpPr>
+        <p:spPr>
+          <a:xfrm>
+            <a:off x="1048611" y="3019480"/>
+            <a:ext cx="6695399" cy="1607957"/>
+          </a:xfrm>
+          <a:prstGeom prst="rect">
+            <a:avLst/>
+          </a:prstGeom>
+        </p:spPr>
+        <p:txBody>
+          <a:bodyPr wrap="square">
+            <a:spAutoFit/>
+          </a:bodyPr>
+          <a:lstStyle/>
+          <a:p>
+            <a:pPr lvl="0" algn="ctr">
+              <a:defRPr/>
+            </a:pPr>
+            <a:r>
+              <a:rPr lang="ko-KR" altLang="en-US" sz="3200" b="1" u="sng">
+                <a:solidFill>
+                  <a:schemeClr val="lt1"/>
+                </a:solidFill>
+              </a:rPr>
+              <a:t>메쉬 변형을 통한 모프애니메이션</a:t>
+            </a:r>
+            <a:endParaRPr lang="ko-KR" altLang="en-US" sz="3200" b="1" u="sng">
+              <a:solidFill>
+                <a:schemeClr val="lt1"/>
+              </a:solidFill>
+            </a:endParaRPr>
+          </a:p>
+          <a:p>
+            <a:pPr lvl="0">
+              <a:defRPr/>
+            </a:pPr>
+            <a:r>
+              <a:rPr lang="en-US" altLang="ko-KR" sz="2800">
+                <a:solidFill>
+                  <a:schemeClr val="lt1"/>
+                </a:solidFill>
+              </a:rPr>
+              <a:t>-</a:t>
+            </a:r>
+            <a:r>
+              <a:rPr lang="ko-KR" altLang="en-US" sz="2800">
+                <a:solidFill>
+                  <a:schemeClr val="lt1"/>
+                </a:solidFill>
+              </a:rPr>
+              <a:t> </a:t>
+            </a:r>
+            <a:r>
+              <a:rPr lang="ko-KR" altLang="en-US" sz="2000">
+                <a:solidFill>
+                  <a:schemeClr val="lt1"/>
+                </a:solidFill>
+              </a:rPr>
+              <a:t>언리얼에서 메쉬 데이터들을 이용하여 모프 애니메이션 구현한다</a:t>
+            </a:r>
+            <a:r>
+              <a:rPr lang="en-US" altLang="ko-KR" sz="2000">
+                <a:solidFill>
+                  <a:schemeClr val="lt1"/>
+                </a:solidFill>
+              </a:rPr>
+              <a:t>.</a:t>
+            </a:r>
+            <a:endParaRPr lang="en-US" altLang="ko-KR" sz="2000">
+              <a:solidFill>
+                <a:schemeClr val="lt1"/>
+              </a:solidFill>
+            </a:endParaRPr>
+          </a:p>
+          <a:p>
+            <a:pPr lvl="0">
+              <a:defRPr/>
+            </a:pPr>
+            <a:endParaRPr lang="ko-KR" altLang="en-US" sz="2000">
+              <a:solidFill>
+                <a:schemeClr val="lt1"/>
+              </a:solidFill>
+            </a:endParaRPr>
+          </a:p>
+        </p:txBody>
+      </p:sp>
+      <p:pic>
+        <p:nvPicPr>
+          <p:cNvPr id="32" name=""/>
+          <p:cNvPicPr>
+            <a:picLocks noChangeAspect="1"/>
+          </p:cNvPicPr>
+          <p:nvPr/>
+        </p:nvPicPr>
+        <p:blipFill rotWithShape="1">
+          <a:blip r:embed="rId3"/>
+          <a:stretch>
+            <a:fillRect/>
+          </a:stretch>
+        </p:blipFill>
+        <p:spPr>
+          <a:xfrm>
+            <a:off x="7766093" y="2864627"/>
+            <a:ext cx="3738628" cy="2446596"/>
           </a:xfrm>
           <a:prstGeom prst="rect">
             <a:avLst/>
@@ -4519,7 +5051,7 @@
 </p:sld>
 </file>
 
-<file path=ppt/slides/slide13.xml><?xml version="1.0" encoding="utf-8"?>
+<file path=ppt/slides/slide14.xml><?xml version="1.0" encoding="utf-8"?>
 <p:sld xmlns:r="http://schemas.openxmlformats.org/officeDocument/2006/relationships" xmlns:c="http://schemas.openxmlformats.org/drawingml/2006/chart" xmlns:a="http://schemas.openxmlformats.org/drawingml/2006/main" xmlns:dgm="http://schemas.openxmlformats.org/drawingml/2006/diagram" xmlns:dsp="http://schemas.microsoft.com/office/drawing/2008/diagram" xmlns:p="http://schemas.openxmlformats.org/presentationml/2006/main">
   <p:cSld>
     <p:spTree>
@@ -4875,7 +5407,7 @@
 </p:sld>
 </file>
 
-<file path=ppt/slides/slide14.xml><?xml version="1.0" encoding="utf-8"?>
+<file path=ppt/slides/slide15.xml><?xml version="1.0" encoding="utf-8"?>
 <p:sld xmlns:r="http://schemas.openxmlformats.org/officeDocument/2006/relationships" xmlns:c="http://schemas.openxmlformats.org/drawingml/2006/chart" xmlns:a="http://schemas.openxmlformats.org/drawingml/2006/main" xmlns:dgm="http://schemas.openxmlformats.org/drawingml/2006/diagram" xmlns:dsp="http://schemas.microsoft.com/office/drawing/2008/diagram" xmlns:p="http://schemas.openxmlformats.org/presentationml/2006/main">
   <p:cSld>
     <p:spTree>
@@ -5430,7 +5962,7 @@
 </p:sld>
 </file>
 
-<file path=ppt/slides/slide15.xml><?xml version="1.0" encoding="utf-8"?>
+<file path=ppt/slides/slide16.xml><?xml version="1.0" encoding="utf-8"?>
 <p:sld xmlns:r="http://schemas.openxmlformats.org/officeDocument/2006/relationships" xmlns:c="http://schemas.openxmlformats.org/drawingml/2006/chart" xmlns:a="http://schemas.openxmlformats.org/drawingml/2006/main" xmlns:dgm="http://schemas.openxmlformats.org/drawingml/2006/diagram" xmlns:dsp="http://schemas.microsoft.com/office/drawing/2008/diagram" xmlns:p="http://schemas.openxmlformats.org/presentationml/2006/main">
   <p:cSld>
     <p:spTree>
@@ -6092,7 +6624,7 @@
 </p:sld>
 </file>
 
-<file path=ppt/slides/slide16.xml><?xml version="1.0" encoding="utf-8"?>
+<file path=ppt/slides/slide17.xml><?xml version="1.0" encoding="utf-8"?>
 <p:sld xmlns:r="http://schemas.openxmlformats.org/officeDocument/2006/relationships" xmlns:c="http://schemas.openxmlformats.org/drawingml/2006/chart" xmlns:a="http://schemas.openxmlformats.org/drawingml/2006/main" xmlns:dgm="http://schemas.openxmlformats.org/drawingml/2006/diagram" xmlns:dsp="http://schemas.microsoft.com/office/drawing/2008/diagram" xmlns:p="http://schemas.openxmlformats.org/presentationml/2006/main">
   <p:cSld>
     <p:spTree>
@@ -12677,7 +13209,7 @@
 </p:sld>
 </file>
 
-<file path=ppt/slides/slide17.xml><?xml version="1.0" encoding="utf-8"?>
+<file path=ppt/slides/slide18.xml><?xml version="1.0" encoding="utf-8"?>
 <p:sld xmlns:a="http://schemas.openxmlformats.org/drawingml/2006/main" xmlns:r="http://schemas.openxmlformats.org/officeDocument/2006/relationships" xmlns:p="http://schemas.openxmlformats.org/presentationml/2006/main">
   <p:cSld>
     <p:spTree>
